--- a/Mobile Control.pptx
+++ b/Mobile Control.pptx
@@ -2,10 +2,22 @@
 <file path=ppt/presentation.xml><?xml version="1.0" encoding="utf-8"?>
 <p:presentation xmlns:a="http://schemas.openxmlformats.org/drawingml/2006/main" xmlns:r="http://schemas.openxmlformats.org/officeDocument/2006/relationships" xmlns:p="http://schemas.openxmlformats.org/presentationml/2006/main" saveSubsetFonts="1">
   <p:sldMasterIdLst>
-    <p:sldMasterId id="2147483648" r:id="rId1"/>
+    <p:sldMasterId id="2147483720" r:id="rId1"/>
   </p:sldMasterIdLst>
+  <p:notesMasterIdLst>
+    <p:notesMasterId r:id="rId12"/>
+  </p:notesMasterIdLst>
   <p:sldIdLst>
-    <p:sldId id="256" r:id="rId2"/>
+    <p:sldId id="257" r:id="rId2"/>
+    <p:sldId id="256" r:id="rId3"/>
+    <p:sldId id="258" r:id="rId4"/>
+    <p:sldId id="259" r:id="rId5"/>
+    <p:sldId id="260" r:id="rId6"/>
+    <p:sldId id="261" r:id="rId7"/>
+    <p:sldId id="262" r:id="rId8"/>
+    <p:sldId id="263" r:id="rId9"/>
+    <p:sldId id="264" r:id="rId10"/>
+    <p:sldId id="265" r:id="rId11"/>
   </p:sldIdLst>
   <p:sldSz cx="9144000" cy="6858000" type="screen4x3"/>
   <p:notesSz cx="6858000" cy="9144000"/>
@@ -107,6 +119,356 @@
 </p:presentation>
 </file>
 
+<file path=ppt/notesMasters/notesMaster1.xml><?xml version="1.0" encoding="utf-8"?>
+<p:notesMaster xmlns:a="http://schemas.openxmlformats.org/drawingml/2006/main" xmlns:r="http://schemas.openxmlformats.org/officeDocument/2006/relationships" xmlns:p="http://schemas.openxmlformats.org/presentationml/2006/main">
+  <p:cSld>
+    <p:bg>
+      <p:bgRef idx="1001">
+        <a:schemeClr val="bg1"/>
+      </p:bgRef>
+    </p:bg>
+    <p:spTree>
+      <p:nvGrpSpPr>
+        <p:cNvPr id="1" name=""/>
+        <p:cNvGrpSpPr/>
+        <p:nvPr/>
+      </p:nvGrpSpPr>
+      <p:grpSpPr>
+        <a:xfrm>
+          <a:off x="0" y="0"/>
+          <a:ext cx="0" cy="0"/>
+          <a:chOff x="0" y="0"/>
+          <a:chExt cx="0" cy="0"/>
+        </a:xfrm>
+      </p:grpSpPr>
+      <p:sp>
+        <p:nvSpPr>
+          <p:cNvPr id="2" name="Header Placeholder 1"/>
+          <p:cNvSpPr>
+            <a:spLocks noGrp="1"/>
+          </p:cNvSpPr>
+          <p:nvPr>
+            <p:ph type="hdr" sz="quarter"/>
+          </p:nvPr>
+        </p:nvSpPr>
+        <p:spPr>
+          <a:xfrm>
+            <a:off x="0" y="0"/>
+            <a:ext cx="2971800" cy="457200"/>
+          </a:xfrm>
+          <a:prstGeom prst="rect">
+            <a:avLst/>
+          </a:prstGeom>
+        </p:spPr>
+        <p:txBody>
+          <a:bodyPr vert="horz" lIns="91440" tIns="45720" rIns="91440" bIns="45720" rtlCol="0"/>
+          <a:lstStyle>
+            <a:lvl1pPr algn="l">
+              <a:defRPr sz="1200"/>
+            </a:lvl1pPr>
+          </a:lstStyle>
+          <a:p>
+            <a:endParaRPr lang="ro-RO"/>
+          </a:p>
+        </p:txBody>
+      </p:sp>
+      <p:sp>
+        <p:nvSpPr>
+          <p:cNvPr id="3" name="Date Placeholder 2"/>
+          <p:cNvSpPr>
+            <a:spLocks noGrp="1"/>
+          </p:cNvSpPr>
+          <p:nvPr>
+            <p:ph type="dt" idx="1"/>
+          </p:nvPr>
+        </p:nvSpPr>
+        <p:spPr>
+          <a:xfrm>
+            <a:off x="3884613" y="0"/>
+            <a:ext cx="2971800" cy="457200"/>
+          </a:xfrm>
+          <a:prstGeom prst="rect">
+            <a:avLst/>
+          </a:prstGeom>
+        </p:spPr>
+        <p:txBody>
+          <a:bodyPr vert="horz" lIns="91440" tIns="45720" rIns="91440" bIns="45720" rtlCol="0"/>
+          <a:lstStyle>
+            <a:lvl1pPr algn="r">
+              <a:defRPr sz="1200"/>
+            </a:lvl1pPr>
+          </a:lstStyle>
+          <a:p>
+            <a:fld id="{B6284C35-ADEB-4188-A1A3-D8F130674823}" type="datetimeFigureOut">
+              <a:rPr lang="ro-RO" smtClean="0"/>
+              <a:t>03.07.2018</a:t>
+            </a:fld>
+            <a:endParaRPr lang="ro-RO"/>
+          </a:p>
+        </p:txBody>
+      </p:sp>
+      <p:sp>
+        <p:nvSpPr>
+          <p:cNvPr id="4" name="Slide Image Placeholder 3"/>
+          <p:cNvSpPr>
+            <a:spLocks noGrp="1" noRot="1" noChangeAspect="1"/>
+          </p:cNvSpPr>
+          <p:nvPr>
+            <p:ph type="sldImg" idx="2"/>
+          </p:nvPr>
+        </p:nvSpPr>
+        <p:spPr>
+          <a:xfrm>
+            <a:off x="1143000" y="685800"/>
+            <a:ext cx="4572000" cy="3429000"/>
+          </a:xfrm>
+          <a:prstGeom prst="rect">
+            <a:avLst/>
+          </a:prstGeom>
+          <a:noFill/>
+          <a:ln w="12700">
+            <a:solidFill>
+              <a:prstClr val="black"/>
+            </a:solidFill>
+          </a:ln>
+        </p:spPr>
+        <p:txBody>
+          <a:bodyPr vert="horz" lIns="91440" tIns="45720" rIns="91440" bIns="45720" rtlCol="0" anchor="ctr"/>
+          <a:lstStyle/>
+          <a:p>
+            <a:endParaRPr lang="ro-RO"/>
+          </a:p>
+        </p:txBody>
+      </p:sp>
+      <p:sp>
+        <p:nvSpPr>
+          <p:cNvPr id="5" name="Notes Placeholder 4"/>
+          <p:cNvSpPr>
+            <a:spLocks noGrp="1"/>
+          </p:cNvSpPr>
+          <p:nvPr>
+            <p:ph type="body" sz="quarter" idx="3"/>
+          </p:nvPr>
+        </p:nvSpPr>
+        <p:spPr>
+          <a:xfrm>
+            <a:off x="685800" y="4343400"/>
+            <a:ext cx="5486400" cy="4114800"/>
+          </a:xfrm>
+          <a:prstGeom prst="rect">
+            <a:avLst/>
+          </a:prstGeom>
+        </p:spPr>
+        <p:txBody>
+          <a:bodyPr vert="horz" lIns="91440" tIns="45720" rIns="91440" bIns="45720" rtlCol="0"/>
+          <a:lstStyle/>
+          <a:p>
+            <a:pPr lvl="0"/>
+            <a:r>
+              <a:rPr lang="en-US" smtClean="0"/>
+              <a:t>Click to edit Master text styles</a:t>
+            </a:r>
+          </a:p>
+          <a:p>
+            <a:pPr lvl="1"/>
+            <a:r>
+              <a:rPr lang="en-US" smtClean="0"/>
+              <a:t>Second level</a:t>
+            </a:r>
+          </a:p>
+          <a:p>
+            <a:pPr lvl="2"/>
+            <a:r>
+              <a:rPr lang="en-US" smtClean="0"/>
+              <a:t>Third level</a:t>
+            </a:r>
+          </a:p>
+          <a:p>
+            <a:pPr lvl="3"/>
+            <a:r>
+              <a:rPr lang="en-US" smtClean="0"/>
+              <a:t>Fourth level</a:t>
+            </a:r>
+          </a:p>
+          <a:p>
+            <a:pPr lvl="4"/>
+            <a:r>
+              <a:rPr lang="en-US" smtClean="0"/>
+              <a:t>Fifth level</a:t>
+            </a:r>
+            <a:endParaRPr lang="ro-RO"/>
+          </a:p>
+        </p:txBody>
+      </p:sp>
+      <p:sp>
+        <p:nvSpPr>
+          <p:cNvPr id="6" name="Footer Placeholder 5"/>
+          <p:cNvSpPr>
+            <a:spLocks noGrp="1"/>
+          </p:cNvSpPr>
+          <p:nvPr>
+            <p:ph type="ftr" sz="quarter" idx="4"/>
+          </p:nvPr>
+        </p:nvSpPr>
+        <p:spPr>
+          <a:xfrm>
+            <a:off x="0" y="8685213"/>
+            <a:ext cx="2971800" cy="457200"/>
+          </a:xfrm>
+          <a:prstGeom prst="rect">
+            <a:avLst/>
+          </a:prstGeom>
+        </p:spPr>
+        <p:txBody>
+          <a:bodyPr vert="horz" lIns="91440" tIns="45720" rIns="91440" bIns="45720" rtlCol="0" anchor="b"/>
+          <a:lstStyle>
+            <a:lvl1pPr algn="l">
+              <a:defRPr sz="1200"/>
+            </a:lvl1pPr>
+          </a:lstStyle>
+          <a:p>
+            <a:endParaRPr lang="ro-RO"/>
+          </a:p>
+        </p:txBody>
+      </p:sp>
+      <p:sp>
+        <p:nvSpPr>
+          <p:cNvPr id="7" name="Slide Number Placeholder 6"/>
+          <p:cNvSpPr>
+            <a:spLocks noGrp="1"/>
+          </p:cNvSpPr>
+          <p:nvPr>
+            <p:ph type="sldNum" sz="quarter" idx="5"/>
+          </p:nvPr>
+        </p:nvSpPr>
+        <p:spPr>
+          <a:xfrm>
+            <a:off x="3884613" y="8685213"/>
+            <a:ext cx="2971800" cy="457200"/>
+          </a:xfrm>
+          <a:prstGeom prst="rect">
+            <a:avLst/>
+          </a:prstGeom>
+        </p:spPr>
+        <p:txBody>
+          <a:bodyPr vert="horz" lIns="91440" tIns="45720" rIns="91440" bIns="45720" rtlCol="0" anchor="b"/>
+          <a:lstStyle>
+            <a:lvl1pPr algn="r">
+              <a:defRPr sz="1200"/>
+            </a:lvl1pPr>
+          </a:lstStyle>
+          <a:p>
+            <a:fld id="{AE5E0771-F680-4CA6-9BEA-E2EB81A49CC9}" type="slidenum">
+              <a:rPr lang="ro-RO" smtClean="0"/>
+              <a:t>‹#›</a:t>
+            </a:fld>
+            <a:endParaRPr lang="ro-RO"/>
+          </a:p>
+        </p:txBody>
+      </p:sp>
+    </p:spTree>
+    <p:extLst>
+      <p:ext uri="{BB962C8B-B14F-4D97-AF65-F5344CB8AC3E}">
+        <p14:creationId xmlns:p14="http://schemas.microsoft.com/office/powerpoint/2010/main" val="2872865740"/>
+      </p:ext>
+    </p:extLst>
+  </p:cSld>
+  <p:clrMap bg1="lt1" tx1="dk1" bg2="lt2" tx2="dk2" accent1="accent1" accent2="accent2" accent3="accent3" accent4="accent4" accent5="accent5" accent6="accent6" hlink="hlink" folHlink="folHlink"/>
+  <p:notesStyle>
+    <a:lvl1pPr marL="0" algn="l" defTabSz="914400" rtl="0" eaLnBrk="1" latinLnBrk="0" hangingPunct="1">
+      <a:defRPr sz="1200" kern="1200">
+        <a:solidFill>
+          <a:schemeClr val="tx1"/>
+        </a:solidFill>
+        <a:latin typeface="+mn-lt"/>
+        <a:ea typeface="+mn-ea"/>
+        <a:cs typeface="+mn-cs"/>
+      </a:defRPr>
+    </a:lvl1pPr>
+    <a:lvl2pPr marL="457200" algn="l" defTabSz="914400" rtl="0" eaLnBrk="1" latinLnBrk="0" hangingPunct="1">
+      <a:defRPr sz="1200" kern="1200">
+        <a:solidFill>
+          <a:schemeClr val="tx1"/>
+        </a:solidFill>
+        <a:latin typeface="+mn-lt"/>
+        <a:ea typeface="+mn-ea"/>
+        <a:cs typeface="+mn-cs"/>
+      </a:defRPr>
+    </a:lvl2pPr>
+    <a:lvl3pPr marL="914400" algn="l" defTabSz="914400" rtl="0" eaLnBrk="1" latinLnBrk="0" hangingPunct="1">
+      <a:defRPr sz="1200" kern="1200">
+        <a:solidFill>
+          <a:schemeClr val="tx1"/>
+        </a:solidFill>
+        <a:latin typeface="+mn-lt"/>
+        <a:ea typeface="+mn-ea"/>
+        <a:cs typeface="+mn-cs"/>
+      </a:defRPr>
+    </a:lvl3pPr>
+    <a:lvl4pPr marL="1371600" algn="l" defTabSz="914400" rtl="0" eaLnBrk="1" latinLnBrk="0" hangingPunct="1">
+      <a:defRPr sz="1200" kern="1200">
+        <a:solidFill>
+          <a:schemeClr val="tx1"/>
+        </a:solidFill>
+        <a:latin typeface="+mn-lt"/>
+        <a:ea typeface="+mn-ea"/>
+        <a:cs typeface="+mn-cs"/>
+      </a:defRPr>
+    </a:lvl4pPr>
+    <a:lvl5pPr marL="1828800" algn="l" defTabSz="914400" rtl="0" eaLnBrk="1" latinLnBrk="0" hangingPunct="1">
+      <a:defRPr sz="1200" kern="1200">
+        <a:solidFill>
+          <a:schemeClr val="tx1"/>
+        </a:solidFill>
+        <a:latin typeface="+mn-lt"/>
+        <a:ea typeface="+mn-ea"/>
+        <a:cs typeface="+mn-cs"/>
+      </a:defRPr>
+    </a:lvl5pPr>
+    <a:lvl6pPr marL="2286000" algn="l" defTabSz="914400" rtl="0" eaLnBrk="1" latinLnBrk="0" hangingPunct="1">
+      <a:defRPr sz="1200" kern="1200">
+        <a:solidFill>
+          <a:schemeClr val="tx1"/>
+        </a:solidFill>
+        <a:latin typeface="+mn-lt"/>
+        <a:ea typeface="+mn-ea"/>
+        <a:cs typeface="+mn-cs"/>
+      </a:defRPr>
+    </a:lvl6pPr>
+    <a:lvl7pPr marL="2743200" algn="l" defTabSz="914400" rtl="0" eaLnBrk="1" latinLnBrk="0" hangingPunct="1">
+      <a:defRPr sz="1200" kern="1200">
+        <a:solidFill>
+          <a:schemeClr val="tx1"/>
+        </a:solidFill>
+        <a:latin typeface="+mn-lt"/>
+        <a:ea typeface="+mn-ea"/>
+        <a:cs typeface="+mn-cs"/>
+      </a:defRPr>
+    </a:lvl7pPr>
+    <a:lvl8pPr marL="3200400" algn="l" defTabSz="914400" rtl="0" eaLnBrk="1" latinLnBrk="0" hangingPunct="1">
+      <a:defRPr sz="1200" kern="1200">
+        <a:solidFill>
+          <a:schemeClr val="tx1"/>
+        </a:solidFill>
+        <a:latin typeface="+mn-lt"/>
+        <a:ea typeface="+mn-ea"/>
+        <a:cs typeface="+mn-cs"/>
+      </a:defRPr>
+    </a:lvl8pPr>
+    <a:lvl9pPr marL="3657600" algn="l" defTabSz="914400" rtl="0" eaLnBrk="1" latinLnBrk="0" hangingPunct="1">
+      <a:defRPr sz="1200" kern="1200">
+        <a:solidFill>
+          <a:schemeClr val="tx1"/>
+        </a:solidFill>
+        <a:latin typeface="+mn-lt"/>
+        <a:ea typeface="+mn-ea"/>
+        <a:cs typeface="+mn-cs"/>
+      </a:defRPr>
+    </a:lvl9pPr>
+  </p:notesStyle>
+</p:notesMaster>
+</file>
+
 <file path=ppt/slideLayouts/slideLayout1.xml><?xml version="1.0" encoding="utf-8"?>
 <p:sldLayout xmlns:a="http://schemas.openxmlformats.org/drawingml/2006/main" xmlns:r="http://schemas.openxmlformats.org/officeDocument/2006/relationships" xmlns:p="http://schemas.openxmlformats.org/presentationml/2006/main" type="title" preserve="1">
   <p:cSld name="Title Slide">
@@ -124,34 +486,30 @@
           <a:chExt cx="0" cy="0"/>
         </a:xfrm>
       </p:grpSpPr>
-      <p:sp>
-        <p:nvSpPr>
-          <p:cNvPr id="2" name="Title 1"/>
-          <p:cNvSpPr>
-            <a:spLocks noGrp="1"/>
-          </p:cNvSpPr>
-          <p:nvPr>
-            <p:ph type="ctrTitle"/>
-          </p:nvPr>
-        </p:nvSpPr>
+      <p:pic>
+        <p:nvPicPr>
+          <p:cNvPr id="8" name="Picture 7" descr="sphere1.png"/>
+          <p:cNvPicPr>
+            <a:picLocks noChangeAspect="1"/>
+          </p:cNvPicPr>
+          <p:nvPr/>
+        </p:nvPicPr>
+        <p:blipFill>
+          <a:blip r:embed="rId2" cstate="print"/>
+          <a:stretch>
+            <a:fillRect/>
+          </a:stretch>
+        </p:blipFill>
         <p:spPr>
           <a:xfrm>
-            <a:off x="685800" y="2130425"/>
-            <a:ext cx="7772400" cy="1470025"/>
-          </a:xfrm>
-        </p:spPr>
-        <p:txBody>
-          <a:bodyPr/>
-          <a:lstStyle/>
-          <a:p>
-            <a:r>
-              <a:rPr lang="en-US" smtClean="0"/>
-              <a:t>Click to edit Master title style</a:t>
-            </a:r>
-            <a:endParaRPr lang="ro-RO"/>
-          </a:p>
-        </p:txBody>
-      </p:sp>
+            <a:off x="6850374" y="0"/>
+            <a:ext cx="2293626" cy="6858000"/>
+          </a:xfrm>
+          <a:prstGeom prst="rect">
+            <a:avLst/>
+          </a:prstGeom>
+        </p:spPr>
+      </p:pic>
       <p:sp>
         <p:nvSpPr>
           <p:cNvPr id="3" name="Subtitle 2"/>
@@ -164,20 +522,20 @@
         </p:nvSpPr>
         <p:spPr>
           <a:xfrm>
-            <a:off x="1371600" y="3886200"/>
-            <a:ext cx="6400800" cy="1752600"/>
-          </a:xfrm>
-        </p:spPr>
-        <p:txBody>
-          <a:bodyPr/>
+            <a:off x="2438400" y="3581400"/>
+            <a:ext cx="3962400" cy="2133600"/>
+          </a:xfrm>
+        </p:spPr>
+        <p:txBody>
+          <a:bodyPr anchor="t">
+            <a:normAutofit/>
+          </a:bodyPr>
           <a:lstStyle>
-            <a:lvl1pPr marL="0" indent="0" algn="ctr">
-              <a:buNone/>
-              <a:defRPr>
+            <a:lvl1pPr marL="0" indent="0" algn="r">
+              <a:buNone/>
+              <a:defRPr sz="1400">
                 <a:solidFill>
-                  <a:schemeClr val="tx1">
-                    <a:tint val="75000"/>
-                  </a:schemeClr>
+                  <a:schemeClr val="tx2"/>
                 </a:solidFill>
               </a:defRPr>
             </a:lvl1pPr>
@@ -267,13 +625,41 @@
               <a:rPr lang="en-US" smtClean="0"/>
               <a:t>Click to edit Master subtitle style</a:t>
             </a:r>
-            <a:endParaRPr lang="ro-RO"/>
-          </a:p>
-        </p:txBody>
-      </p:sp>
-      <p:sp>
-        <p:nvSpPr>
-          <p:cNvPr id="4" name="Date Placeholder 3"/>
+            <a:endParaRPr lang="en-US" dirty="0"/>
+          </a:p>
+        </p:txBody>
+      </p:sp>
+      <p:sp>
+        <p:nvSpPr>
+          <p:cNvPr id="16" name="Title 15"/>
+          <p:cNvSpPr>
+            <a:spLocks noGrp="1"/>
+          </p:cNvSpPr>
+          <p:nvPr>
+            <p:ph type="title"/>
+          </p:nvPr>
+        </p:nvSpPr>
+        <p:spPr>
+          <a:xfrm>
+            <a:off x="2438400" y="1447800"/>
+            <a:ext cx="3962400" cy="2133600"/>
+          </a:xfrm>
+        </p:spPr>
+        <p:txBody>
+          <a:bodyPr anchor="b"/>
+          <a:lstStyle/>
+          <a:p>
+            <a:r>
+              <a:rPr lang="en-US" smtClean="0"/>
+              <a:t>Click to edit Master title style</a:t>
+            </a:r>
+            <a:endParaRPr lang="en-US" dirty="0"/>
+          </a:p>
+        </p:txBody>
+      </p:sp>
+      <p:sp>
+        <p:nvSpPr>
+          <p:cNvPr id="13" name="Date Placeholder 12"/>
           <p:cNvSpPr>
             <a:spLocks noGrp="1"/>
           </p:cNvSpPr>
@@ -281,14 +667,19 @@
             <p:ph type="dt" sz="half" idx="10"/>
           </p:nvPr>
         </p:nvSpPr>
-        <p:spPr/>
+        <p:spPr>
+          <a:xfrm>
+            <a:off x="3582988" y="6426201"/>
+            <a:ext cx="2819399" cy="126999"/>
+          </a:xfrm>
+        </p:spPr>
         <p:txBody>
           <a:bodyPr/>
           <a:lstStyle/>
           <a:p>
-            <a:fld id="{D5D89052-8447-4E62-8287-CA856785E85C}" type="datetimeFigureOut">
+            <a:fld id="{870E8897-3042-49E7-B5AE-E1BE1469A6AE}" type="datetime1">
               <a:rPr lang="ro-RO" smtClean="0"/>
-              <a:t>29.06.2018</a:t>
+              <a:t>03.07.2018</a:t>
             </a:fld>
             <a:endParaRPr lang="ro-RO"/>
           </a:p>
@@ -296,39 +687,29 @@
       </p:sp>
       <p:sp>
         <p:nvSpPr>
-          <p:cNvPr id="5" name="Footer Placeholder 4"/>
-          <p:cNvSpPr>
-            <a:spLocks noGrp="1"/>
-          </p:cNvSpPr>
-          <p:nvPr>
-            <p:ph type="ftr" sz="quarter" idx="11"/>
-          </p:nvPr>
-        </p:nvSpPr>
-        <p:spPr/>
+          <p:cNvPr id="14" name="Slide Number Placeholder 13"/>
+          <p:cNvSpPr>
+            <a:spLocks noGrp="1"/>
+          </p:cNvSpPr>
+          <p:nvPr>
+            <p:ph type="sldNum" sz="quarter" idx="11"/>
+          </p:nvPr>
+        </p:nvSpPr>
+        <p:spPr>
+          <a:xfrm>
+            <a:off x="6414976" y="6400800"/>
+            <a:ext cx="457200" cy="152400"/>
+          </a:xfrm>
+        </p:spPr>
         <p:txBody>
           <a:bodyPr/>
-          <a:lstStyle/>
-          <a:p>
-            <a:endParaRPr lang="ro-RO"/>
-          </a:p>
-        </p:txBody>
-      </p:sp>
-      <p:sp>
-        <p:nvSpPr>
-          <p:cNvPr id="6" name="Slide Number Placeholder 5"/>
-          <p:cNvSpPr>
-            <a:spLocks noGrp="1"/>
-          </p:cNvSpPr>
-          <p:nvPr>
-            <p:ph type="sldNum" sz="quarter" idx="12"/>
-          </p:nvPr>
-        </p:nvSpPr>
-        <p:spPr/>
-        <p:txBody>
-          <a:bodyPr/>
-          <a:lstStyle/>
-          <a:p>
-            <a:fld id="{250284B5-5AD3-4E51-BFA8-BBEF62A82D9A}" type="slidenum">
+          <a:lstStyle>
+            <a:lvl1pPr algn="r">
+              <a:defRPr/>
+            </a:lvl1pPr>
+          </a:lstStyle>
+          <a:p>
+            <a:fld id="{CB906B7F-5381-4D4A-9331-F9495EB2F523}" type="slidenum">
               <a:rPr lang="ro-RO" smtClean="0"/>
               <a:t>‹#›</a:t>
             </a:fld>
@@ -336,16 +717,46 @@
           </a:p>
         </p:txBody>
       </p:sp>
+      <p:sp>
+        <p:nvSpPr>
+          <p:cNvPr id="15" name="Footer Placeholder 14"/>
+          <p:cNvSpPr>
+            <a:spLocks noGrp="1"/>
+          </p:cNvSpPr>
+          <p:nvPr>
+            <p:ph type="ftr" sz="quarter" idx="12"/>
+          </p:nvPr>
+        </p:nvSpPr>
+        <p:spPr>
+          <a:xfrm>
+            <a:off x="3581400" y="6296248"/>
+            <a:ext cx="2820987" cy="152400"/>
+          </a:xfrm>
+        </p:spPr>
+        <p:txBody>
+          <a:bodyPr/>
+          <a:lstStyle/>
+          <a:p>
+            <a:r>
+              <a:rPr lang="ro-RO" smtClean="0"/>
+              <a:t>*page number</a:t>
+            </a:r>
+            <a:endParaRPr lang="ro-RO"/>
+          </a:p>
+        </p:txBody>
+      </p:sp>
     </p:spTree>
-    <p:extLst>
-      <p:ext uri="{BB962C8B-B14F-4D97-AF65-F5344CB8AC3E}">
-        <p14:creationId xmlns:p14="http://schemas.microsoft.com/office/powerpoint/2010/main" val="3795822357"/>
-      </p:ext>
-    </p:extLst>
   </p:cSld>
   <p:clrMapOvr>
     <a:masterClrMapping/>
   </p:clrMapOvr>
+  <p:timing>
+    <p:tnLst>
+      <p:par>
+        <p:cTn id="1" dur="indefinite" restart="never" nodeType="tmRoot"/>
+      </p:par>
+    </p:tnLst>
+  </p:timing>
 </p:sldLayout>
 </file>
 
@@ -385,7 +796,7 @@
               <a:rPr lang="en-US" smtClean="0"/>
               <a:t>Click to edit Master title style</a:t>
             </a:r>
-            <a:endParaRPr lang="ro-RO"/>
+            <a:endParaRPr lang="en-US"/>
           </a:p>
         </p:txBody>
       </p:sp>
@@ -437,13 +848,13 @@
               <a:rPr lang="en-US" smtClean="0"/>
               <a:t>Fifth level</a:t>
             </a:r>
-            <a:endParaRPr lang="ro-RO"/>
-          </a:p>
-        </p:txBody>
-      </p:sp>
-      <p:sp>
-        <p:nvSpPr>
-          <p:cNvPr id="4" name="Date Placeholder 3"/>
+            <a:endParaRPr lang="en-US" dirty="0"/>
+          </a:p>
+        </p:txBody>
+      </p:sp>
+      <p:sp>
+        <p:nvSpPr>
+          <p:cNvPr id="13" name="Date Placeholder 12"/>
           <p:cNvSpPr>
             <a:spLocks noGrp="1"/>
           </p:cNvSpPr>
@@ -456,9 +867,9 @@
           <a:bodyPr/>
           <a:lstStyle/>
           <a:p>
-            <a:fld id="{D5D89052-8447-4E62-8287-CA856785E85C}" type="datetimeFigureOut">
+            <a:fld id="{32554414-8280-4D95-AFAC-4BA7F19104C5}" type="datetime1">
               <a:rPr lang="ro-RO" smtClean="0"/>
-              <a:t>29.06.2018</a:t>
+              <a:t>03.07.2018</a:t>
             </a:fld>
             <a:endParaRPr lang="ro-RO"/>
           </a:p>
@@ -466,12 +877,12 @@
       </p:sp>
       <p:sp>
         <p:nvSpPr>
-          <p:cNvPr id="5" name="Footer Placeholder 4"/>
-          <p:cNvSpPr>
-            <a:spLocks noGrp="1"/>
-          </p:cNvSpPr>
-          <p:nvPr>
-            <p:ph type="ftr" sz="quarter" idx="11"/>
+          <p:cNvPr id="14" name="Slide Number Placeholder 13"/>
+          <p:cNvSpPr>
+            <a:spLocks noGrp="1"/>
+          </p:cNvSpPr>
+          <p:nvPr>
+            <p:ph type="sldNum" sz="quarter" idx="11"/>
           </p:nvPr>
         </p:nvSpPr>
         <p:spPr/>
@@ -479,26 +890,7 @@
           <a:bodyPr/>
           <a:lstStyle/>
           <a:p>
-            <a:endParaRPr lang="ro-RO"/>
-          </a:p>
-        </p:txBody>
-      </p:sp>
-      <p:sp>
-        <p:nvSpPr>
-          <p:cNvPr id="6" name="Slide Number Placeholder 5"/>
-          <p:cNvSpPr>
-            <a:spLocks noGrp="1"/>
-          </p:cNvSpPr>
-          <p:nvPr>
-            <p:ph type="sldNum" sz="quarter" idx="12"/>
-          </p:nvPr>
-        </p:nvSpPr>
-        <p:spPr/>
-        <p:txBody>
-          <a:bodyPr/>
-          <a:lstStyle/>
-          <a:p>
-            <a:fld id="{250284B5-5AD3-4E51-BFA8-BBEF62A82D9A}" type="slidenum">
+            <a:fld id="{CB906B7F-5381-4D4A-9331-F9495EB2F523}" type="slidenum">
               <a:rPr lang="ro-RO" smtClean="0"/>
               <a:t>‹#›</a:t>
             </a:fld>
@@ -506,16 +898,41 @@
           </a:p>
         </p:txBody>
       </p:sp>
+      <p:sp>
+        <p:nvSpPr>
+          <p:cNvPr id="15" name="Footer Placeholder 14"/>
+          <p:cNvSpPr>
+            <a:spLocks noGrp="1"/>
+          </p:cNvSpPr>
+          <p:nvPr>
+            <p:ph type="ftr" sz="quarter" idx="12"/>
+          </p:nvPr>
+        </p:nvSpPr>
+        <p:spPr/>
+        <p:txBody>
+          <a:bodyPr/>
+          <a:lstStyle/>
+          <a:p>
+            <a:r>
+              <a:rPr lang="ro-RO" smtClean="0"/>
+              <a:t>*page number</a:t>
+            </a:r>
+            <a:endParaRPr lang="ro-RO"/>
+          </a:p>
+        </p:txBody>
+      </p:sp>
     </p:spTree>
-    <p:extLst>
-      <p:ext uri="{BB962C8B-B14F-4D97-AF65-F5344CB8AC3E}">
-        <p14:creationId xmlns:p14="http://schemas.microsoft.com/office/powerpoint/2010/main" val="166186827"/>
-      </p:ext>
-    </p:extLst>
   </p:cSld>
   <p:clrMapOvr>
     <a:masterClrMapping/>
   </p:clrMapOvr>
+  <p:timing>
+    <p:tnLst>
+      <p:par>
+        <p:cTn id="1" dur="indefinite" restart="never" nodeType="tmRoot"/>
+      </p:par>
+    </p:tnLst>
+  </p:timing>
 </p:sldLayout>
 </file>
 
@@ -560,7 +977,7 @@
               <a:rPr lang="en-US" smtClean="0"/>
               <a:t>Click to edit Master title style</a:t>
             </a:r>
-            <a:endParaRPr lang="ro-RO"/>
+            <a:endParaRPr lang="en-US"/>
           </a:p>
         </p:txBody>
       </p:sp>
@@ -617,13 +1034,13 @@
               <a:rPr lang="en-US" smtClean="0"/>
               <a:t>Fifth level</a:t>
             </a:r>
-            <a:endParaRPr lang="ro-RO"/>
-          </a:p>
-        </p:txBody>
-      </p:sp>
-      <p:sp>
-        <p:nvSpPr>
-          <p:cNvPr id="4" name="Date Placeholder 3"/>
+            <a:endParaRPr lang="en-US" dirty="0"/>
+          </a:p>
+        </p:txBody>
+      </p:sp>
+      <p:sp>
+        <p:nvSpPr>
+          <p:cNvPr id="13" name="Date Placeholder 12"/>
           <p:cNvSpPr>
             <a:spLocks noGrp="1"/>
           </p:cNvSpPr>
@@ -636,9 +1053,9 @@
           <a:bodyPr/>
           <a:lstStyle/>
           <a:p>
-            <a:fld id="{D5D89052-8447-4E62-8287-CA856785E85C}" type="datetimeFigureOut">
+            <a:fld id="{90C69BD9-B141-4798-B745-42F4FA52304C}" type="datetime1">
               <a:rPr lang="ro-RO" smtClean="0"/>
-              <a:t>29.06.2018</a:t>
+              <a:t>03.07.2018</a:t>
             </a:fld>
             <a:endParaRPr lang="ro-RO"/>
           </a:p>
@@ -646,12 +1063,12 @@
       </p:sp>
       <p:sp>
         <p:nvSpPr>
-          <p:cNvPr id="5" name="Footer Placeholder 4"/>
-          <p:cNvSpPr>
-            <a:spLocks noGrp="1"/>
-          </p:cNvSpPr>
-          <p:nvPr>
-            <p:ph type="ftr" sz="quarter" idx="11"/>
+          <p:cNvPr id="14" name="Slide Number Placeholder 13"/>
+          <p:cNvSpPr>
+            <a:spLocks noGrp="1"/>
+          </p:cNvSpPr>
+          <p:nvPr>
+            <p:ph type="sldNum" sz="quarter" idx="11"/>
           </p:nvPr>
         </p:nvSpPr>
         <p:spPr/>
@@ -659,26 +1076,7 @@
           <a:bodyPr/>
           <a:lstStyle/>
           <a:p>
-            <a:endParaRPr lang="ro-RO"/>
-          </a:p>
-        </p:txBody>
-      </p:sp>
-      <p:sp>
-        <p:nvSpPr>
-          <p:cNvPr id="6" name="Slide Number Placeholder 5"/>
-          <p:cNvSpPr>
-            <a:spLocks noGrp="1"/>
-          </p:cNvSpPr>
-          <p:nvPr>
-            <p:ph type="sldNum" sz="quarter" idx="12"/>
-          </p:nvPr>
-        </p:nvSpPr>
-        <p:spPr/>
-        <p:txBody>
-          <a:bodyPr/>
-          <a:lstStyle/>
-          <a:p>
-            <a:fld id="{250284B5-5AD3-4E51-BFA8-BBEF62A82D9A}" type="slidenum">
+            <a:fld id="{CB906B7F-5381-4D4A-9331-F9495EB2F523}" type="slidenum">
               <a:rPr lang="ro-RO" smtClean="0"/>
               <a:t>‹#›</a:t>
             </a:fld>
@@ -686,16 +1084,41 @@
           </a:p>
         </p:txBody>
       </p:sp>
+      <p:sp>
+        <p:nvSpPr>
+          <p:cNvPr id="15" name="Footer Placeholder 14"/>
+          <p:cNvSpPr>
+            <a:spLocks noGrp="1"/>
+          </p:cNvSpPr>
+          <p:nvPr>
+            <p:ph type="ftr" sz="quarter" idx="12"/>
+          </p:nvPr>
+        </p:nvSpPr>
+        <p:spPr/>
+        <p:txBody>
+          <a:bodyPr/>
+          <a:lstStyle/>
+          <a:p>
+            <a:r>
+              <a:rPr lang="ro-RO" smtClean="0"/>
+              <a:t>*page number</a:t>
+            </a:r>
+            <a:endParaRPr lang="ro-RO"/>
+          </a:p>
+        </p:txBody>
+      </p:sp>
     </p:spTree>
-    <p:extLst>
-      <p:ext uri="{BB962C8B-B14F-4D97-AF65-F5344CB8AC3E}">
-        <p14:creationId xmlns:p14="http://schemas.microsoft.com/office/powerpoint/2010/main" val="1986897072"/>
-      </p:ext>
-    </p:extLst>
   </p:cSld>
   <p:clrMapOvr>
     <a:masterClrMapping/>
   </p:clrMapOvr>
+  <p:timing>
+    <p:tnLst>
+      <p:par>
+        <p:cTn id="1" dur="indefinite" restart="never" nodeType="tmRoot"/>
+      </p:par>
+    </p:tnLst>
+  </p:timing>
 </p:sldLayout>
 </file>
 
@@ -718,7 +1141,80 @@
       </p:grpSpPr>
       <p:sp>
         <p:nvSpPr>
-          <p:cNvPr id="2" name="Title 1"/>
+          <p:cNvPr id="3" name="Content Placeholder 2"/>
+          <p:cNvSpPr>
+            <a:spLocks noGrp="1"/>
+          </p:cNvSpPr>
+          <p:nvPr>
+            <p:ph idx="1"/>
+          </p:nvPr>
+        </p:nvSpPr>
+        <p:spPr>
+          <a:xfrm>
+            <a:off x="457200" y="457200"/>
+            <a:ext cx="3657600" cy="5714999"/>
+          </a:xfrm>
+        </p:spPr>
+        <p:txBody>
+          <a:bodyPr/>
+          <a:lstStyle>
+            <a:lvl5pPr>
+              <a:defRPr/>
+            </a:lvl5pPr>
+            <a:lvl6pPr>
+              <a:defRPr/>
+            </a:lvl6pPr>
+            <a:lvl7pPr>
+              <a:defRPr/>
+            </a:lvl7pPr>
+            <a:lvl8pPr>
+              <a:defRPr/>
+            </a:lvl8pPr>
+            <a:lvl9pPr>
+              <a:defRPr/>
+            </a:lvl9pPr>
+          </a:lstStyle>
+          <a:p>
+            <a:pPr lvl="0"/>
+            <a:r>
+              <a:rPr lang="en-US" smtClean="0"/>
+              <a:t>Click to edit Master text styles</a:t>
+            </a:r>
+          </a:p>
+          <a:p>
+            <a:pPr lvl="1"/>
+            <a:r>
+              <a:rPr lang="en-US" smtClean="0"/>
+              <a:t>Second level</a:t>
+            </a:r>
+          </a:p>
+          <a:p>
+            <a:pPr lvl="2"/>
+            <a:r>
+              <a:rPr lang="en-US" smtClean="0"/>
+              <a:t>Third level</a:t>
+            </a:r>
+          </a:p>
+          <a:p>
+            <a:pPr lvl="3"/>
+            <a:r>
+              <a:rPr lang="en-US" smtClean="0"/>
+              <a:t>Fourth level</a:t>
+            </a:r>
+          </a:p>
+          <a:p>
+            <a:pPr lvl="4"/>
+            <a:r>
+              <a:rPr lang="en-US" smtClean="0"/>
+              <a:t>Fifth level</a:t>
+            </a:r>
+            <a:endParaRPr lang="en-US" dirty="0"/>
+          </a:p>
+        </p:txBody>
+      </p:sp>
+      <p:sp>
+        <p:nvSpPr>
+          <p:cNvPr id="16" name="Title 15"/>
           <p:cNvSpPr>
             <a:spLocks noGrp="1"/>
           </p:cNvSpPr>
@@ -735,18 +1231,18 @@
               <a:rPr lang="en-US" smtClean="0"/>
               <a:t>Click to edit Master title style</a:t>
             </a:r>
-            <a:endParaRPr lang="ro-RO"/>
-          </a:p>
-        </p:txBody>
-      </p:sp>
-      <p:sp>
-        <p:nvSpPr>
-          <p:cNvPr id="3" name="Content Placeholder 2"/>
-          <p:cNvSpPr>
-            <a:spLocks noGrp="1"/>
-          </p:cNvSpPr>
-          <p:nvPr>
-            <p:ph idx="1"/>
+            <a:endParaRPr lang="en-US"/>
+          </a:p>
+        </p:txBody>
+      </p:sp>
+      <p:sp>
+        <p:nvSpPr>
+          <p:cNvPr id="10" name="Date Placeholder 9"/>
+          <p:cNvSpPr>
+            <a:spLocks noGrp="1"/>
+          </p:cNvSpPr>
+          <p:nvPr>
+            <p:ph type="dt" sz="half" idx="10"/>
           </p:nvPr>
         </p:nvSpPr>
         <p:spPr/>
@@ -754,61 +1250,9 @@
           <a:bodyPr/>
           <a:lstStyle/>
           <a:p>
-            <a:pPr lvl="0"/>
-            <a:r>
-              <a:rPr lang="en-US" smtClean="0"/>
-              <a:t>Click to edit Master text styles</a:t>
-            </a:r>
-          </a:p>
-          <a:p>
-            <a:pPr lvl="1"/>
-            <a:r>
-              <a:rPr lang="en-US" smtClean="0"/>
-              <a:t>Second level</a:t>
-            </a:r>
-          </a:p>
-          <a:p>
-            <a:pPr lvl="2"/>
-            <a:r>
-              <a:rPr lang="en-US" smtClean="0"/>
-              <a:t>Third level</a:t>
-            </a:r>
-          </a:p>
-          <a:p>
-            <a:pPr lvl="3"/>
-            <a:r>
-              <a:rPr lang="en-US" smtClean="0"/>
-              <a:t>Fourth level</a:t>
-            </a:r>
-          </a:p>
-          <a:p>
-            <a:pPr lvl="4"/>
-            <a:r>
-              <a:rPr lang="en-US" smtClean="0"/>
-              <a:t>Fifth level</a:t>
-            </a:r>
-            <a:endParaRPr lang="ro-RO"/>
-          </a:p>
-        </p:txBody>
-      </p:sp>
-      <p:sp>
-        <p:nvSpPr>
-          <p:cNvPr id="4" name="Date Placeholder 3"/>
-          <p:cNvSpPr>
-            <a:spLocks noGrp="1"/>
-          </p:cNvSpPr>
-          <p:nvPr>
-            <p:ph type="dt" sz="half" idx="10"/>
-          </p:nvPr>
-        </p:nvSpPr>
-        <p:spPr/>
-        <p:txBody>
-          <a:bodyPr/>
-          <a:lstStyle/>
-          <a:p>
-            <a:fld id="{D5D89052-8447-4E62-8287-CA856785E85C}" type="datetimeFigureOut">
+            <a:fld id="{189248BF-B08B-48CE-85D4-69EA1146DE2C}" type="datetime1">
               <a:rPr lang="ro-RO" smtClean="0"/>
-              <a:t>29.06.2018</a:t>
+              <a:t>03.07.2018</a:t>
             </a:fld>
             <a:endParaRPr lang="ro-RO"/>
           </a:p>
@@ -816,12 +1260,12 @@
       </p:sp>
       <p:sp>
         <p:nvSpPr>
-          <p:cNvPr id="5" name="Footer Placeholder 4"/>
-          <p:cNvSpPr>
-            <a:spLocks noGrp="1"/>
-          </p:cNvSpPr>
-          <p:nvPr>
-            <p:ph type="ftr" sz="quarter" idx="11"/>
+          <p:cNvPr id="11" name="Slide Number Placeholder 10"/>
+          <p:cNvSpPr>
+            <a:spLocks noGrp="1"/>
+          </p:cNvSpPr>
+          <p:nvPr>
+            <p:ph type="sldNum" sz="quarter" idx="11"/>
           </p:nvPr>
         </p:nvSpPr>
         <p:spPr/>
@@ -829,26 +1273,7 @@
           <a:bodyPr/>
           <a:lstStyle/>
           <a:p>
-            <a:endParaRPr lang="ro-RO"/>
-          </a:p>
-        </p:txBody>
-      </p:sp>
-      <p:sp>
-        <p:nvSpPr>
-          <p:cNvPr id="6" name="Slide Number Placeholder 5"/>
-          <p:cNvSpPr>
-            <a:spLocks noGrp="1"/>
-          </p:cNvSpPr>
-          <p:nvPr>
-            <p:ph type="sldNum" sz="quarter" idx="12"/>
-          </p:nvPr>
-        </p:nvSpPr>
-        <p:spPr/>
-        <p:txBody>
-          <a:bodyPr/>
-          <a:lstStyle/>
-          <a:p>
-            <a:fld id="{250284B5-5AD3-4E51-BFA8-BBEF62A82D9A}" type="slidenum">
+            <a:fld id="{CB906B7F-5381-4D4A-9331-F9495EB2F523}" type="slidenum">
               <a:rPr lang="ro-RO" smtClean="0"/>
               <a:t>‹#›</a:t>
             </a:fld>
@@ -856,21 +1281,46 @@
           </a:p>
         </p:txBody>
       </p:sp>
+      <p:sp>
+        <p:nvSpPr>
+          <p:cNvPr id="12" name="Footer Placeholder 11"/>
+          <p:cNvSpPr>
+            <a:spLocks noGrp="1"/>
+          </p:cNvSpPr>
+          <p:nvPr>
+            <p:ph type="ftr" sz="quarter" idx="12"/>
+          </p:nvPr>
+        </p:nvSpPr>
+        <p:spPr/>
+        <p:txBody>
+          <a:bodyPr/>
+          <a:lstStyle/>
+          <a:p>
+            <a:r>
+              <a:rPr lang="ro-RO" smtClean="0"/>
+              <a:t>*page number</a:t>
+            </a:r>
+            <a:endParaRPr lang="ro-RO"/>
+          </a:p>
+        </p:txBody>
+      </p:sp>
     </p:spTree>
-    <p:extLst>
-      <p:ext uri="{BB962C8B-B14F-4D97-AF65-F5344CB8AC3E}">
-        <p14:creationId xmlns:p14="http://schemas.microsoft.com/office/powerpoint/2010/main" val="2959241122"/>
-      </p:ext>
-    </p:extLst>
   </p:cSld>
   <p:clrMapOvr>
     <a:masterClrMapping/>
   </p:clrMapOvr>
+  <p:timing>
+    <p:tnLst>
+      <p:par>
+        <p:cTn id="1" dur="indefinite" restart="never" nodeType="tmRoot"/>
+      </p:par>
+    </p:tnLst>
+  </p:timing>
 </p:sldLayout>
 </file>
 
 <file path=ppt/slideLayouts/slideLayout3.xml><?xml version="1.0" encoding="utf-8"?>
-<p:sldLayout xmlns:a="http://schemas.openxmlformats.org/drawingml/2006/main" xmlns:r="http://schemas.openxmlformats.org/officeDocument/2006/relationships" xmlns:p="http://schemas.openxmlformats.org/presentationml/2006/main" type="secHead" preserve="1">
+<p:sldLayout xmlns:a="http://schemas.openxmlformats.org/drawingml/2006/main" xmlns:r="http://schemas.openxmlformats.org/officeDocument/2006/relationships" xmlns:p="http://schemas.openxmlformats.org/presentationml/2006/main" showMasterSp="0" type="secHead" preserve="1">
   <p:cSld name="Section Header">
     <p:spTree>
       <p:nvGrpSpPr>
@@ -886,175 +1336,53 @@
           <a:chExt cx="0" cy="0"/>
         </a:xfrm>
       </p:grpSpPr>
-      <p:sp>
-        <p:nvSpPr>
-          <p:cNvPr id="2" name="Title 1"/>
-          <p:cNvSpPr>
-            <a:spLocks noGrp="1"/>
-          </p:cNvSpPr>
-          <p:nvPr>
-            <p:ph type="title"/>
-          </p:nvPr>
-        </p:nvSpPr>
+      <p:pic>
+        <p:nvPicPr>
+          <p:cNvPr id="7" name="Picture 6" descr="sphere1.png"/>
+          <p:cNvPicPr>
+            <a:picLocks noChangeAspect="1"/>
+          </p:cNvPicPr>
+          <p:nvPr/>
+        </p:nvPicPr>
+        <p:blipFill>
+          <a:blip r:embed="rId2" cstate="print"/>
+          <a:stretch>
+            <a:fillRect/>
+          </a:stretch>
+        </p:blipFill>
         <p:spPr>
           <a:xfrm>
-            <a:off x="722313" y="4406900"/>
-            <a:ext cx="7772400" cy="1362075"/>
-          </a:xfrm>
-        </p:spPr>
-        <p:txBody>
-          <a:bodyPr anchor="t"/>
-          <a:lstStyle>
-            <a:lvl1pPr algn="l">
-              <a:defRPr sz="4000" b="1" cap="all"/>
-            </a:lvl1pPr>
-          </a:lstStyle>
-          <a:p>
-            <a:r>
-              <a:rPr lang="en-US" smtClean="0"/>
-              <a:t>Click to edit Master title style</a:t>
-            </a:r>
-            <a:endParaRPr lang="ro-RO"/>
-          </a:p>
-        </p:txBody>
-      </p:sp>
-      <p:sp>
-        <p:nvSpPr>
-          <p:cNvPr id="3" name="Text Placeholder 2"/>
-          <p:cNvSpPr>
-            <a:spLocks noGrp="1"/>
-          </p:cNvSpPr>
-          <p:nvPr>
-            <p:ph type="body" idx="1"/>
+            <a:off x="6858000" y="0"/>
+            <a:ext cx="2293626" cy="6858000"/>
+          </a:xfrm>
+          <a:prstGeom prst="rect">
+            <a:avLst/>
+          </a:prstGeom>
+        </p:spPr>
+      </p:pic>
+      <p:sp>
+        <p:nvSpPr>
+          <p:cNvPr id="12" name="Date Placeholder 11"/>
+          <p:cNvSpPr>
+            <a:spLocks noGrp="1"/>
+          </p:cNvSpPr>
+          <p:nvPr>
+            <p:ph type="dt" sz="half" idx="10"/>
           </p:nvPr>
         </p:nvSpPr>
         <p:spPr>
           <a:xfrm>
-            <a:off x="722313" y="2906713"/>
-            <a:ext cx="7772400" cy="1500187"/>
-          </a:xfrm>
-        </p:spPr>
-        <p:txBody>
-          <a:bodyPr anchor="b"/>
-          <a:lstStyle>
-            <a:lvl1pPr marL="0" indent="0">
-              <a:buNone/>
-              <a:defRPr sz="2000">
-                <a:solidFill>
-                  <a:schemeClr val="tx1">
-                    <a:tint val="75000"/>
-                  </a:schemeClr>
-                </a:solidFill>
-              </a:defRPr>
-            </a:lvl1pPr>
-            <a:lvl2pPr marL="457200" indent="0">
-              <a:buNone/>
-              <a:defRPr sz="1800">
-                <a:solidFill>
-                  <a:schemeClr val="tx1">
-                    <a:tint val="75000"/>
-                  </a:schemeClr>
-                </a:solidFill>
-              </a:defRPr>
-            </a:lvl2pPr>
-            <a:lvl3pPr marL="914400" indent="0">
-              <a:buNone/>
-              <a:defRPr sz="1600">
-                <a:solidFill>
-                  <a:schemeClr val="tx1">
-                    <a:tint val="75000"/>
-                  </a:schemeClr>
-                </a:solidFill>
-              </a:defRPr>
-            </a:lvl3pPr>
-            <a:lvl4pPr marL="1371600" indent="0">
-              <a:buNone/>
-              <a:defRPr sz="1400">
-                <a:solidFill>
-                  <a:schemeClr val="tx1">
-                    <a:tint val="75000"/>
-                  </a:schemeClr>
-                </a:solidFill>
-              </a:defRPr>
-            </a:lvl4pPr>
-            <a:lvl5pPr marL="1828800" indent="0">
-              <a:buNone/>
-              <a:defRPr sz="1400">
-                <a:solidFill>
-                  <a:schemeClr val="tx1">
-                    <a:tint val="75000"/>
-                  </a:schemeClr>
-                </a:solidFill>
-              </a:defRPr>
-            </a:lvl5pPr>
-            <a:lvl6pPr marL="2286000" indent="0">
-              <a:buNone/>
-              <a:defRPr sz="1400">
-                <a:solidFill>
-                  <a:schemeClr val="tx1">
-                    <a:tint val="75000"/>
-                  </a:schemeClr>
-                </a:solidFill>
-              </a:defRPr>
-            </a:lvl6pPr>
-            <a:lvl7pPr marL="2743200" indent="0">
-              <a:buNone/>
-              <a:defRPr sz="1400">
-                <a:solidFill>
-                  <a:schemeClr val="tx1">
-                    <a:tint val="75000"/>
-                  </a:schemeClr>
-                </a:solidFill>
-              </a:defRPr>
-            </a:lvl7pPr>
-            <a:lvl8pPr marL="3200400" indent="0">
-              <a:buNone/>
-              <a:defRPr sz="1400">
-                <a:solidFill>
-                  <a:schemeClr val="tx1">
-                    <a:tint val="75000"/>
-                  </a:schemeClr>
-                </a:solidFill>
-              </a:defRPr>
-            </a:lvl8pPr>
-            <a:lvl9pPr marL="3657600" indent="0">
-              <a:buNone/>
-              <a:defRPr sz="1400">
-                <a:solidFill>
-                  <a:schemeClr val="tx1">
-                    <a:tint val="75000"/>
-                  </a:schemeClr>
-                </a:solidFill>
-              </a:defRPr>
-            </a:lvl9pPr>
-          </a:lstStyle>
-          <a:p>
-            <a:pPr lvl="0"/>
-            <a:r>
-              <a:rPr lang="en-US" smtClean="0"/>
-              <a:t>Click to edit Master text styles</a:t>
-            </a:r>
-          </a:p>
-        </p:txBody>
-      </p:sp>
-      <p:sp>
-        <p:nvSpPr>
-          <p:cNvPr id="4" name="Date Placeholder 3"/>
-          <p:cNvSpPr>
-            <a:spLocks noGrp="1"/>
-          </p:cNvSpPr>
-          <p:nvPr>
-            <p:ph type="dt" sz="half" idx="10"/>
-          </p:nvPr>
-        </p:nvSpPr>
-        <p:spPr/>
+            <a:off x="839788" y="6426201"/>
+            <a:ext cx="2819399" cy="126999"/>
+          </a:xfrm>
+        </p:spPr>
         <p:txBody>
           <a:bodyPr/>
           <a:lstStyle/>
           <a:p>
-            <a:fld id="{D5D89052-8447-4E62-8287-CA856785E85C}" type="datetimeFigureOut">
+            <a:fld id="{34EED7A1-C8C3-40BB-9C73-F8192C3ED0F1}" type="datetime1">
               <a:rPr lang="ro-RO" smtClean="0"/>
-              <a:t>29.06.2018</a:t>
+              <a:t>03.07.2018</a:t>
             </a:fld>
             <a:endParaRPr lang="ro-RO"/>
           </a:p>
@@ -1062,39 +1390,25 @@
       </p:sp>
       <p:sp>
         <p:nvSpPr>
-          <p:cNvPr id="5" name="Footer Placeholder 4"/>
-          <p:cNvSpPr>
-            <a:spLocks noGrp="1"/>
-          </p:cNvSpPr>
-          <p:nvPr>
-            <p:ph type="ftr" sz="quarter" idx="11"/>
-          </p:nvPr>
-        </p:nvSpPr>
-        <p:spPr/>
+          <p:cNvPr id="13" name="Slide Number Placeholder 12"/>
+          <p:cNvSpPr>
+            <a:spLocks noGrp="1"/>
+          </p:cNvSpPr>
+          <p:nvPr>
+            <p:ph type="sldNum" sz="quarter" idx="11"/>
+          </p:nvPr>
+        </p:nvSpPr>
+        <p:spPr>
+          <a:xfrm>
+            <a:off x="4116388" y="6400800"/>
+            <a:ext cx="533400" cy="152400"/>
+          </a:xfrm>
+        </p:spPr>
         <p:txBody>
           <a:bodyPr/>
           <a:lstStyle/>
           <a:p>
-            <a:endParaRPr lang="ro-RO"/>
-          </a:p>
-        </p:txBody>
-      </p:sp>
-      <p:sp>
-        <p:nvSpPr>
-          <p:cNvPr id="6" name="Slide Number Placeholder 5"/>
-          <p:cNvSpPr>
-            <a:spLocks noGrp="1"/>
-          </p:cNvSpPr>
-          <p:nvPr>
-            <p:ph type="sldNum" sz="quarter" idx="12"/>
-          </p:nvPr>
-        </p:nvSpPr>
-        <p:spPr/>
-        <p:txBody>
-          <a:bodyPr/>
-          <a:lstStyle/>
-          <a:p>
-            <a:fld id="{250284B5-5AD3-4E51-BFA8-BBEF62A82D9A}" type="slidenum">
+            <a:fld id="{CB906B7F-5381-4D4A-9331-F9495EB2F523}" type="slidenum">
               <a:rPr lang="ro-RO" smtClean="0"/>
               <a:t>‹#›</a:t>
             </a:fld>
@@ -1102,16 +1416,126 @@
           </a:p>
         </p:txBody>
       </p:sp>
+      <p:sp>
+        <p:nvSpPr>
+          <p:cNvPr id="14" name="Footer Placeholder 13"/>
+          <p:cNvSpPr>
+            <a:spLocks noGrp="1"/>
+          </p:cNvSpPr>
+          <p:nvPr>
+            <p:ph type="ftr" sz="quarter" idx="12"/>
+          </p:nvPr>
+        </p:nvSpPr>
+        <p:spPr>
+          <a:xfrm>
+            <a:off x="838200" y="6296248"/>
+            <a:ext cx="2820987" cy="152400"/>
+          </a:xfrm>
+        </p:spPr>
+        <p:txBody>
+          <a:bodyPr/>
+          <a:lstStyle/>
+          <a:p>
+            <a:r>
+              <a:rPr lang="ro-RO" smtClean="0"/>
+              <a:t>*page number</a:t>
+            </a:r>
+            <a:endParaRPr lang="ro-RO"/>
+          </a:p>
+        </p:txBody>
+      </p:sp>
+      <p:sp>
+        <p:nvSpPr>
+          <p:cNvPr id="15" name="Title 14"/>
+          <p:cNvSpPr>
+            <a:spLocks noGrp="1"/>
+          </p:cNvSpPr>
+          <p:nvPr>
+            <p:ph type="title"/>
+          </p:nvPr>
+        </p:nvSpPr>
+        <p:spPr>
+          <a:xfrm>
+            <a:off x="457200" y="1828800"/>
+            <a:ext cx="3200400" cy="1752600"/>
+          </a:xfrm>
+        </p:spPr>
+        <p:txBody>
+          <a:bodyPr anchor="b"/>
+          <a:lstStyle/>
+          <a:p>
+            <a:r>
+              <a:rPr lang="en-US" smtClean="0"/>
+              <a:t>Click to edit Master title style</a:t>
+            </a:r>
+            <a:endParaRPr lang="en-US"/>
+          </a:p>
+        </p:txBody>
+      </p:sp>
+      <p:sp>
+        <p:nvSpPr>
+          <p:cNvPr id="3" name="Text Placeholder 2"/>
+          <p:cNvSpPr>
+            <a:spLocks noGrp="1"/>
+          </p:cNvSpPr>
+          <p:nvPr>
+            <p:ph type="body" sz="quarter" idx="13"/>
+          </p:nvPr>
+        </p:nvSpPr>
+        <p:spPr>
+          <a:xfrm>
+            <a:off x="457200" y="3578224"/>
+            <a:ext cx="3200645" cy="1459767"/>
+          </a:xfrm>
+        </p:spPr>
+        <p:txBody>
+          <a:bodyPr anchor="t">
+            <a:normAutofit/>
+          </a:bodyPr>
+          <a:lstStyle>
+            <a:lvl1pPr marL="0" indent="0" algn="r" defTabSz="914400" rtl="0" eaLnBrk="1" latinLnBrk="0" hangingPunct="1">
+              <a:spcBef>
+                <a:spcPct val="20000"/>
+              </a:spcBef>
+              <a:buClr>
+                <a:schemeClr val="tx1">
+                  <a:lumMod val="50000"/>
+                  <a:lumOff val="50000"/>
+                </a:schemeClr>
+              </a:buClr>
+              <a:buFont typeface="Wingdings" pitchFamily="2" charset="2"/>
+              <a:buNone/>
+              <a:defRPr lang="en-US" sz="1400" kern="1200" dirty="0" smtClean="0">
+                <a:solidFill>
+                  <a:schemeClr val="tx2"/>
+                </a:solidFill>
+                <a:latin typeface="+mn-lt"/>
+                <a:ea typeface="+mn-ea"/>
+                <a:cs typeface="+mn-cs"/>
+              </a:defRPr>
+            </a:lvl1pPr>
+          </a:lstStyle>
+          <a:p>
+            <a:pPr lvl="0"/>
+            <a:r>
+              <a:rPr lang="en-US" smtClean="0"/>
+              <a:t>Click to edit Master text styles</a:t>
+            </a:r>
+          </a:p>
+        </p:txBody>
+      </p:sp>
     </p:spTree>
-    <p:extLst>
-      <p:ext uri="{BB962C8B-B14F-4D97-AF65-F5344CB8AC3E}">
-        <p14:creationId xmlns:p14="http://schemas.microsoft.com/office/powerpoint/2010/main" val="2578585931"/>
-      </p:ext>
-    </p:extLst>
   </p:cSld>
   <p:clrMapOvr>
     <a:masterClrMapping/>
   </p:clrMapOvr>
+  <p:timing>
+    <p:tnLst>
+      <p:par>
+        <p:cTn id="1" dur="indefinite" restart="never" nodeType="tmRoot"/>
+      </p:par>
+    </p:tnLst>
+  </p:timing>
 </p:sldLayout>
 </file>
 
@@ -1134,7 +1558,181 @@
       </p:grpSpPr>
       <p:sp>
         <p:nvSpPr>
-          <p:cNvPr id="2" name="Title 1"/>
+          <p:cNvPr id="3" name="Content Placeholder 2"/>
+          <p:cNvSpPr>
+            <a:spLocks noGrp="1"/>
+          </p:cNvSpPr>
+          <p:nvPr>
+            <p:ph sz="half" idx="1"/>
+          </p:nvPr>
+        </p:nvSpPr>
+        <p:spPr>
+          <a:xfrm>
+            <a:off x="457200" y="3429000"/>
+            <a:ext cx="3124200" cy="2667000"/>
+          </a:xfrm>
+        </p:spPr>
+        <p:txBody>
+          <a:bodyPr>
+            <a:normAutofit/>
+          </a:bodyPr>
+          <a:lstStyle>
+            <a:lvl1pPr marL="228600" indent="-182880">
+              <a:defRPr sz="1400"/>
+            </a:lvl1pPr>
+            <a:lvl2pPr>
+              <a:defRPr sz="1400"/>
+            </a:lvl2pPr>
+            <a:lvl3pPr>
+              <a:defRPr sz="1400"/>
+            </a:lvl3pPr>
+            <a:lvl4pPr>
+              <a:defRPr sz="1400"/>
+            </a:lvl4pPr>
+            <a:lvl5pPr>
+              <a:defRPr sz="1400"/>
+            </a:lvl5pPr>
+            <a:lvl6pPr>
+              <a:defRPr sz="1400"/>
+            </a:lvl6pPr>
+            <a:lvl7pPr>
+              <a:defRPr sz="1400"/>
+            </a:lvl7pPr>
+            <a:lvl8pPr>
+              <a:defRPr sz="1400"/>
+            </a:lvl8pPr>
+            <a:lvl9pPr>
+              <a:defRPr sz="1400"/>
+            </a:lvl9pPr>
+          </a:lstStyle>
+          <a:p>
+            <a:pPr lvl="0"/>
+            <a:r>
+              <a:rPr lang="en-US" smtClean="0"/>
+              <a:t>Click to edit Master text styles</a:t>
+            </a:r>
+          </a:p>
+          <a:p>
+            <a:pPr lvl="1"/>
+            <a:r>
+              <a:rPr lang="en-US" smtClean="0"/>
+              <a:t>Second level</a:t>
+            </a:r>
+          </a:p>
+          <a:p>
+            <a:pPr lvl="2"/>
+            <a:r>
+              <a:rPr lang="en-US" smtClean="0"/>
+              <a:t>Third level</a:t>
+            </a:r>
+          </a:p>
+          <a:p>
+            <a:pPr lvl="3"/>
+            <a:r>
+              <a:rPr lang="en-US" smtClean="0"/>
+              <a:t>Fourth level</a:t>
+            </a:r>
+          </a:p>
+          <a:p>
+            <a:pPr lvl="4"/>
+            <a:r>
+              <a:rPr lang="en-US" smtClean="0"/>
+              <a:t>Fifth level</a:t>
+            </a:r>
+            <a:endParaRPr lang="en-US" dirty="0"/>
+          </a:p>
+        </p:txBody>
+      </p:sp>
+      <p:sp>
+        <p:nvSpPr>
+          <p:cNvPr id="4" name="Content Placeholder 3"/>
+          <p:cNvSpPr>
+            <a:spLocks noGrp="1"/>
+          </p:cNvSpPr>
+          <p:nvPr>
+            <p:ph sz="half" idx="2"/>
+          </p:nvPr>
+        </p:nvSpPr>
+        <p:spPr>
+          <a:xfrm>
+            <a:off x="457200" y="457200"/>
+            <a:ext cx="3124200" cy="2667000"/>
+          </a:xfrm>
+        </p:spPr>
+        <p:txBody>
+          <a:bodyPr>
+            <a:normAutofit/>
+          </a:bodyPr>
+          <a:lstStyle>
+            <a:lvl1pPr marL="228600" indent="-182880">
+              <a:defRPr sz="1400"/>
+            </a:lvl1pPr>
+            <a:lvl2pPr>
+              <a:defRPr sz="1400"/>
+            </a:lvl2pPr>
+            <a:lvl3pPr>
+              <a:defRPr sz="1400"/>
+            </a:lvl3pPr>
+            <a:lvl4pPr>
+              <a:defRPr sz="1400"/>
+            </a:lvl4pPr>
+            <a:lvl5pPr>
+              <a:defRPr sz="1400"/>
+            </a:lvl5pPr>
+            <a:lvl6pPr>
+              <a:defRPr sz="1400"/>
+            </a:lvl6pPr>
+            <a:lvl7pPr>
+              <a:defRPr sz="1400"/>
+            </a:lvl7pPr>
+            <a:lvl8pPr>
+              <a:defRPr sz="1400"/>
+            </a:lvl8pPr>
+            <a:lvl9pPr>
+              <a:defRPr sz="1400"/>
+            </a:lvl9pPr>
+          </a:lstStyle>
+          <a:p>
+            <a:pPr lvl="0"/>
+            <a:r>
+              <a:rPr lang="en-US" smtClean="0"/>
+              <a:t>Click to edit Master text styles</a:t>
+            </a:r>
+          </a:p>
+          <a:p>
+            <a:pPr lvl="1"/>
+            <a:r>
+              <a:rPr lang="en-US" smtClean="0"/>
+              <a:t>Second level</a:t>
+            </a:r>
+          </a:p>
+          <a:p>
+            <a:pPr lvl="2"/>
+            <a:r>
+              <a:rPr lang="en-US" smtClean="0"/>
+              <a:t>Third level</a:t>
+            </a:r>
+          </a:p>
+          <a:p>
+            <a:pPr lvl="3"/>
+            <a:r>
+              <a:rPr lang="en-US" smtClean="0"/>
+              <a:t>Fourth level</a:t>
+            </a:r>
+          </a:p>
+          <a:p>
+            <a:pPr lvl="4"/>
+            <a:r>
+              <a:rPr lang="en-US" smtClean="0"/>
+              <a:t>Fifth level</a:t>
+            </a:r>
+            <a:endParaRPr lang="en-US" dirty="0"/>
+          </a:p>
+        </p:txBody>
+      </p:sp>
+      <p:sp>
+        <p:nvSpPr>
+          <p:cNvPr id="11" name="Title 1"/>
           <p:cNvSpPr>
             <a:spLocks noGrp="1"/>
           </p:cNvSpPr>
@@ -1142,7 +1740,12 @@
             <p:ph type="title"/>
           </p:nvPr>
         </p:nvSpPr>
-        <p:spPr/>
+        <p:spPr>
+          <a:xfrm>
+            <a:off x="4876800" y="457200"/>
+            <a:ext cx="2819400" cy="5714999"/>
+          </a:xfrm>
+        </p:spPr>
         <p:txBody>
           <a:bodyPr/>
           <a:lstStyle/>
@@ -1151,198 +1754,28 @@
               <a:rPr lang="en-US" smtClean="0"/>
               <a:t>Click to edit Master title style</a:t>
             </a:r>
-            <a:endParaRPr lang="ro-RO"/>
-          </a:p>
-        </p:txBody>
-      </p:sp>
-      <p:sp>
-        <p:nvSpPr>
-          <p:cNvPr id="3" name="Content Placeholder 2"/>
-          <p:cNvSpPr>
-            <a:spLocks noGrp="1"/>
-          </p:cNvSpPr>
-          <p:nvPr>
-            <p:ph sz="half" idx="1"/>
-          </p:nvPr>
-        </p:nvSpPr>
-        <p:spPr>
-          <a:xfrm>
-            <a:off x="457200" y="1600200"/>
-            <a:ext cx="4038600" cy="4525963"/>
-          </a:xfrm>
-        </p:spPr>
+            <a:endParaRPr lang="en-US"/>
+          </a:p>
+        </p:txBody>
+      </p:sp>
+      <p:sp>
+        <p:nvSpPr>
+          <p:cNvPr id="9" name="Date Placeholder 8"/>
+          <p:cNvSpPr>
+            <a:spLocks noGrp="1"/>
+          </p:cNvSpPr>
+          <p:nvPr>
+            <p:ph type="dt" sz="half" idx="10"/>
+          </p:nvPr>
+        </p:nvSpPr>
+        <p:spPr/>
         <p:txBody>
           <a:bodyPr/>
-          <a:lstStyle>
-            <a:lvl1pPr>
-              <a:defRPr sz="2800"/>
-            </a:lvl1pPr>
-            <a:lvl2pPr>
-              <a:defRPr sz="2400"/>
-            </a:lvl2pPr>
-            <a:lvl3pPr>
-              <a:defRPr sz="2000"/>
-            </a:lvl3pPr>
-            <a:lvl4pPr>
-              <a:defRPr sz="1800"/>
-            </a:lvl4pPr>
-            <a:lvl5pPr>
-              <a:defRPr sz="1800"/>
-            </a:lvl5pPr>
-            <a:lvl6pPr>
-              <a:defRPr sz="1800"/>
-            </a:lvl6pPr>
-            <a:lvl7pPr>
-              <a:defRPr sz="1800"/>
-            </a:lvl7pPr>
-            <a:lvl8pPr>
-              <a:defRPr sz="1800"/>
-            </a:lvl8pPr>
-            <a:lvl9pPr>
-              <a:defRPr sz="1800"/>
-            </a:lvl9pPr>
-          </a:lstStyle>
-          <a:p>
-            <a:pPr lvl="0"/>
-            <a:r>
-              <a:rPr lang="en-US" smtClean="0"/>
-              <a:t>Click to edit Master text styles</a:t>
-            </a:r>
-          </a:p>
-          <a:p>
-            <a:pPr lvl="1"/>
-            <a:r>
-              <a:rPr lang="en-US" smtClean="0"/>
-              <a:t>Second level</a:t>
-            </a:r>
-          </a:p>
-          <a:p>
-            <a:pPr lvl="2"/>
-            <a:r>
-              <a:rPr lang="en-US" smtClean="0"/>
-              <a:t>Third level</a:t>
-            </a:r>
-          </a:p>
-          <a:p>
-            <a:pPr lvl="3"/>
-            <a:r>
-              <a:rPr lang="en-US" smtClean="0"/>
-              <a:t>Fourth level</a:t>
-            </a:r>
-          </a:p>
-          <a:p>
-            <a:pPr lvl="4"/>
-            <a:r>
-              <a:rPr lang="en-US" smtClean="0"/>
-              <a:t>Fifth level</a:t>
-            </a:r>
-            <a:endParaRPr lang="ro-RO"/>
-          </a:p>
-        </p:txBody>
-      </p:sp>
-      <p:sp>
-        <p:nvSpPr>
-          <p:cNvPr id="4" name="Content Placeholder 3"/>
-          <p:cNvSpPr>
-            <a:spLocks noGrp="1"/>
-          </p:cNvSpPr>
-          <p:nvPr>
-            <p:ph sz="half" idx="2"/>
-          </p:nvPr>
-        </p:nvSpPr>
-        <p:spPr>
-          <a:xfrm>
-            <a:off x="4648200" y="1600200"/>
-            <a:ext cx="4038600" cy="4525963"/>
-          </a:xfrm>
-        </p:spPr>
-        <p:txBody>
-          <a:bodyPr/>
-          <a:lstStyle>
-            <a:lvl1pPr>
-              <a:defRPr sz="2800"/>
-            </a:lvl1pPr>
-            <a:lvl2pPr>
-              <a:defRPr sz="2400"/>
-            </a:lvl2pPr>
-            <a:lvl3pPr>
-              <a:defRPr sz="2000"/>
-            </a:lvl3pPr>
-            <a:lvl4pPr>
-              <a:defRPr sz="1800"/>
-            </a:lvl4pPr>
-            <a:lvl5pPr>
-              <a:defRPr sz="1800"/>
-            </a:lvl5pPr>
-            <a:lvl6pPr>
-              <a:defRPr sz="1800"/>
-            </a:lvl6pPr>
-            <a:lvl7pPr>
-              <a:defRPr sz="1800"/>
-            </a:lvl7pPr>
-            <a:lvl8pPr>
-              <a:defRPr sz="1800"/>
-            </a:lvl8pPr>
-            <a:lvl9pPr>
-              <a:defRPr sz="1800"/>
-            </a:lvl9pPr>
-          </a:lstStyle>
-          <a:p>
-            <a:pPr lvl="0"/>
-            <a:r>
-              <a:rPr lang="en-US" smtClean="0"/>
-              <a:t>Click to edit Master text styles</a:t>
-            </a:r>
-          </a:p>
-          <a:p>
-            <a:pPr lvl="1"/>
-            <a:r>
-              <a:rPr lang="en-US" smtClean="0"/>
-              <a:t>Second level</a:t>
-            </a:r>
-          </a:p>
-          <a:p>
-            <a:pPr lvl="2"/>
-            <a:r>
-              <a:rPr lang="en-US" smtClean="0"/>
-              <a:t>Third level</a:t>
-            </a:r>
-          </a:p>
-          <a:p>
-            <a:pPr lvl="3"/>
-            <a:r>
-              <a:rPr lang="en-US" smtClean="0"/>
-              <a:t>Fourth level</a:t>
-            </a:r>
-          </a:p>
-          <a:p>
-            <a:pPr lvl="4"/>
-            <a:r>
-              <a:rPr lang="en-US" smtClean="0"/>
-              <a:t>Fifth level</a:t>
-            </a:r>
-            <a:endParaRPr lang="ro-RO"/>
-          </a:p>
-        </p:txBody>
-      </p:sp>
-      <p:sp>
-        <p:nvSpPr>
-          <p:cNvPr id="5" name="Date Placeholder 4"/>
-          <p:cNvSpPr>
-            <a:spLocks noGrp="1"/>
-          </p:cNvSpPr>
-          <p:nvPr>
-            <p:ph type="dt" sz="half" idx="10"/>
-          </p:nvPr>
-        </p:nvSpPr>
-        <p:spPr/>
-        <p:txBody>
-          <a:bodyPr/>
-          <a:lstStyle/>
-          <a:p>
-            <a:fld id="{D5D89052-8447-4E62-8287-CA856785E85C}" type="datetimeFigureOut">
+          <a:lstStyle/>
+          <a:p>
+            <a:fld id="{A10297C2-EFC4-40BD-92FB-76DA5CE81FD7}" type="datetime1">
               <a:rPr lang="ro-RO" smtClean="0"/>
-              <a:t>29.06.2018</a:t>
+              <a:t>03.07.2018</a:t>
             </a:fld>
             <a:endParaRPr lang="ro-RO"/>
           </a:p>
@@ -1350,12 +1783,12 @@
       </p:sp>
       <p:sp>
         <p:nvSpPr>
-          <p:cNvPr id="6" name="Footer Placeholder 5"/>
-          <p:cNvSpPr>
-            <a:spLocks noGrp="1"/>
-          </p:cNvSpPr>
-          <p:nvPr>
-            <p:ph type="ftr" sz="quarter" idx="11"/>
+          <p:cNvPr id="13" name="Slide Number Placeholder 12"/>
+          <p:cNvSpPr>
+            <a:spLocks noGrp="1"/>
+          </p:cNvSpPr>
+          <p:nvPr>
+            <p:ph type="sldNum" sz="quarter" idx="11"/>
           </p:nvPr>
         </p:nvSpPr>
         <p:spPr/>
@@ -1363,26 +1796,7 @@
           <a:bodyPr/>
           <a:lstStyle/>
           <a:p>
-            <a:endParaRPr lang="ro-RO"/>
-          </a:p>
-        </p:txBody>
-      </p:sp>
-      <p:sp>
-        <p:nvSpPr>
-          <p:cNvPr id="7" name="Slide Number Placeholder 6"/>
-          <p:cNvSpPr>
-            <a:spLocks noGrp="1"/>
-          </p:cNvSpPr>
-          <p:nvPr>
-            <p:ph type="sldNum" sz="quarter" idx="12"/>
-          </p:nvPr>
-        </p:nvSpPr>
-        <p:spPr/>
-        <p:txBody>
-          <a:bodyPr/>
-          <a:lstStyle/>
-          <a:p>
-            <a:fld id="{250284B5-5AD3-4E51-BFA8-BBEF62A82D9A}" type="slidenum">
+            <a:fld id="{CB906B7F-5381-4D4A-9331-F9495EB2F523}" type="slidenum">
               <a:rPr lang="ro-RO" smtClean="0"/>
               <a:t>‹#›</a:t>
             </a:fld>
@@ -1390,16 +1804,41 @@
           </a:p>
         </p:txBody>
       </p:sp>
+      <p:sp>
+        <p:nvSpPr>
+          <p:cNvPr id="14" name="Footer Placeholder 13"/>
+          <p:cNvSpPr>
+            <a:spLocks noGrp="1"/>
+          </p:cNvSpPr>
+          <p:nvPr>
+            <p:ph type="ftr" sz="quarter" idx="12"/>
+          </p:nvPr>
+        </p:nvSpPr>
+        <p:spPr/>
+        <p:txBody>
+          <a:bodyPr/>
+          <a:lstStyle/>
+          <a:p>
+            <a:r>
+              <a:rPr lang="ro-RO" smtClean="0"/>
+              <a:t>*page number</a:t>
+            </a:r>
+            <a:endParaRPr lang="ro-RO"/>
+          </a:p>
+        </p:txBody>
+      </p:sp>
     </p:spTree>
-    <p:extLst>
-      <p:ext uri="{BB962C8B-B14F-4D97-AF65-F5344CB8AC3E}">
-        <p14:creationId xmlns:p14="http://schemas.microsoft.com/office/powerpoint/2010/main" val="2154389095"/>
-      </p:ext>
-    </p:extLst>
   </p:cSld>
   <p:clrMapOvr>
     <a:masterClrMapping/>
   </p:clrMapOvr>
+  <p:timing>
+    <p:tnLst>
+      <p:par>
+        <p:cTn id="1" dur="indefinite" restart="never" nodeType="tmRoot"/>
+      </p:par>
+    </p:tnLst>
+  </p:timing>
 </p:sldLayout>
 </file>
 
@@ -1422,53 +1861,32 @@
       </p:grpSpPr>
       <p:sp>
         <p:nvSpPr>
-          <p:cNvPr id="2" name="Title 1"/>
-          <p:cNvSpPr>
-            <a:spLocks noGrp="1"/>
-          </p:cNvSpPr>
-          <p:nvPr>
-            <p:ph type="title"/>
-          </p:nvPr>
-        </p:nvSpPr>
-        <p:spPr/>
-        <p:txBody>
-          <a:bodyPr/>
+          <p:cNvPr id="3" name="Text Placeholder 2"/>
+          <p:cNvSpPr>
+            <a:spLocks noGrp="1"/>
+          </p:cNvSpPr>
+          <p:nvPr>
+            <p:ph type="body" idx="1"/>
+          </p:nvPr>
+        </p:nvSpPr>
+        <p:spPr>
+          <a:xfrm>
+            <a:off x="457200" y="275238"/>
+            <a:ext cx="3581400" cy="411162"/>
+          </a:xfrm>
+        </p:spPr>
+        <p:txBody>
+          <a:bodyPr anchor="b">
+            <a:noAutofit/>
+          </a:bodyPr>
           <a:lstStyle>
-            <a:lvl1pPr>
-              <a:defRPr/>
-            </a:lvl1pPr>
-          </a:lstStyle>
-          <a:p>
-            <a:r>
-              <a:rPr lang="en-US" smtClean="0"/>
-              <a:t>Click to edit Master title style</a:t>
-            </a:r>
-            <a:endParaRPr lang="ro-RO"/>
-          </a:p>
-        </p:txBody>
-      </p:sp>
-      <p:sp>
-        <p:nvSpPr>
-          <p:cNvPr id="3" name="Text Placeholder 2"/>
-          <p:cNvSpPr>
-            <a:spLocks noGrp="1"/>
-          </p:cNvSpPr>
-          <p:nvPr>
-            <p:ph type="body" idx="1"/>
-          </p:nvPr>
-        </p:nvSpPr>
-        <p:spPr>
-          <a:xfrm>
-            <a:off x="457200" y="1535113"/>
-            <a:ext cx="4040188" cy="639762"/>
-          </a:xfrm>
-        </p:spPr>
-        <p:txBody>
-          <a:bodyPr anchor="b"/>
-          <a:lstStyle>
-            <a:lvl1pPr marL="0" indent="0">
-              <a:buNone/>
-              <a:defRPr sz="2400" b="1"/>
+            <a:lvl1pPr marL="0" indent="0" algn="ctr">
+              <a:buNone/>
+              <a:defRPr sz="1400" b="0">
+                <a:solidFill>
+                  <a:schemeClr val="tx2"/>
+                </a:solidFill>
+              </a:defRPr>
             </a:lvl1pPr>
             <a:lvl2pPr marL="457200" indent="0">
               <a:buNone/>
@@ -1524,39 +1942,45 @@
         </p:nvSpPr>
         <p:spPr>
           <a:xfrm>
-            <a:off x="457200" y="2174875"/>
-            <a:ext cx="4040188" cy="3951288"/>
-          </a:xfrm>
-        </p:spPr>
-        <p:txBody>
-          <a:bodyPr/>
+            <a:off x="457200" y="675288"/>
+            <a:ext cx="3581400" cy="2525112"/>
+          </a:xfrm>
+        </p:spPr>
+        <p:txBody>
+          <a:bodyPr anchor="t">
+            <a:normAutofit/>
+          </a:bodyPr>
           <a:lstStyle>
-            <a:lvl1pPr>
-              <a:defRPr sz="2400"/>
+            <a:lvl1pPr marL="228600" indent="-182880">
+              <a:defRPr sz="1400"/>
             </a:lvl1pPr>
             <a:lvl2pPr>
-              <a:defRPr sz="2000"/>
+              <a:defRPr sz="1400"/>
             </a:lvl2pPr>
             <a:lvl3pPr>
-              <a:defRPr sz="1800"/>
+              <a:defRPr sz="1400"/>
             </a:lvl3pPr>
             <a:lvl4pPr>
-              <a:defRPr sz="1600"/>
+              <a:defRPr sz="1400" baseline="0"/>
             </a:lvl4pPr>
             <a:lvl5pPr>
-              <a:defRPr sz="1600"/>
+              <a:buFont typeface="Wingdings" pitchFamily="2" charset="2"/>
+              <a:buChar char="§"/>
+              <a:defRPr sz="1400"/>
             </a:lvl5pPr>
             <a:lvl6pPr>
-              <a:defRPr sz="1600"/>
+              <a:buFont typeface="Wingdings" pitchFamily="2" charset="2"/>
+              <a:buChar char="§"/>
+              <a:defRPr sz="1400"/>
             </a:lvl6pPr>
             <a:lvl7pPr>
-              <a:defRPr sz="1600"/>
+              <a:defRPr sz="1400"/>
             </a:lvl7pPr>
             <a:lvl8pPr>
-              <a:defRPr sz="1600"/>
+              <a:defRPr sz="1400"/>
             </a:lvl8pPr>
             <a:lvl9pPr>
-              <a:defRPr sz="1600"/>
+              <a:defRPr sz="1400"/>
             </a:lvl9pPr>
           </a:lstStyle>
           <a:p>
@@ -1593,7 +2017,7 @@
               <a:rPr lang="en-US" smtClean="0"/>
               <a:t>Fifth level</a:t>
             </a:r>
-            <a:endParaRPr lang="ro-RO"/>
+            <a:endParaRPr lang="en-US" dirty="0" smtClean="0"/>
           </a:p>
         </p:txBody>
       </p:sp>
@@ -1609,16 +2033,22 @@
         </p:nvSpPr>
         <p:spPr>
           <a:xfrm>
-            <a:off x="4645025" y="1535113"/>
-            <a:ext cx="4041775" cy="639762"/>
-          </a:xfrm>
-        </p:spPr>
-        <p:txBody>
-          <a:bodyPr anchor="b"/>
+            <a:off x="457199" y="3429000"/>
+            <a:ext cx="3581400" cy="411162"/>
+          </a:xfrm>
+        </p:spPr>
+        <p:txBody>
+          <a:bodyPr anchor="b">
+            <a:noAutofit/>
+          </a:bodyPr>
           <a:lstStyle>
-            <a:lvl1pPr marL="0" indent="0">
-              <a:buNone/>
-              <a:defRPr sz="2400" b="1"/>
+            <a:lvl1pPr marL="0" indent="0" algn="ctr">
+              <a:buNone/>
+              <a:defRPr sz="1400" b="0">
+                <a:solidFill>
+                  <a:schemeClr val="tx2"/>
+                </a:solidFill>
+              </a:defRPr>
             </a:lvl1pPr>
             <a:lvl2pPr marL="457200" indent="0">
               <a:buNone/>
@@ -1674,39 +2104,41 @@
         </p:nvSpPr>
         <p:spPr>
           <a:xfrm>
-            <a:off x="4645025" y="2174875"/>
-            <a:ext cx="4041775" cy="3951288"/>
-          </a:xfrm>
-        </p:spPr>
-        <p:txBody>
-          <a:bodyPr/>
+            <a:off x="457199" y="3840162"/>
+            <a:ext cx="3581400" cy="2515198"/>
+          </a:xfrm>
+        </p:spPr>
+        <p:txBody>
+          <a:bodyPr anchor="t">
+            <a:normAutofit/>
+          </a:bodyPr>
           <a:lstStyle>
-            <a:lvl1pPr>
-              <a:defRPr sz="2400"/>
+            <a:lvl1pPr marL="228600" indent="-182880">
+              <a:defRPr sz="1400"/>
             </a:lvl1pPr>
             <a:lvl2pPr>
-              <a:defRPr sz="2000"/>
+              <a:defRPr sz="1400"/>
             </a:lvl2pPr>
             <a:lvl3pPr>
-              <a:defRPr sz="1800"/>
+              <a:defRPr sz="1400"/>
             </a:lvl3pPr>
             <a:lvl4pPr>
-              <a:defRPr sz="1600"/>
+              <a:defRPr sz="1400"/>
             </a:lvl4pPr>
             <a:lvl5pPr>
-              <a:defRPr sz="1600"/>
+              <a:defRPr sz="1400"/>
             </a:lvl5pPr>
             <a:lvl6pPr>
-              <a:defRPr sz="1600"/>
+              <a:defRPr sz="1400"/>
             </a:lvl6pPr>
             <a:lvl7pPr>
-              <a:defRPr sz="1600"/>
+              <a:defRPr sz="1400"/>
             </a:lvl7pPr>
             <a:lvl8pPr>
-              <a:defRPr sz="1600"/>
+              <a:defRPr sz="1400"/>
             </a:lvl8pPr>
             <a:lvl9pPr>
-              <a:defRPr sz="1600"/>
+              <a:defRPr sz="1400"/>
             </a:lvl9pPr>
           </a:lstStyle>
           <a:p>
@@ -1743,13 +2175,41 @@
               <a:rPr lang="en-US" smtClean="0"/>
               <a:t>Fifth level</a:t>
             </a:r>
-            <a:endParaRPr lang="ro-RO"/>
-          </a:p>
-        </p:txBody>
-      </p:sp>
-      <p:sp>
-        <p:nvSpPr>
-          <p:cNvPr id="7" name="Date Placeholder 6"/>
+            <a:endParaRPr lang="en-US" dirty="0" smtClean="0"/>
+          </a:p>
+        </p:txBody>
+      </p:sp>
+      <p:sp>
+        <p:nvSpPr>
+          <p:cNvPr id="11" name="Title 1"/>
+          <p:cNvSpPr>
+            <a:spLocks noGrp="1"/>
+          </p:cNvSpPr>
+          <p:nvPr>
+            <p:ph type="title"/>
+          </p:nvPr>
+        </p:nvSpPr>
+        <p:spPr>
+          <a:xfrm>
+            <a:off x="4876800" y="457200"/>
+            <a:ext cx="2819400" cy="5714999"/>
+          </a:xfrm>
+        </p:spPr>
+        <p:txBody>
+          <a:bodyPr/>
+          <a:lstStyle/>
+          <a:p>
+            <a:r>
+              <a:rPr lang="en-US" smtClean="0"/>
+              <a:t>Click to edit Master title style</a:t>
+            </a:r>
+            <a:endParaRPr lang="en-US"/>
+          </a:p>
+        </p:txBody>
+      </p:sp>
+      <p:sp>
+        <p:nvSpPr>
+          <p:cNvPr id="12" name="Date Placeholder 11"/>
           <p:cNvSpPr>
             <a:spLocks noGrp="1"/>
           </p:cNvSpPr>
@@ -1762,9 +2222,9 @@
           <a:bodyPr/>
           <a:lstStyle/>
           <a:p>
-            <a:fld id="{D5D89052-8447-4E62-8287-CA856785E85C}" type="datetimeFigureOut">
+            <a:fld id="{5E34AB14-2EE3-44DA-8AF3-0ED373B94452}" type="datetime1">
               <a:rPr lang="ro-RO" smtClean="0"/>
-              <a:t>29.06.2018</a:t>
+              <a:t>03.07.2018</a:t>
             </a:fld>
             <a:endParaRPr lang="ro-RO"/>
           </a:p>
@@ -1772,12 +2232,12 @@
       </p:sp>
       <p:sp>
         <p:nvSpPr>
-          <p:cNvPr id="8" name="Footer Placeholder 7"/>
-          <p:cNvSpPr>
-            <a:spLocks noGrp="1"/>
-          </p:cNvSpPr>
-          <p:nvPr>
-            <p:ph type="ftr" sz="quarter" idx="11"/>
+          <p:cNvPr id="14" name="Slide Number Placeholder 13"/>
+          <p:cNvSpPr>
+            <a:spLocks noGrp="1"/>
+          </p:cNvSpPr>
+          <p:nvPr>
+            <p:ph type="sldNum" sz="quarter" idx="11"/>
           </p:nvPr>
         </p:nvSpPr>
         <p:spPr/>
@@ -1785,26 +2245,7 @@
           <a:bodyPr/>
           <a:lstStyle/>
           <a:p>
-            <a:endParaRPr lang="ro-RO"/>
-          </a:p>
-        </p:txBody>
-      </p:sp>
-      <p:sp>
-        <p:nvSpPr>
-          <p:cNvPr id="9" name="Slide Number Placeholder 8"/>
-          <p:cNvSpPr>
-            <a:spLocks noGrp="1"/>
-          </p:cNvSpPr>
-          <p:nvPr>
-            <p:ph type="sldNum" sz="quarter" idx="12"/>
-          </p:nvPr>
-        </p:nvSpPr>
-        <p:spPr/>
-        <p:txBody>
-          <a:bodyPr/>
-          <a:lstStyle/>
-          <a:p>
-            <a:fld id="{250284B5-5AD3-4E51-BFA8-BBEF62A82D9A}" type="slidenum">
+            <a:fld id="{CB906B7F-5381-4D4A-9331-F9495EB2F523}" type="slidenum">
               <a:rPr lang="ro-RO" smtClean="0"/>
               <a:t>‹#›</a:t>
             </a:fld>
@@ -1812,16 +2253,41 @@
           </a:p>
         </p:txBody>
       </p:sp>
+      <p:sp>
+        <p:nvSpPr>
+          <p:cNvPr id="16" name="Footer Placeholder 15"/>
+          <p:cNvSpPr>
+            <a:spLocks noGrp="1"/>
+          </p:cNvSpPr>
+          <p:nvPr>
+            <p:ph type="ftr" sz="quarter" idx="12"/>
+          </p:nvPr>
+        </p:nvSpPr>
+        <p:spPr/>
+        <p:txBody>
+          <a:bodyPr/>
+          <a:lstStyle/>
+          <a:p>
+            <a:r>
+              <a:rPr lang="ro-RO" smtClean="0"/>
+              <a:t>*page number</a:t>
+            </a:r>
+            <a:endParaRPr lang="ro-RO"/>
+          </a:p>
+        </p:txBody>
+      </p:sp>
     </p:spTree>
-    <p:extLst>
-      <p:ext uri="{BB962C8B-B14F-4D97-AF65-F5344CB8AC3E}">
-        <p14:creationId xmlns:p14="http://schemas.microsoft.com/office/powerpoint/2010/main" val="3628681361"/>
-      </p:ext>
-    </p:extLst>
   </p:cSld>
   <p:clrMapOvr>
     <a:masterClrMapping/>
   </p:clrMapOvr>
+  <p:timing>
+    <p:tnLst>
+      <p:par>
+        <p:cTn id="1" dur="indefinite" restart="never" nodeType="tmRoot"/>
+      </p:par>
+    </p:tnLst>
+  </p:timing>
 </p:sldLayout>
 </file>
 
@@ -1852,7 +2318,12 @@
             <p:ph type="title"/>
           </p:nvPr>
         </p:nvSpPr>
-        <p:spPr/>
+        <p:spPr>
+          <a:xfrm>
+            <a:off x="3733800" y="457200"/>
+            <a:ext cx="3962400" cy="5715000"/>
+          </a:xfrm>
+        </p:spPr>
         <p:txBody>
           <a:bodyPr/>
           <a:lstStyle/>
@@ -1861,13 +2332,13 @@
               <a:rPr lang="en-US" smtClean="0"/>
               <a:t>Click to edit Master title style</a:t>
             </a:r>
-            <a:endParaRPr lang="ro-RO"/>
-          </a:p>
-        </p:txBody>
-      </p:sp>
-      <p:sp>
-        <p:nvSpPr>
-          <p:cNvPr id="3" name="Date Placeholder 2"/>
+            <a:endParaRPr lang="en-US" dirty="0"/>
+          </a:p>
+        </p:txBody>
+      </p:sp>
+      <p:sp>
+        <p:nvSpPr>
+          <p:cNvPr id="9" name="Date Placeholder 8"/>
           <p:cNvSpPr>
             <a:spLocks noGrp="1"/>
           </p:cNvSpPr>
@@ -1880,9 +2351,9 @@
           <a:bodyPr/>
           <a:lstStyle/>
           <a:p>
-            <a:fld id="{D5D89052-8447-4E62-8287-CA856785E85C}" type="datetimeFigureOut">
+            <a:fld id="{F9FBF4A5-1CFB-402A-90DC-688710312E2A}" type="datetime1">
               <a:rPr lang="ro-RO" smtClean="0"/>
-              <a:t>29.06.2018</a:t>
+              <a:t>03.07.2018</a:t>
             </a:fld>
             <a:endParaRPr lang="ro-RO"/>
           </a:p>
@@ -1890,12 +2361,12 @@
       </p:sp>
       <p:sp>
         <p:nvSpPr>
-          <p:cNvPr id="4" name="Footer Placeholder 3"/>
-          <p:cNvSpPr>
-            <a:spLocks noGrp="1"/>
-          </p:cNvSpPr>
-          <p:nvPr>
-            <p:ph type="ftr" sz="quarter" idx="11"/>
+          <p:cNvPr id="10" name="Slide Number Placeholder 9"/>
+          <p:cNvSpPr>
+            <a:spLocks noGrp="1"/>
+          </p:cNvSpPr>
+          <p:nvPr>
+            <p:ph type="sldNum" sz="quarter" idx="11"/>
           </p:nvPr>
         </p:nvSpPr>
         <p:spPr/>
@@ -1903,26 +2374,7 @@
           <a:bodyPr/>
           <a:lstStyle/>
           <a:p>
-            <a:endParaRPr lang="ro-RO"/>
-          </a:p>
-        </p:txBody>
-      </p:sp>
-      <p:sp>
-        <p:nvSpPr>
-          <p:cNvPr id="5" name="Slide Number Placeholder 4"/>
-          <p:cNvSpPr>
-            <a:spLocks noGrp="1"/>
-          </p:cNvSpPr>
-          <p:nvPr>
-            <p:ph type="sldNum" sz="quarter" idx="12"/>
-          </p:nvPr>
-        </p:nvSpPr>
-        <p:spPr/>
-        <p:txBody>
-          <a:bodyPr/>
-          <a:lstStyle/>
-          <a:p>
-            <a:fld id="{250284B5-5AD3-4E51-BFA8-BBEF62A82D9A}" type="slidenum">
+            <a:fld id="{CB906B7F-5381-4D4A-9331-F9495EB2F523}" type="slidenum">
               <a:rPr lang="ro-RO" smtClean="0"/>
               <a:t>‹#›</a:t>
             </a:fld>
@@ -1930,16 +2382,41 @@
           </a:p>
         </p:txBody>
       </p:sp>
+      <p:sp>
+        <p:nvSpPr>
+          <p:cNvPr id="11" name="Footer Placeholder 10"/>
+          <p:cNvSpPr>
+            <a:spLocks noGrp="1"/>
+          </p:cNvSpPr>
+          <p:nvPr>
+            <p:ph type="ftr" sz="quarter" idx="12"/>
+          </p:nvPr>
+        </p:nvSpPr>
+        <p:spPr/>
+        <p:txBody>
+          <a:bodyPr/>
+          <a:lstStyle/>
+          <a:p>
+            <a:r>
+              <a:rPr lang="ro-RO" smtClean="0"/>
+              <a:t>*page number</a:t>
+            </a:r>
+            <a:endParaRPr lang="ro-RO"/>
+          </a:p>
+        </p:txBody>
+      </p:sp>
     </p:spTree>
-    <p:extLst>
-      <p:ext uri="{BB962C8B-B14F-4D97-AF65-F5344CB8AC3E}">
-        <p14:creationId xmlns:p14="http://schemas.microsoft.com/office/powerpoint/2010/main" val="530456912"/>
-      </p:ext>
-    </p:extLst>
   </p:cSld>
   <p:clrMapOvr>
     <a:masterClrMapping/>
   </p:clrMapOvr>
+  <p:timing>
+    <p:tnLst>
+      <p:par>
+        <p:cTn id="1" dur="indefinite" restart="never" nodeType="tmRoot"/>
+      </p:par>
+    </p:tnLst>
+  </p:timing>
 </p:sldLayout>
 </file>
 
@@ -1962,7 +2439,7 @@
       </p:grpSpPr>
       <p:sp>
         <p:nvSpPr>
-          <p:cNvPr id="2" name="Date Placeholder 1"/>
+          <p:cNvPr id="8" name="Date Placeholder 7"/>
           <p:cNvSpPr>
             <a:spLocks noGrp="1"/>
           </p:cNvSpPr>
@@ -1975,9 +2452,9 @@
           <a:bodyPr/>
           <a:lstStyle/>
           <a:p>
-            <a:fld id="{D5D89052-8447-4E62-8287-CA856785E85C}" type="datetimeFigureOut">
+            <a:fld id="{588CC178-CD9C-426B-A5C2-44C46C8FBBC4}" type="datetime1">
               <a:rPr lang="ro-RO" smtClean="0"/>
-              <a:t>29.06.2018</a:t>
+              <a:t>03.07.2018</a:t>
             </a:fld>
             <a:endParaRPr lang="ro-RO"/>
           </a:p>
@@ -1985,12 +2462,12 @@
       </p:sp>
       <p:sp>
         <p:nvSpPr>
-          <p:cNvPr id="3" name="Footer Placeholder 2"/>
-          <p:cNvSpPr>
-            <a:spLocks noGrp="1"/>
-          </p:cNvSpPr>
-          <p:nvPr>
-            <p:ph type="ftr" sz="quarter" idx="11"/>
+          <p:cNvPr id="9" name="Slide Number Placeholder 8"/>
+          <p:cNvSpPr>
+            <a:spLocks noGrp="1"/>
+          </p:cNvSpPr>
+          <p:nvPr>
+            <p:ph type="sldNum" sz="quarter" idx="11"/>
           </p:nvPr>
         </p:nvSpPr>
         <p:spPr/>
@@ -1998,26 +2475,7 @@
           <a:bodyPr/>
           <a:lstStyle/>
           <a:p>
-            <a:endParaRPr lang="ro-RO"/>
-          </a:p>
-        </p:txBody>
-      </p:sp>
-      <p:sp>
-        <p:nvSpPr>
-          <p:cNvPr id="4" name="Slide Number Placeholder 3"/>
-          <p:cNvSpPr>
-            <a:spLocks noGrp="1"/>
-          </p:cNvSpPr>
-          <p:nvPr>
-            <p:ph type="sldNum" sz="quarter" idx="12"/>
-          </p:nvPr>
-        </p:nvSpPr>
-        <p:spPr/>
-        <p:txBody>
-          <a:bodyPr/>
-          <a:lstStyle/>
-          <a:p>
-            <a:fld id="{250284B5-5AD3-4E51-BFA8-BBEF62A82D9A}" type="slidenum">
+            <a:fld id="{CB906B7F-5381-4D4A-9331-F9495EB2F523}" type="slidenum">
               <a:rPr lang="ro-RO" smtClean="0"/>
               <a:t>‹#›</a:t>
             </a:fld>
@@ -2025,16 +2483,41 @@
           </a:p>
         </p:txBody>
       </p:sp>
+      <p:sp>
+        <p:nvSpPr>
+          <p:cNvPr id="10" name="Footer Placeholder 9"/>
+          <p:cNvSpPr>
+            <a:spLocks noGrp="1"/>
+          </p:cNvSpPr>
+          <p:nvPr>
+            <p:ph type="ftr" sz="quarter" idx="12"/>
+          </p:nvPr>
+        </p:nvSpPr>
+        <p:spPr/>
+        <p:txBody>
+          <a:bodyPr/>
+          <a:lstStyle/>
+          <a:p>
+            <a:r>
+              <a:rPr lang="ro-RO" smtClean="0"/>
+              <a:t>*page number</a:t>
+            </a:r>
+            <a:endParaRPr lang="ro-RO"/>
+          </a:p>
+        </p:txBody>
+      </p:sp>
     </p:spTree>
-    <p:extLst>
-      <p:ext uri="{BB962C8B-B14F-4D97-AF65-F5344CB8AC3E}">
-        <p14:creationId xmlns:p14="http://schemas.microsoft.com/office/powerpoint/2010/main" val="3898021158"/>
-      </p:ext>
-    </p:extLst>
   </p:cSld>
   <p:clrMapOvr>
     <a:masterClrMapping/>
   </p:clrMapOvr>
+  <p:timing>
+    <p:tnLst>
+      <p:par>
+        <p:cTn id="1" dur="indefinite" restart="never" nodeType="tmRoot"/>
+      </p:par>
+    </p:tnLst>
+  </p:timing>
 </p:sldLayout>
 </file>
 
@@ -2067,15 +2550,19 @@
         </p:nvSpPr>
         <p:spPr>
           <a:xfrm>
-            <a:off x="457200" y="273050"/>
-            <a:ext cx="3008313" cy="1162050"/>
-          </a:xfrm>
-        </p:spPr>
-        <p:txBody>
-          <a:bodyPr anchor="b"/>
+            <a:off x="5181600" y="1676400"/>
+            <a:ext cx="2514600" cy="1874837"/>
+          </a:xfrm>
+        </p:spPr>
+        <p:txBody>
+          <a:bodyPr anchor="b">
+            <a:normAutofit/>
+          </a:bodyPr>
           <a:lstStyle>
-            <a:lvl1pPr algn="l">
-              <a:defRPr sz="2000" b="1"/>
+            <a:lvl1pPr algn="r">
+              <a:defRPr sz="2000" b="0">
+                <a:effectLst/>
+              </a:defRPr>
             </a:lvl1pPr>
           </a:lstStyle>
           <a:p>
@@ -2083,7 +2570,7 @@
               <a:rPr lang="en-US" smtClean="0"/>
               <a:t>Click to edit Master title style</a:t>
             </a:r>
-            <a:endParaRPr lang="ro-RO"/>
+            <a:endParaRPr lang="en-US" dirty="0"/>
           </a:p>
         </p:txBody>
       </p:sp>
@@ -2099,39 +2586,41 @@
         </p:nvSpPr>
         <p:spPr>
           <a:xfrm>
-            <a:off x="3575050" y="273050"/>
-            <a:ext cx="5111750" cy="5853113"/>
-          </a:xfrm>
-        </p:spPr>
-        <p:txBody>
-          <a:bodyPr/>
+            <a:off x="304800" y="1676400"/>
+            <a:ext cx="4700016" cy="3505200"/>
+          </a:xfrm>
+        </p:spPr>
+        <p:txBody>
+          <a:bodyPr>
+            <a:normAutofit/>
+          </a:bodyPr>
           <a:lstStyle>
-            <a:lvl1pPr>
-              <a:defRPr sz="3200"/>
+            <a:lvl1pPr marL="228600" indent="-182880">
+              <a:defRPr sz="1200"/>
             </a:lvl1pPr>
             <a:lvl2pPr>
-              <a:defRPr sz="2800"/>
+              <a:defRPr sz="1200"/>
             </a:lvl2pPr>
             <a:lvl3pPr>
-              <a:defRPr sz="2400"/>
+              <a:defRPr sz="1200"/>
             </a:lvl3pPr>
             <a:lvl4pPr>
-              <a:defRPr sz="2000"/>
+              <a:defRPr sz="1200"/>
             </a:lvl4pPr>
             <a:lvl5pPr>
-              <a:defRPr sz="2000"/>
+              <a:defRPr sz="1200"/>
             </a:lvl5pPr>
             <a:lvl6pPr>
-              <a:defRPr sz="2000"/>
+              <a:defRPr sz="1200"/>
             </a:lvl6pPr>
             <a:lvl7pPr>
-              <a:defRPr sz="2000"/>
+              <a:defRPr sz="1200"/>
             </a:lvl7pPr>
             <a:lvl8pPr>
-              <a:defRPr sz="2000"/>
+              <a:defRPr sz="1200"/>
             </a:lvl8pPr>
             <a:lvl9pPr>
-              <a:defRPr sz="2000"/>
+              <a:defRPr sz="1200"/>
             </a:lvl9pPr>
           </a:lstStyle>
           <a:p>
@@ -2168,13 +2657,13 @@
               <a:rPr lang="en-US" smtClean="0"/>
               <a:t>Fifth level</a:t>
             </a:r>
-            <a:endParaRPr lang="ro-RO"/>
-          </a:p>
-        </p:txBody>
-      </p:sp>
-      <p:sp>
-        <p:nvSpPr>
-          <p:cNvPr id="4" name="Text Placeholder 3"/>
+            <a:endParaRPr lang="en-US" dirty="0" smtClean="0"/>
+          </a:p>
+        </p:txBody>
+      </p:sp>
+      <p:sp>
+        <p:nvSpPr>
+          <p:cNvPr id="14" name="Text Placeholder 3"/>
           <p:cNvSpPr>
             <a:spLocks noGrp="1"/>
           </p:cNvSpPr>
@@ -2184,16 +2673,22 @@
         </p:nvSpPr>
         <p:spPr>
           <a:xfrm>
-            <a:off x="457200" y="1435100"/>
-            <a:ext cx="3008313" cy="4691063"/>
-          </a:xfrm>
-        </p:spPr>
-        <p:txBody>
-          <a:bodyPr/>
+            <a:off x="5486400" y="3552372"/>
+            <a:ext cx="2209800" cy="1629228"/>
+          </a:xfrm>
+        </p:spPr>
+        <p:txBody>
+          <a:bodyPr anchor="t">
+            <a:normAutofit/>
+          </a:bodyPr>
           <a:lstStyle>
-            <a:lvl1pPr marL="0" indent="0">
-              <a:buNone/>
-              <a:defRPr sz="1400"/>
+            <a:lvl1pPr marL="0" indent="0" algn="r">
+              <a:buNone/>
+              <a:defRPr sz="1200">
+                <a:solidFill>
+                  <a:schemeClr val="tx2"/>
+                </a:solidFill>
+              </a:defRPr>
             </a:lvl1pPr>
             <a:lvl2pPr marL="457200" indent="0">
               <a:buNone/>
@@ -2239,7 +2734,7 @@
       </p:sp>
       <p:sp>
         <p:nvSpPr>
-          <p:cNvPr id="5" name="Date Placeholder 4"/>
+          <p:cNvPr id="15" name="Date Placeholder 14"/>
           <p:cNvSpPr>
             <a:spLocks noGrp="1"/>
           </p:cNvSpPr>
@@ -2252,9 +2747,9 @@
           <a:bodyPr/>
           <a:lstStyle/>
           <a:p>
-            <a:fld id="{D5D89052-8447-4E62-8287-CA856785E85C}" type="datetimeFigureOut">
+            <a:fld id="{20C49538-C926-4E52-B0D9-7947189BCEF5}" type="datetime1">
               <a:rPr lang="ro-RO" smtClean="0"/>
-              <a:t>29.06.2018</a:t>
+              <a:t>03.07.2018</a:t>
             </a:fld>
             <a:endParaRPr lang="ro-RO"/>
           </a:p>
@@ -2262,12 +2757,12 @@
       </p:sp>
       <p:sp>
         <p:nvSpPr>
-          <p:cNvPr id="6" name="Footer Placeholder 5"/>
-          <p:cNvSpPr>
-            <a:spLocks noGrp="1"/>
-          </p:cNvSpPr>
-          <p:nvPr>
-            <p:ph type="ftr" sz="quarter" idx="11"/>
+          <p:cNvPr id="16" name="Slide Number Placeholder 15"/>
+          <p:cNvSpPr>
+            <a:spLocks noGrp="1"/>
+          </p:cNvSpPr>
+          <p:nvPr>
+            <p:ph type="sldNum" sz="quarter" idx="11"/>
           </p:nvPr>
         </p:nvSpPr>
         <p:spPr/>
@@ -2275,26 +2770,7 @@
           <a:bodyPr/>
           <a:lstStyle/>
           <a:p>
-            <a:endParaRPr lang="ro-RO"/>
-          </a:p>
-        </p:txBody>
-      </p:sp>
-      <p:sp>
-        <p:nvSpPr>
-          <p:cNvPr id="7" name="Slide Number Placeholder 6"/>
-          <p:cNvSpPr>
-            <a:spLocks noGrp="1"/>
-          </p:cNvSpPr>
-          <p:nvPr>
-            <p:ph type="sldNum" sz="quarter" idx="12"/>
-          </p:nvPr>
-        </p:nvSpPr>
-        <p:spPr/>
-        <p:txBody>
-          <a:bodyPr/>
-          <a:lstStyle/>
-          <a:p>
-            <a:fld id="{250284B5-5AD3-4E51-BFA8-BBEF62A82D9A}" type="slidenum">
+            <a:fld id="{CB906B7F-5381-4D4A-9331-F9495EB2F523}" type="slidenum">
               <a:rPr lang="ro-RO" smtClean="0"/>
               <a:t>‹#›</a:t>
             </a:fld>
@@ -2302,16 +2778,41 @@
           </a:p>
         </p:txBody>
       </p:sp>
+      <p:sp>
+        <p:nvSpPr>
+          <p:cNvPr id="17" name="Footer Placeholder 16"/>
+          <p:cNvSpPr>
+            <a:spLocks noGrp="1"/>
+          </p:cNvSpPr>
+          <p:nvPr>
+            <p:ph type="ftr" sz="quarter" idx="12"/>
+          </p:nvPr>
+        </p:nvSpPr>
+        <p:spPr/>
+        <p:txBody>
+          <a:bodyPr/>
+          <a:lstStyle/>
+          <a:p>
+            <a:r>
+              <a:rPr lang="ro-RO" smtClean="0"/>
+              <a:t>*page number</a:t>
+            </a:r>
+            <a:endParaRPr lang="ro-RO"/>
+          </a:p>
+        </p:txBody>
+      </p:sp>
     </p:spTree>
-    <p:extLst>
-      <p:ext uri="{BB962C8B-B14F-4D97-AF65-F5344CB8AC3E}">
-        <p14:creationId xmlns:p14="http://schemas.microsoft.com/office/powerpoint/2010/main" val="605895381"/>
-      </p:ext>
-    </p:extLst>
   </p:cSld>
   <p:clrMapOvr>
     <a:masterClrMapping/>
   </p:clrMapOvr>
+  <p:timing>
+    <p:tnLst>
+      <p:par>
+        <p:cTn id="1" dur="indefinite" restart="never" nodeType="tmRoot"/>
+      </p:par>
+    </p:tnLst>
+  </p:timing>
 </p:sldLayout>
 </file>
 
@@ -2334,50 +2835,18 @@
       </p:grpSpPr>
       <p:sp>
         <p:nvSpPr>
-          <p:cNvPr id="2" name="Title 1"/>
-          <p:cNvSpPr>
-            <a:spLocks noGrp="1"/>
-          </p:cNvSpPr>
-          <p:nvPr>
-            <p:ph type="title"/>
+          <p:cNvPr id="3" name="Picture Placeholder 2"/>
+          <p:cNvSpPr>
+            <a:spLocks noGrp="1"/>
+          </p:cNvSpPr>
+          <p:nvPr>
+            <p:ph type="pic" idx="1"/>
           </p:nvPr>
         </p:nvSpPr>
         <p:spPr>
           <a:xfrm>
-            <a:off x="1792288" y="4800600"/>
-            <a:ext cx="5486400" cy="566738"/>
-          </a:xfrm>
-        </p:spPr>
-        <p:txBody>
-          <a:bodyPr anchor="b"/>
-          <a:lstStyle>
-            <a:lvl1pPr algn="l">
-              <a:defRPr sz="2000" b="1"/>
-            </a:lvl1pPr>
-          </a:lstStyle>
-          <a:p>
-            <a:r>
-              <a:rPr lang="en-US" smtClean="0"/>
-              <a:t>Click to edit Master title style</a:t>
-            </a:r>
-            <a:endParaRPr lang="ro-RO"/>
-          </a:p>
-        </p:txBody>
-      </p:sp>
-      <p:sp>
-        <p:nvSpPr>
-          <p:cNvPr id="3" name="Picture Placeholder 2"/>
-          <p:cNvSpPr>
-            <a:spLocks noGrp="1"/>
-          </p:cNvSpPr>
-          <p:nvPr>
-            <p:ph type="pic" idx="1"/>
-          </p:nvPr>
-        </p:nvSpPr>
-        <p:spPr>
-          <a:xfrm>
-            <a:off x="1792288" y="612775"/>
-            <a:ext cx="5486400" cy="4114800"/>
+            <a:off x="304800" y="1676400"/>
+            <a:ext cx="4696967" cy="3505200"/>
           </a:xfrm>
         </p:spPr>
         <p:txBody>
@@ -2421,13 +2890,53 @@
             </a:lvl9pPr>
           </a:lstStyle>
           <a:p>
-            <a:endParaRPr lang="ro-RO"/>
-          </a:p>
-        </p:txBody>
-      </p:sp>
-      <p:sp>
-        <p:nvSpPr>
-          <p:cNvPr id="4" name="Text Placeholder 3"/>
+            <a:r>
+              <a:rPr lang="en-US" smtClean="0"/>
+              <a:t>Click icon to add picture</a:t>
+            </a:r>
+            <a:endParaRPr lang="en-US"/>
+          </a:p>
+        </p:txBody>
+      </p:sp>
+      <p:sp>
+        <p:nvSpPr>
+          <p:cNvPr id="11" name="Title 1"/>
+          <p:cNvSpPr>
+            <a:spLocks noGrp="1"/>
+          </p:cNvSpPr>
+          <p:nvPr>
+            <p:ph type="title"/>
+          </p:nvPr>
+        </p:nvSpPr>
+        <p:spPr>
+          <a:xfrm>
+            <a:off x="5181600" y="1676400"/>
+            <a:ext cx="2514600" cy="1875972"/>
+          </a:xfrm>
+        </p:spPr>
+        <p:txBody>
+          <a:bodyPr anchor="b">
+            <a:normAutofit/>
+          </a:bodyPr>
+          <a:lstStyle>
+            <a:lvl1pPr algn="r">
+              <a:defRPr sz="2000" b="0">
+                <a:effectLst/>
+              </a:defRPr>
+            </a:lvl1pPr>
+          </a:lstStyle>
+          <a:p>
+            <a:r>
+              <a:rPr lang="en-US" smtClean="0"/>
+              <a:t>Click to edit Master title style</a:t>
+            </a:r>
+            <a:endParaRPr lang="en-US" dirty="0"/>
+          </a:p>
+        </p:txBody>
+      </p:sp>
+      <p:sp>
+        <p:nvSpPr>
+          <p:cNvPr id="12" name="Text Placeholder 3"/>
           <p:cNvSpPr>
             <a:spLocks noGrp="1"/>
           </p:cNvSpPr>
@@ -2437,16 +2946,22 @@
         </p:nvSpPr>
         <p:spPr>
           <a:xfrm>
-            <a:off x="1792288" y="5367338"/>
-            <a:ext cx="5486400" cy="804862"/>
-          </a:xfrm>
-        </p:spPr>
-        <p:txBody>
-          <a:bodyPr/>
+            <a:off x="5486400" y="3552372"/>
+            <a:ext cx="2209800" cy="1629228"/>
+          </a:xfrm>
+        </p:spPr>
+        <p:txBody>
+          <a:bodyPr anchor="t">
+            <a:normAutofit/>
+          </a:bodyPr>
           <a:lstStyle>
-            <a:lvl1pPr marL="0" indent="0">
-              <a:buNone/>
-              <a:defRPr sz="1400"/>
+            <a:lvl1pPr marL="0" indent="0" algn="r">
+              <a:buNone/>
+              <a:defRPr sz="1200">
+                <a:solidFill>
+                  <a:schemeClr val="tx2"/>
+                </a:solidFill>
+              </a:defRPr>
             </a:lvl1pPr>
             <a:lvl2pPr marL="457200" indent="0">
               <a:buNone/>
@@ -2492,7 +3007,7 @@
       </p:sp>
       <p:sp>
         <p:nvSpPr>
-          <p:cNvPr id="5" name="Date Placeholder 4"/>
+          <p:cNvPr id="16" name="Date Placeholder 15"/>
           <p:cNvSpPr>
             <a:spLocks noGrp="1"/>
           </p:cNvSpPr>
@@ -2505,9 +3020,9 @@
           <a:bodyPr/>
           <a:lstStyle/>
           <a:p>
-            <a:fld id="{D5D89052-8447-4E62-8287-CA856785E85C}" type="datetimeFigureOut">
+            <a:fld id="{3B5CF696-D3D4-4E7F-B00D-9B94E25387EB}" type="datetime1">
               <a:rPr lang="ro-RO" smtClean="0"/>
-              <a:t>29.06.2018</a:t>
+              <a:t>03.07.2018</a:t>
             </a:fld>
             <a:endParaRPr lang="ro-RO"/>
           </a:p>
@@ -2515,12 +3030,12 @@
       </p:sp>
       <p:sp>
         <p:nvSpPr>
-          <p:cNvPr id="6" name="Footer Placeholder 5"/>
-          <p:cNvSpPr>
-            <a:spLocks noGrp="1"/>
-          </p:cNvSpPr>
-          <p:nvPr>
-            <p:ph type="ftr" sz="quarter" idx="11"/>
+          <p:cNvPr id="17" name="Slide Number Placeholder 16"/>
+          <p:cNvSpPr>
+            <a:spLocks noGrp="1"/>
+          </p:cNvSpPr>
+          <p:nvPr>
+            <p:ph type="sldNum" sz="quarter" idx="11"/>
           </p:nvPr>
         </p:nvSpPr>
         <p:spPr/>
@@ -2528,26 +3043,7 @@
           <a:bodyPr/>
           <a:lstStyle/>
           <a:p>
-            <a:endParaRPr lang="ro-RO"/>
-          </a:p>
-        </p:txBody>
-      </p:sp>
-      <p:sp>
-        <p:nvSpPr>
-          <p:cNvPr id="7" name="Slide Number Placeholder 6"/>
-          <p:cNvSpPr>
-            <a:spLocks noGrp="1"/>
-          </p:cNvSpPr>
-          <p:nvPr>
-            <p:ph type="sldNum" sz="quarter" idx="12"/>
-          </p:nvPr>
-        </p:nvSpPr>
-        <p:spPr/>
-        <p:txBody>
-          <a:bodyPr/>
-          <a:lstStyle/>
-          <a:p>
-            <a:fld id="{250284B5-5AD3-4E51-BFA8-BBEF62A82D9A}" type="slidenum">
+            <a:fld id="{CB906B7F-5381-4D4A-9331-F9495EB2F523}" type="slidenum">
               <a:rPr lang="ro-RO" smtClean="0"/>
               <a:t>‹#›</a:t>
             </a:fld>
@@ -2555,16 +3051,41 @@
           </a:p>
         </p:txBody>
       </p:sp>
+      <p:sp>
+        <p:nvSpPr>
+          <p:cNvPr id="18" name="Footer Placeholder 17"/>
+          <p:cNvSpPr>
+            <a:spLocks noGrp="1"/>
+          </p:cNvSpPr>
+          <p:nvPr>
+            <p:ph type="ftr" sz="quarter" idx="12"/>
+          </p:nvPr>
+        </p:nvSpPr>
+        <p:spPr/>
+        <p:txBody>
+          <a:bodyPr/>
+          <a:lstStyle/>
+          <a:p>
+            <a:r>
+              <a:rPr lang="ro-RO" smtClean="0"/>
+              <a:t>*page number</a:t>
+            </a:r>
+            <a:endParaRPr lang="ro-RO"/>
+          </a:p>
+        </p:txBody>
+      </p:sp>
     </p:spTree>
-    <p:extLst>
-      <p:ext uri="{BB962C8B-B14F-4D97-AF65-F5344CB8AC3E}">
-        <p14:creationId xmlns:p14="http://schemas.microsoft.com/office/powerpoint/2010/main" val="203493038"/>
-      </p:ext>
-    </p:extLst>
   </p:cSld>
   <p:clrMapOvr>
     <a:masterClrMapping/>
   </p:clrMapOvr>
+  <p:timing>
+    <p:tnLst>
+      <p:par>
+        <p:cTn id="1" dur="indefinite" restart="never" nodeType="tmRoot"/>
+      </p:par>
+    </p:tnLst>
+  </p:timing>
 </p:sldLayout>
 </file>
 
@@ -2590,25 +3111,49 @@
           <a:chExt cx="0" cy="0"/>
         </a:xfrm>
       </p:grpSpPr>
-      <p:sp>
-        <p:nvSpPr>
-          <p:cNvPr id="2" name="Title Placeholder 1"/>
-          <p:cNvSpPr>
-            <a:spLocks noGrp="1"/>
-          </p:cNvSpPr>
-          <p:nvPr>
-            <p:ph type="title"/>
-          </p:nvPr>
-        </p:nvSpPr>
+      <p:pic>
+        <p:nvPicPr>
+          <p:cNvPr id="12" name="Picture 11" descr="sphere2.png"/>
+          <p:cNvPicPr>
+            <a:picLocks noChangeAspect="1"/>
+          </p:cNvPicPr>
+          <p:nvPr/>
+        </p:nvPicPr>
+        <p:blipFill>
+          <a:blip r:embed="rId13" cstate="print"/>
+          <a:stretch>
+            <a:fillRect/>
+          </a:stretch>
+        </p:blipFill>
         <p:spPr>
           <a:xfrm>
-            <a:off x="457200" y="274638"/>
-            <a:ext cx="8229600" cy="1143000"/>
+            <a:off x="8823693" y="0"/>
+            <a:ext cx="320307" cy="6858000"/>
           </a:xfrm>
           <a:prstGeom prst="rect">
             <a:avLst/>
           </a:prstGeom>
         </p:spPr>
+      </p:pic>
+      <p:sp>
+        <p:nvSpPr>
+          <p:cNvPr id="2" name="Title Placeholder 1"/>
+          <p:cNvSpPr>
+            <a:spLocks noGrp="1"/>
+          </p:cNvSpPr>
+          <p:nvPr>
+            <p:ph type="title"/>
+          </p:nvPr>
+        </p:nvSpPr>
+        <p:spPr>
+          <a:xfrm>
+            <a:off x="4876800" y="457200"/>
+            <a:ext cx="2819400" cy="5715000"/>
+          </a:xfrm>
+          <a:prstGeom prst="rect">
+            <a:avLst/>
+          </a:prstGeom>
+        </p:spPr>
         <p:txBody>
           <a:bodyPr vert="horz" lIns="91440" tIns="45720" rIns="91440" bIns="45720" rtlCol="0" anchor="ctr">
             <a:normAutofit/>
@@ -2619,7 +3164,7 @@
               <a:rPr lang="en-US" smtClean="0"/>
               <a:t>Click to edit Master title style</a:t>
             </a:r>
-            <a:endParaRPr lang="ro-RO"/>
+            <a:endParaRPr lang="en-US" dirty="0"/>
           </a:p>
         </p:txBody>
       </p:sp>
@@ -2635,15 +3180,15 @@
         </p:nvSpPr>
         <p:spPr>
           <a:xfrm>
-            <a:off x="457200" y="1600200"/>
-            <a:ext cx="8229600" cy="4525963"/>
+            <a:off x="457200" y="457200"/>
+            <a:ext cx="3657600" cy="5714999"/>
           </a:xfrm>
           <a:prstGeom prst="rect">
             <a:avLst/>
           </a:prstGeom>
         </p:spPr>
         <p:txBody>
-          <a:bodyPr vert="horz" lIns="91440" tIns="45720" rIns="91440" bIns="45720" rtlCol="0">
+          <a:bodyPr vert="horz" lIns="91440" tIns="45720" rIns="91440" bIns="45720" rtlCol="0" anchor="ctr">
             <a:normAutofit/>
           </a:bodyPr>
           <a:lstStyle/>
@@ -2681,24 +3226,24 @@
               <a:rPr lang="en-US" smtClean="0"/>
               <a:t>Fifth level</a:t>
             </a:r>
-            <a:endParaRPr lang="ro-RO"/>
-          </a:p>
-        </p:txBody>
-      </p:sp>
-      <p:sp>
-        <p:nvSpPr>
-          <p:cNvPr id="4" name="Date Placeholder 3"/>
-          <p:cNvSpPr>
-            <a:spLocks noGrp="1"/>
-          </p:cNvSpPr>
-          <p:nvPr>
-            <p:ph type="dt" sz="half" idx="2"/>
+            <a:endParaRPr lang="en-US" dirty="0"/>
+          </a:p>
+        </p:txBody>
+      </p:sp>
+      <p:sp>
+        <p:nvSpPr>
+          <p:cNvPr id="8" name="Slide Number Placeholder 7"/>
+          <p:cNvSpPr>
+            <a:spLocks noGrp="1"/>
+          </p:cNvSpPr>
+          <p:nvPr>
+            <p:ph type="sldNum" sz="quarter" idx="4"/>
           </p:nvPr>
         </p:nvSpPr>
         <p:spPr>
           <a:xfrm>
-            <a:off x="457200" y="6356350"/>
-            <a:ext cx="2133600" cy="365125"/>
+            <a:off x="7772400" y="6400800"/>
+            <a:ext cx="533400" cy="152400"/>
           </a:xfrm>
           <a:prstGeom prst="rect">
             <a:avLst/>
@@ -2707,20 +3252,21 @@
         <p:txBody>
           <a:bodyPr vert="horz" lIns="91440" tIns="45720" rIns="91440" bIns="45720" rtlCol="0" anchor="ctr"/>
           <a:lstStyle>
-            <a:lvl1pPr algn="l">
-              <a:defRPr sz="1200">
+            <a:lvl1pPr algn="ctr">
+              <a:defRPr sz="1050">
                 <a:solidFill>
                   <a:schemeClr val="tx1">
-                    <a:tint val="75000"/>
+                    <a:lumMod val="50000"/>
+                    <a:lumOff val="50000"/>
                   </a:schemeClr>
                 </a:solidFill>
               </a:defRPr>
             </a:lvl1pPr>
           </a:lstStyle>
           <a:p>
-            <a:fld id="{D5D89052-8447-4E62-8287-CA856785E85C}" type="datetimeFigureOut">
+            <a:fld id="{CB906B7F-5381-4D4A-9331-F9495EB2F523}" type="slidenum">
               <a:rPr lang="ro-RO" smtClean="0"/>
-              <a:t>29.06.2018</a:t>
+              <a:t>‹#›</a:t>
             </a:fld>
             <a:endParaRPr lang="ro-RO"/>
           </a:p>
@@ -2728,18 +3274,18 @@
       </p:sp>
       <p:sp>
         <p:nvSpPr>
-          <p:cNvPr id="5" name="Footer Placeholder 4"/>
-          <p:cNvSpPr>
-            <a:spLocks noGrp="1"/>
-          </p:cNvSpPr>
-          <p:nvPr>
-            <p:ph type="ftr" sz="quarter" idx="3"/>
+          <p:cNvPr id="9" name="Date Placeholder 8"/>
+          <p:cNvSpPr>
+            <a:spLocks noGrp="1"/>
+          </p:cNvSpPr>
+          <p:nvPr>
+            <p:ph type="dt" sz="half" idx="2"/>
           </p:nvPr>
         </p:nvSpPr>
         <p:spPr>
           <a:xfrm>
-            <a:off x="3124200" y="6356350"/>
-            <a:ext cx="2895600" cy="365125"/>
+            <a:off x="4876801" y="6426201"/>
+            <a:ext cx="2819399" cy="126999"/>
           </a:xfrm>
           <a:prstGeom prst="rect">
             <a:avLst/>
@@ -2748,94 +3294,111 @@
         <p:txBody>
           <a:bodyPr vert="horz" lIns="91440" tIns="45720" rIns="91440" bIns="45720" rtlCol="0" anchor="ctr"/>
           <a:lstStyle>
-            <a:lvl1pPr algn="ctr">
-              <a:defRPr sz="1200">
+            <a:lvl1pPr algn="r">
+              <a:defRPr sz="1050">
                 <a:solidFill>
                   <a:schemeClr val="tx1">
-                    <a:tint val="75000"/>
+                    <a:lumMod val="50000"/>
+                    <a:lumOff val="50000"/>
                   </a:schemeClr>
                 </a:solidFill>
               </a:defRPr>
             </a:lvl1pPr>
           </a:lstStyle>
           <a:p>
+            <a:fld id="{48F11726-AC1D-49B1-8E8C-778E70B8B00E}" type="datetime1">
+              <a:rPr lang="ro-RO" smtClean="0"/>
+              <a:t>03.07.2018</a:t>
+            </a:fld>
             <a:endParaRPr lang="ro-RO"/>
           </a:p>
         </p:txBody>
       </p:sp>
       <p:sp>
         <p:nvSpPr>
-          <p:cNvPr id="6" name="Slide Number Placeholder 5"/>
-          <p:cNvSpPr>
-            <a:spLocks noGrp="1"/>
-          </p:cNvSpPr>
-          <p:nvPr>
-            <p:ph type="sldNum" sz="quarter" idx="4"/>
+          <p:cNvPr id="10" name="Footer Placeholder 9"/>
+          <p:cNvSpPr>
+            <a:spLocks noGrp="1"/>
+          </p:cNvSpPr>
+          <p:nvPr>
+            <p:ph type="ftr" sz="quarter" idx="3"/>
           </p:nvPr>
         </p:nvSpPr>
         <p:spPr>
           <a:xfrm>
-            <a:off x="6553200" y="6356350"/>
-            <a:ext cx="2133600" cy="365125"/>
+            <a:off x="4875213" y="6296248"/>
+            <a:ext cx="2820987" cy="152400"/>
           </a:xfrm>
           <a:prstGeom prst="rect">
             <a:avLst/>
           </a:prstGeom>
         </p:spPr>
         <p:txBody>
-          <a:bodyPr vert="horz" lIns="91440" tIns="45720" rIns="91440" bIns="45720" rtlCol="0" anchor="ctr"/>
+          <a:bodyPr vert="horz" lIns="91440" tIns="45720" rIns="91440" bIns="45720" rtlCol="0" anchor="b"/>
           <a:lstStyle>
             <a:lvl1pPr algn="r">
-              <a:defRPr sz="1200">
+              <a:defRPr sz="1050">
                 <a:solidFill>
-                  <a:schemeClr val="tx1">
-                    <a:tint val="75000"/>
-                  </a:schemeClr>
+                  <a:schemeClr val="tx1"/>
                 </a:solidFill>
               </a:defRPr>
             </a:lvl1pPr>
           </a:lstStyle>
           <a:p>
-            <a:fld id="{250284B5-5AD3-4E51-BFA8-BBEF62A82D9A}" type="slidenum">
+            <a:r>
               <a:rPr lang="ro-RO" smtClean="0"/>
-              <a:t>‹#›</a:t>
-            </a:fld>
+              <a:t>*page number</a:t>
+            </a:r>
             <a:endParaRPr lang="ro-RO"/>
           </a:p>
         </p:txBody>
       </p:sp>
     </p:spTree>
-    <p:extLst>
-      <p:ext uri="{BB962C8B-B14F-4D97-AF65-F5344CB8AC3E}">
-        <p14:creationId xmlns:p14="http://schemas.microsoft.com/office/powerpoint/2010/main" val="1772430583"/>
-      </p:ext>
-    </p:extLst>
   </p:cSld>
   <p:clrMap bg1="lt1" tx1="dk1" bg2="lt2" tx2="dk2" accent1="accent1" accent2="accent2" accent3="accent3" accent4="accent4" accent5="accent5" accent6="accent6" hlink="hlink" folHlink="folHlink"/>
   <p:sldLayoutIdLst>
-    <p:sldLayoutId id="2147483649" r:id="rId1"/>
-    <p:sldLayoutId id="2147483650" r:id="rId2"/>
-    <p:sldLayoutId id="2147483651" r:id="rId3"/>
-    <p:sldLayoutId id="2147483652" r:id="rId4"/>
-    <p:sldLayoutId id="2147483653" r:id="rId5"/>
-    <p:sldLayoutId id="2147483654" r:id="rId6"/>
-    <p:sldLayoutId id="2147483655" r:id="rId7"/>
-    <p:sldLayoutId id="2147483656" r:id="rId8"/>
-    <p:sldLayoutId id="2147483657" r:id="rId9"/>
-    <p:sldLayoutId id="2147483658" r:id="rId10"/>
-    <p:sldLayoutId id="2147483659" r:id="rId11"/>
+    <p:sldLayoutId id="2147483721" r:id="rId1"/>
+    <p:sldLayoutId id="2147483722" r:id="rId2"/>
+    <p:sldLayoutId id="2147483723" r:id="rId3"/>
+    <p:sldLayoutId id="2147483724" r:id="rId4"/>
+    <p:sldLayoutId id="2147483725" r:id="rId5"/>
+    <p:sldLayoutId id="2147483726" r:id="rId6"/>
+    <p:sldLayoutId id="2147483727" r:id="rId7"/>
+    <p:sldLayoutId id="2147483728" r:id="rId8"/>
+    <p:sldLayoutId id="2147483729" r:id="rId9"/>
+    <p:sldLayoutId id="2147483730" r:id="rId10"/>
+    <p:sldLayoutId id="2147483731" r:id="rId11"/>
   </p:sldLayoutIdLst>
+  <p:timing>
+    <p:tnLst>
+      <p:par>
+        <p:cTn id="1" dur="indefinite" restart="never" nodeType="tmRoot"/>
+      </p:par>
+    </p:tnLst>
+  </p:timing>
+  <p:hf sldNum="0" hdr="0" dt="0"/>
   <p:txStyles>
     <p:titleStyle>
-      <a:lvl1pPr algn="ctr" defTabSz="914400" rtl="0" eaLnBrk="1" latinLnBrk="0" hangingPunct="1">
+      <a:lvl1pPr algn="r" defTabSz="914400" rtl="0" eaLnBrk="1" latinLnBrk="0" hangingPunct="1">
         <a:spcBef>
           <a:spcPct val="0"/>
         </a:spcBef>
         <a:buNone/>
-        <a:defRPr sz="4400" kern="1200">
-          <a:solidFill>
-            <a:schemeClr val="tx1"/>
-          </a:solidFill>
+        <a:defRPr sz="2800" kern="1200">
+          <a:gradFill>
+            <a:gsLst>
+              <a:gs pos="0">
+                <a:schemeClr val="tx1">
+                  <a:lumMod val="50000"/>
+                </a:schemeClr>
+              </a:gs>
+              <a:gs pos="61000">
+                <a:schemeClr val="tx1"/>
+              </a:gs>
+            </a:gsLst>
+            <a:lin ang="5400000" scaled="0"/>
+          </a:gradFill>
+          <a:effectLst/>
           <a:latin typeface="+mj-lt"/>
           <a:ea typeface="+mj-ea"/>
           <a:cs typeface="+mj-cs"/>
@@ -2843,88 +3406,134 @@
       </a:lvl1pPr>
     </p:titleStyle>
     <p:bodyStyle>
-      <a:lvl1pPr marL="342900" indent="-342900" algn="l" defTabSz="914400" rtl="0" eaLnBrk="1" latinLnBrk="0" hangingPunct="1">
+      <a:lvl1pPr marL="182880" indent="-182880" algn="l" defTabSz="914400" rtl="0" eaLnBrk="1" latinLnBrk="0" hangingPunct="1">
         <a:spcBef>
           <a:spcPct val="20000"/>
         </a:spcBef>
-        <a:buFont typeface="Arial" pitchFamily="34" charset="0"/>
-        <a:buChar char="•"/>
-        <a:defRPr sz="3200" kern="1200">
+        <a:buClr>
+          <a:schemeClr val="tx1">
+            <a:lumMod val="50000"/>
+            <a:lumOff val="50000"/>
+          </a:schemeClr>
+        </a:buClr>
+        <a:buFont typeface="Wingdings" pitchFamily="2" charset="2"/>
+        <a:buChar char="§"/>
+        <a:defRPr sz="1800" kern="1200">
           <a:solidFill>
-            <a:schemeClr val="tx1"/>
+            <a:schemeClr val="tx1">
+              <a:lumMod val="85000"/>
+            </a:schemeClr>
           </a:solidFill>
           <a:latin typeface="+mn-lt"/>
           <a:ea typeface="+mn-ea"/>
           <a:cs typeface="+mn-cs"/>
         </a:defRPr>
       </a:lvl1pPr>
-      <a:lvl2pPr marL="742950" indent="-285750" algn="l" defTabSz="914400" rtl="0" eaLnBrk="1" latinLnBrk="0" hangingPunct="1">
+      <a:lvl2pPr marL="411480" indent="-182880" algn="l" defTabSz="914400" rtl="0" eaLnBrk="1" latinLnBrk="0" hangingPunct="1">
         <a:spcBef>
           <a:spcPct val="20000"/>
         </a:spcBef>
-        <a:buFont typeface="Arial" pitchFamily="34" charset="0"/>
-        <a:buChar char="–"/>
-        <a:defRPr sz="2800" kern="1200">
+        <a:buClr>
+          <a:schemeClr val="tx1">
+            <a:lumMod val="50000"/>
+            <a:lumOff val="50000"/>
+          </a:schemeClr>
+        </a:buClr>
+        <a:buFont typeface="Wingdings" pitchFamily="2" charset="2"/>
+        <a:buChar char="§"/>
+        <a:defRPr sz="1400" kern="1200">
           <a:solidFill>
-            <a:schemeClr val="tx1"/>
+            <a:schemeClr val="tx1">
+              <a:lumMod val="85000"/>
+            </a:schemeClr>
           </a:solidFill>
           <a:latin typeface="+mn-lt"/>
           <a:ea typeface="+mn-ea"/>
           <a:cs typeface="+mn-cs"/>
         </a:defRPr>
       </a:lvl2pPr>
-      <a:lvl3pPr marL="1143000" indent="-228600" algn="l" defTabSz="914400" rtl="0" eaLnBrk="1" latinLnBrk="0" hangingPunct="1">
+      <a:lvl3pPr marL="594360" indent="-182880" algn="l" defTabSz="914400" rtl="0" eaLnBrk="1" latinLnBrk="0" hangingPunct="1">
         <a:spcBef>
           <a:spcPct val="20000"/>
         </a:spcBef>
-        <a:buFont typeface="Arial" pitchFamily="34" charset="0"/>
-        <a:buChar char="•"/>
-        <a:defRPr sz="2400" kern="1200">
+        <a:buClr>
+          <a:schemeClr val="tx1">
+            <a:lumMod val="50000"/>
+            <a:lumOff val="50000"/>
+          </a:schemeClr>
+        </a:buClr>
+        <a:buFont typeface="Wingdings" pitchFamily="2" charset="2"/>
+        <a:buChar char="§"/>
+        <a:defRPr sz="1400" kern="1200">
           <a:solidFill>
-            <a:schemeClr val="tx1"/>
+            <a:schemeClr val="tx1">
+              <a:lumMod val="85000"/>
+            </a:schemeClr>
           </a:solidFill>
           <a:latin typeface="+mn-lt"/>
           <a:ea typeface="+mn-ea"/>
           <a:cs typeface="+mn-cs"/>
         </a:defRPr>
       </a:lvl3pPr>
-      <a:lvl4pPr marL="1600200" indent="-228600" algn="l" defTabSz="914400" rtl="0" eaLnBrk="1" latinLnBrk="0" hangingPunct="1">
+      <a:lvl4pPr marL="777240" indent="-182880" algn="l" defTabSz="914400" rtl="0" eaLnBrk="1" latinLnBrk="0" hangingPunct="1">
         <a:spcBef>
           <a:spcPct val="20000"/>
         </a:spcBef>
-        <a:buFont typeface="Arial" pitchFamily="34" charset="0"/>
-        <a:buChar char="–"/>
-        <a:defRPr sz="2000" kern="1200">
+        <a:buClr>
+          <a:schemeClr val="tx1">
+            <a:lumMod val="50000"/>
+            <a:lumOff val="50000"/>
+          </a:schemeClr>
+        </a:buClr>
+        <a:buFont typeface="Wingdings" pitchFamily="2" charset="2"/>
+        <a:buChar char="§"/>
+        <a:defRPr sz="1400" kern="1200">
           <a:solidFill>
-            <a:schemeClr val="tx1"/>
+            <a:schemeClr val="tx1">
+              <a:lumMod val="85000"/>
+            </a:schemeClr>
           </a:solidFill>
           <a:latin typeface="+mn-lt"/>
           <a:ea typeface="+mn-ea"/>
           <a:cs typeface="+mn-cs"/>
         </a:defRPr>
       </a:lvl4pPr>
-      <a:lvl5pPr marL="2057400" indent="-228600" algn="l" defTabSz="914400" rtl="0" eaLnBrk="1" latinLnBrk="0" hangingPunct="1">
+      <a:lvl5pPr marL="960120" indent="-182880" algn="l" defTabSz="914400" rtl="0" eaLnBrk="1" latinLnBrk="0" hangingPunct="1">
         <a:spcBef>
           <a:spcPct val="20000"/>
         </a:spcBef>
-        <a:buFont typeface="Arial" pitchFamily="34" charset="0"/>
-        <a:buChar char="»"/>
-        <a:defRPr sz="2000" kern="1200">
+        <a:buClr>
+          <a:schemeClr val="tx1">
+            <a:lumMod val="50000"/>
+            <a:lumOff val="50000"/>
+          </a:schemeClr>
+        </a:buClr>
+        <a:buFont typeface="Wingdings" pitchFamily="2" charset="2"/>
+        <a:buChar char="§"/>
+        <a:defRPr sz="1400" kern="1200">
           <a:solidFill>
-            <a:schemeClr val="tx1"/>
+            <a:schemeClr val="tx1">
+              <a:lumMod val="85000"/>
+            </a:schemeClr>
           </a:solidFill>
           <a:latin typeface="+mn-lt"/>
           <a:ea typeface="+mn-ea"/>
           <a:cs typeface="+mn-cs"/>
         </a:defRPr>
       </a:lvl5pPr>
-      <a:lvl6pPr marL="2514600" indent="-228600" algn="l" defTabSz="914400" rtl="0" eaLnBrk="1" latinLnBrk="0" hangingPunct="1">
+      <a:lvl6pPr marL="1143000" indent="-182880" algn="l" defTabSz="914400" rtl="0" eaLnBrk="1" latinLnBrk="0" hangingPunct="1">
         <a:spcBef>
-          <a:spcPct val="20000"/>
+          <a:spcPts val="288"/>
         </a:spcBef>
-        <a:buFont typeface="Arial" pitchFamily="34" charset="0"/>
-        <a:buChar char="•"/>
-        <a:defRPr sz="2000" kern="1200">
+        <a:buClr>
+          <a:schemeClr val="tx1">
+            <a:lumMod val="50000"/>
+            <a:lumOff val="50000"/>
+          </a:schemeClr>
+        </a:buClr>
+        <a:buFont typeface="Wingdings" pitchFamily="2" charset="2"/>
+        <a:buChar char="§"/>
+        <a:defRPr sz="1400" kern="1200" baseline="0">
           <a:solidFill>
             <a:schemeClr val="tx1"/>
           </a:solidFill>
@@ -2933,13 +3542,19 @@
           <a:cs typeface="+mn-cs"/>
         </a:defRPr>
       </a:lvl6pPr>
-      <a:lvl7pPr marL="2971800" indent="-228600" algn="l" defTabSz="914400" rtl="0" eaLnBrk="1" latinLnBrk="0" hangingPunct="1">
+      <a:lvl7pPr marL="1325880" indent="-182880" algn="l" defTabSz="914400" rtl="0" eaLnBrk="1" latinLnBrk="0" hangingPunct="1">
         <a:spcBef>
-          <a:spcPct val="20000"/>
+          <a:spcPts val="288"/>
         </a:spcBef>
-        <a:buFont typeface="Arial" pitchFamily="34" charset="0"/>
-        <a:buChar char="•"/>
-        <a:defRPr sz="2000" kern="1200">
+        <a:buClr>
+          <a:schemeClr val="tx1">
+            <a:lumMod val="50000"/>
+            <a:lumOff val="50000"/>
+          </a:schemeClr>
+        </a:buClr>
+        <a:buFont typeface="Wingdings" pitchFamily="2" charset="2"/>
+        <a:buChar char="§"/>
+        <a:defRPr sz="1400" kern="1200" baseline="0">
           <a:solidFill>
             <a:schemeClr val="tx1"/>
           </a:solidFill>
@@ -2948,13 +3563,19 @@
           <a:cs typeface="+mn-cs"/>
         </a:defRPr>
       </a:lvl7pPr>
-      <a:lvl8pPr marL="3429000" indent="-228600" algn="l" defTabSz="914400" rtl="0" eaLnBrk="1" latinLnBrk="0" hangingPunct="1">
+      <a:lvl8pPr marL="1508760" indent="-182880" algn="l" defTabSz="914400" rtl="0" eaLnBrk="1" latinLnBrk="0" hangingPunct="1">
         <a:spcBef>
-          <a:spcPct val="20000"/>
+          <a:spcPts val="288"/>
         </a:spcBef>
-        <a:buFont typeface="Arial" pitchFamily="34" charset="0"/>
-        <a:buChar char="•"/>
-        <a:defRPr sz="2000" kern="1200">
+        <a:buClr>
+          <a:schemeClr val="tx1">
+            <a:lumMod val="50000"/>
+            <a:lumOff val="50000"/>
+          </a:schemeClr>
+        </a:buClr>
+        <a:buFont typeface="Wingdings" pitchFamily="2" charset="2"/>
+        <a:buChar char="§"/>
+        <a:defRPr sz="1400" kern="1200" baseline="0">
           <a:solidFill>
             <a:schemeClr val="tx1"/>
           </a:solidFill>
@@ -2963,13 +3584,19 @@
           <a:cs typeface="+mn-cs"/>
         </a:defRPr>
       </a:lvl8pPr>
-      <a:lvl9pPr marL="3886200" indent="-228600" algn="l" defTabSz="914400" rtl="0" eaLnBrk="1" latinLnBrk="0" hangingPunct="1">
+      <a:lvl9pPr marL="1691640" indent="-182880" algn="l" defTabSz="914400" rtl="0" eaLnBrk="1" latinLnBrk="0" hangingPunct="1">
         <a:spcBef>
-          <a:spcPct val="20000"/>
+          <a:spcPts val="288"/>
         </a:spcBef>
-        <a:buFont typeface="Arial" pitchFamily="34" charset="0"/>
-        <a:buChar char="•"/>
-        <a:defRPr sz="2000" kern="1200">
+        <a:buClr>
+          <a:schemeClr val="tx1">
+            <a:lumMod val="50000"/>
+            <a:lumOff val="50000"/>
+          </a:schemeClr>
+        </a:buClr>
+        <a:buFont typeface="Wingdings" pitchFamily="2" charset="2"/>
+        <a:buChar char="§"/>
+        <a:defRPr sz="1400" kern="1200" baseline="0">
           <a:solidFill>
             <a:schemeClr val="tx1"/>
           </a:solidFill>
@@ -2981,7 +3608,7 @@
     </p:bodyStyle>
     <p:otherStyle>
       <a:defPPr>
-        <a:defRPr lang="ro-RO"/>
+        <a:defRPr lang="en-US"/>
       </a:defPPr>
       <a:lvl1pPr marL="0" algn="l" defTabSz="914400" rtl="0" eaLnBrk="1" latinLnBrk="0" hangingPunct="1">
         <a:defRPr sz="1800" kern="1200">
@@ -3097,60 +3724,3634 @@
       </p:grpSpPr>
       <p:sp>
         <p:nvSpPr>
+          <p:cNvPr id="3" name="Subtitle 2"/>
+          <p:cNvSpPr>
+            <a:spLocks noGrp="1"/>
+          </p:cNvSpPr>
+          <p:nvPr>
+            <p:ph type="subTitle" idx="1"/>
+          </p:nvPr>
+        </p:nvSpPr>
+        <p:spPr/>
+        <p:txBody>
+          <a:bodyPr>
+            <a:normAutofit/>
+          </a:bodyPr>
+          <a:lstStyle/>
+          <a:p>
+            <a:r>
+              <a:rPr lang="ro-RO" sz="2000" dirty="0" smtClean="0"/>
+              <a:t> Absolvent  Timofte Samuel</a:t>
+            </a:r>
+          </a:p>
+          <a:p>
+            <a:endParaRPr lang="ro-RO" sz="2000" dirty="0" smtClean="0"/>
+          </a:p>
+          <a:p>
+            <a:r>
+              <a:rPr lang="ro-RO" sz="2000" dirty="0" smtClean="0"/>
+              <a:t>Coordonator Lect. dr. Vlad Rădulescu</a:t>
+            </a:r>
+            <a:endParaRPr lang="ro-RO" sz="2000" dirty="0"/>
+          </a:p>
+        </p:txBody>
+      </p:sp>
+      <p:sp>
+        <p:nvSpPr>
           <p:cNvPr id="2" name="Title 1"/>
           <p:cNvSpPr>
             <a:spLocks noGrp="1"/>
           </p:cNvSpPr>
           <p:nvPr>
-            <p:ph type="ctrTitle"/>
+            <p:ph type="title"/>
           </p:nvPr>
         </p:nvSpPr>
         <p:spPr/>
         <p:txBody>
+          <a:bodyPr>
+            <a:normAutofit/>
+          </a:bodyPr>
+          <a:lstStyle/>
+          <a:p>
+            <a:r>
+              <a:rPr lang="ro-RO" sz="4800" dirty="0" smtClean="0"/>
+              <a:t/>
+            </a:r>
+            <a:br>
+              <a:rPr lang="ro-RO" sz="4800" dirty="0" smtClean="0"/>
+            </a:br>
+            <a:r>
+              <a:rPr lang="ro-RO" sz="4800" dirty="0" smtClean="0"/>
+              <a:t>Mobile Control</a:t>
+            </a:r>
+            <a:endParaRPr lang="ro-RO" sz="4800" dirty="0"/>
+          </a:p>
+        </p:txBody>
+      </p:sp>
+      <p:sp>
+        <p:nvSpPr>
+          <p:cNvPr id="4" name="Footer Placeholder 3"/>
+          <p:cNvSpPr>
+            <a:spLocks noGrp="1"/>
+          </p:cNvSpPr>
+          <p:nvPr>
+            <p:ph type="ftr" sz="quarter" idx="12"/>
+          </p:nvPr>
+        </p:nvSpPr>
+        <p:spPr/>
+        <p:txBody>
           <a:bodyPr/>
           <a:lstStyle/>
           <a:p>
-            <a:r>
+            <a:fld id="{77112F16-560A-4D6D-A598-D5BD8295163B}" type="slidenum">
               <a:rPr lang="ro-RO" smtClean="0"/>
-              <a:t>Mobile Control</a:t>
-            </a:r>
+              <a:t>1</a:t>
+            </a:fld>
             <a:endParaRPr lang="ro-RO" dirty="0"/>
-          </a:p>
-        </p:txBody>
-      </p:sp>
-      <p:sp>
-        <p:nvSpPr>
-          <p:cNvPr id="3" name="Subtitle 2"/>
-          <p:cNvSpPr>
-            <a:spLocks noGrp="1"/>
-          </p:cNvSpPr>
-          <p:nvPr>
-            <p:ph type="subTitle" idx="1"/>
-          </p:nvPr>
-        </p:nvSpPr>
-        <p:spPr/>
-        <p:txBody>
-          <a:bodyPr/>
-          <a:lstStyle/>
-          <a:p>
-            <a:endParaRPr lang="ro-RO"/>
           </a:p>
         </p:txBody>
       </p:sp>
     </p:spTree>
     <p:extLst>
       <p:ext uri="{BB962C8B-B14F-4D97-AF65-F5344CB8AC3E}">
-        <p14:creationId xmlns:p14="http://schemas.microsoft.com/office/powerpoint/2010/main" val="648391090"/>
+        <p14:creationId xmlns:p14="http://schemas.microsoft.com/office/powerpoint/2010/main" val="2203839956"/>
       </p:ext>
     </p:extLst>
   </p:cSld>
   <p:clrMapOvr>
     <a:masterClrMapping/>
   </p:clrMapOvr>
+  <p:timing>
+    <p:tnLst>
+      <p:par>
+        <p:cTn id="1" dur="indefinite" restart="never" nodeType="tmRoot"/>
+      </p:par>
+    </p:tnLst>
+  </p:timing>
+</p:sld>
+</file>
+
+<file path=ppt/slides/slide10.xml><?xml version="1.0" encoding="utf-8"?>
+<p:sld xmlns:a="http://schemas.openxmlformats.org/drawingml/2006/main" xmlns:r="http://schemas.openxmlformats.org/officeDocument/2006/relationships" xmlns:p="http://schemas.openxmlformats.org/presentationml/2006/main">
+  <p:cSld>
+    <p:spTree>
+      <p:nvGrpSpPr>
+        <p:cNvPr id="1" name=""/>
+        <p:cNvGrpSpPr/>
+        <p:nvPr/>
+      </p:nvGrpSpPr>
+      <p:grpSpPr>
+        <a:xfrm>
+          <a:off x="0" y="0"/>
+          <a:ext cx="0" cy="0"/>
+          <a:chOff x="0" y="0"/>
+          <a:chExt cx="0" cy="0"/>
+        </a:xfrm>
+      </p:grpSpPr>
+      <p:sp>
+        <p:nvSpPr>
+          <p:cNvPr id="3" name="Subtitle 2"/>
+          <p:cNvSpPr>
+            <a:spLocks noGrp="1"/>
+          </p:cNvSpPr>
+          <p:nvPr>
+            <p:ph type="subTitle" idx="1"/>
+          </p:nvPr>
+        </p:nvSpPr>
+        <p:spPr>
+          <a:xfrm>
+            <a:off x="827584" y="1268760"/>
+            <a:ext cx="5472608" cy="3960440"/>
+          </a:xfrm>
+        </p:spPr>
+        <p:txBody>
+          <a:bodyPr>
+            <a:normAutofit/>
+          </a:bodyPr>
+          <a:lstStyle/>
+          <a:p>
+            <a:pPr algn="l"/>
+            <a:r>
+              <a:rPr lang="ro-RO" dirty="0" smtClean="0"/>
+              <a:t>	Conceptul Mobile Control  este un concept puternic, cu aplicabilitate directă în industria automotive.</a:t>
+            </a:r>
+          </a:p>
+          <a:p>
+            <a:pPr algn="l"/>
+            <a:r>
+              <a:rPr lang="ro-RO" dirty="0"/>
+              <a:t>	</a:t>
+            </a:r>
+            <a:r>
+              <a:rPr lang="ro-RO" dirty="0" smtClean="0"/>
+              <a:t>Lucrarea de licenta prezentata arată o versiune minimală a conceptului, cu mici eșecuri: implementarea </a:t>
+            </a:r>
+            <a:r>
+              <a:rPr lang="ro-RO" dirty="0"/>
+              <a:t>trimiterii mesajului CAN a fost facută 100%, dar nu funcționează complet datorită esuării sincronizării </a:t>
+            </a:r>
+            <a:r>
+              <a:rPr lang="ro-RO" dirty="0" smtClean="0"/>
+              <a:t>între cele 3 platforme de dezvoltare (Windows – Eclipse, Raspian – Server, Android – Client).</a:t>
+            </a:r>
+          </a:p>
+          <a:p>
+            <a:pPr algn="l"/>
+            <a:r>
+              <a:rPr lang="ro-RO" dirty="0"/>
+              <a:t>	</a:t>
+            </a:r>
+            <a:r>
+              <a:rPr lang="ro-RO" dirty="0" smtClean="0"/>
+              <a:t>De mentionat ca si contributie majoră pentru acest proiect a fost și configurarea Raspberry Py (routere wi-fi, comenzi linux, hotspot ...etc).</a:t>
+            </a:r>
+          </a:p>
+          <a:p>
+            <a:pPr algn="l"/>
+            <a:endParaRPr lang="ro-RO" dirty="0" smtClean="0"/>
+          </a:p>
+          <a:p>
+            <a:pPr algn="l"/>
+            <a:endParaRPr lang="ro-RO" dirty="0"/>
+          </a:p>
+          <a:p>
+            <a:pPr algn="l"/>
+            <a:r>
+              <a:rPr lang="ro-RO" dirty="0" smtClean="0"/>
+              <a:t>OBS: Nu am insistat în prezentarea componentei server, deoarece este cod ”open source”, preluat și prelucrat sa funcționeze, unde am descris mai apoi funcționalitățile descrise pentru trimiterea corectă a unui mesaj de CAN.</a:t>
+            </a:r>
+            <a:endParaRPr lang="ro-RO" dirty="0"/>
+          </a:p>
+          <a:p>
+            <a:pPr algn="l"/>
+            <a:endParaRPr lang="ro-RO" dirty="0" smtClean="0"/>
+          </a:p>
+        </p:txBody>
+      </p:sp>
+      <p:sp>
+        <p:nvSpPr>
+          <p:cNvPr id="2" name="Title 1"/>
+          <p:cNvSpPr>
+            <a:spLocks noGrp="1"/>
+          </p:cNvSpPr>
+          <p:nvPr>
+            <p:ph type="title"/>
+          </p:nvPr>
+        </p:nvSpPr>
+        <p:spPr>
+          <a:xfrm>
+            <a:off x="2411760" y="332656"/>
+            <a:ext cx="3962400" cy="728464"/>
+          </a:xfrm>
+        </p:spPr>
+        <p:txBody>
+          <a:bodyPr/>
+          <a:lstStyle/>
+          <a:p>
+            <a:r>
+              <a:rPr lang="ro-RO" dirty="0"/>
+              <a:t>Concluzii</a:t>
+            </a:r>
+          </a:p>
+        </p:txBody>
+      </p:sp>
+      <p:sp>
+        <p:nvSpPr>
+          <p:cNvPr id="4" name="Footer Placeholder 3"/>
+          <p:cNvSpPr>
+            <a:spLocks noGrp="1"/>
+          </p:cNvSpPr>
+          <p:nvPr>
+            <p:ph type="ftr" sz="quarter" idx="12"/>
+          </p:nvPr>
+        </p:nvSpPr>
+        <p:spPr/>
+        <p:txBody>
+          <a:bodyPr/>
+          <a:lstStyle/>
+          <a:p>
+            <a:fld id="{77112F16-560A-4D6D-A598-D5BD8295163B}" type="slidenum">
+              <a:rPr lang="ro-RO" smtClean="0"/>
+              <a:t>10</a:t>
+            </a:fld>
+            <a:endParaRPr lang="ro-RO" dirty="0"/>
+          </a:p>
+        </p:txBody>
+      </p:sp>
+    </p:spTree>
+    <p:extLst>
+      <p:ext uri="{BB962C8B-B14F-4D97-AF65-F5344CB8AC3E}">
+        <p14:creationId xmlns:p14="http://schemas.microsoft.com/office/powerpoint/2010/main" val="4135738469"/>
+      </p:ext>
+    </p:extLst>
+  </p:cSld>
+  <p:clrMapOvr>
+    <a:masterClrMapping/>
+  </p:clrMapOvr>
+  <p:timing>
+    <p:tnLst>
+      <p:par>
+        <p:cTn id="1" dur="indefinite" restart="never" nodeType="tmRoot"/>
+      </p:par>
+    </p:tnLst>
+  </p:timing>
+</p:sld>
+</file>
+
+<file path=ppt/slides/slide2.xml><?xml version="1.0" encoding="utf-8"?>
+<p:sld xmlns:a="http://schemas.openxmlformats.org/drawingml/2006/main" xmlns:r="http://schemas.openxmlformats.org/officeDocument/2006/relationships" xmlns:p="http://schemas.openxmlformats.org/presentationml/2006/main">
+  <p:cSld>
+    <p:spTree>
+      <p:nvGrpSpPr>
+        <p:cNvPr id="1" name=""/>
+        <p:cNvGrpSpPr/>
+        <p:nvPr/>
+      </p:nvGrpSpPr>
+      <p:grpSpPr>
+        <a:xfrm>
+          <a:off x="0" y="0"/>
+          <a:ext cx="0" cy="0"/>
+          <a:chOff x="0" y="0"/>
+          <a:chExt cx="0" cy="0"/>
+        </a:xfrm>
+      </p:grpSpPr>
+      <p:sp>
+        <p:nvSpPr>
+          <p:cNvPr id="3" name="Subtitle 2"/>
+          <p:cNvSpPr>
+            <a:spLocks noGrp="1"/>
+          </p:cNvSpPr>
+          <p:nvPr>
+            <p:ph type="subTitle" idx="1"/>
+          </p:nvPr>
+        </p:nvSpPr>
+        <p:spPr>
+          <a:xfrm>
+            <a:off x="2555776" y="2420888"/>
+            <a:ext cx="4005808" cy="3600400"/>
+          </a:xfrm>
+        </p:spPr>
+        <p:txBody>
+          <a:bodyPr>
+            <a:noAutofit/>
+          </a:bodyPr>
+          <a:lstStyle/>
+          <a:p>
+            <a:r>
+              <a:rPr lang="ro-RO" sz="2400" dirty="0" smtClean="0"/>
+              <a:t>Automotive</a:t>
+            </a:r>
+          </a:p>
+          <a:p>
+            <a:r>
+              <a:rPr lang="ro-RO" sz="2400" dirty="0" smtClean="0"/>
+              <a:t>High Speed CAN</a:t>
+            </a:r>
+          </a:p>
+          <a:p>
+            <a:r>
+              <a:rPr lang="ro-RO" sz="2400" dirty="0" smtClean="0"/>
+              <a:t>Mobile Control Concept</a:t>
+            </a:r>
+          </a:p>
+          <a:p>
+            <a:r>
+              <a:rPr lang="ro-RO" sz="2400" dirty="0" smtClean="0"/>
+              <a:t>Implementare</a:t>
+            </a:r>
+          </a:p>
+          <a:p>
+            <a:r>
+              <a:rPr lang="ro-RO" sz="2400" dirty="0" smtClean="0"/>
+              <a:t>Interfată dinamică</a:t>
+            </a:r>
+          </a:p>
+          <a:p>
+            <a:r>
+              <a:rPr lang="ro-RO" sz="2400" dirty="0" smtClean="0"/>
+              <a:t>Trimitere mesaj CAN</a:t>
+            </a:r>
+          </a:p>
+          <a:p>
+            <a:r>
+              <a:rPr lang="ro-RO" sz="2400" dirty="0" smtClean="0"/>
+              <a:t>Tehnologii</a:t>
+            </a:r>
+          </a:p>
+          <a:p>
+            <a:r>
+              <a:rPr lang="ro-RO" sz="2400" dirty="0" smtClean="0"/>
+              <a:t>Concluzii</a:t>
+            </a:r>
+          </a:p>
+        </p:txBody>
+      </p:sp>
+      <p:sp>
+        <p:nvSpPr>
+          <p:cNvPr id="2" name="Title 1"/>
+          <p:cNvSpPr>
+            <a:spLocks noGrp="1"/>
+          </p:cNvSpPr>
+          <p:nvPr>
+            <p:ph type="title"/>
+          </p:nvPr>
+        </p:nvSpPr>
+        <p:spPr>
+          <a:xfrm>
+            <a:off x="2555776" y="260648"/>
+            <a:ext cx="3962400" cy="2133600"/>
+          </a:xfrm>
+        </p:spPr>
+        <p:txBody>
+          <a:bodyPr>
+            <a:normAutofit/>
+          </a:bodyPr>
+          <a:lstStyle/>
+          <a:p>
+            <a:r>
+              <a:rPr lang="ro-RO" sz="4800" dirty="0" smtClean="0"/>
+              <a:t>Curpins</a:t>
+            </a:r>
+            <a:endParaRPr lang="ro-RO" sz="4800" dirty="0"/>
+          </a:p>
+        </p:txBody>
+      </p:sp>
+      <p:sp>
+        <p:nvSpPr>
+          <p:cNvPr id="4" name="Footer Placeholder 3"/>
+          <p:cNvSpPr>
+            <a:spLocks noGrp="1"/>
+          </p:cNvSpPr>
+          <p:nvPr>
+            <p:ph type="ftr" sz="quarter" idx="12"/>
+          </p:nvPr>
+        </p:nvSpPr>
+        <p:spPr/>
+        <p:txBody>
+          <a:bodyPr/>
+          <a:lstStyle/>
+          <a:p>
+            <a:fld id="{77112F16-560A-4D6D-A598-D5BD8295163B}" type="slidenum">
+              <a:rPr lang="ro-RO" smtClean="0"/>
+              <a:t>2</a:t>
+            </a:fld>
+            <a:endParaRPr lang="ro-RO" dirty="0"/>
+          </a:p>
+        </p:txBody>
+      </p:sp>
+    </p:spTree>
+    <p:extLst>
+      <p:ext uri="{BB962C8B-B14F-4D97-AF65-F5344CB8AC3E}">
+        <p14:creationId xmlns:p14="http://schemas.microsoft.com/office/powerpoint/2010/main" val="1130216263"/>
+      </p:ext>
+    </p:extLst>
+  </p:cSld>
+  <p:clrMapOvr>
+    <a:masterClrMapping/>
+  </p:clrMapOvr>
+  <p:timing>
+    <p:tnLst>
+      <p:par>
+        <p:cTn id="1" dur="indefinite" restart="never" nodeType="tmRoot"/>
+      </p:par>
+    </p:tnLst>
+  </p:timing>
+</p:sld>
+</file>
+
+<file path=ppt/slides/slide3.xml><?xml version="1.0" encoding="utf-8"?>
+<p:sld xmlns:a="http://schemas.openxmlformats.org/drawingml/2006/main" xmlns:r="http://schemas.openxmlformats.org/officeDocument/2006/relationships" xmlns:p="http://schemas.openxmlformats.org/presentationml/2006/main">
+  <p:cSld>
+    <p:spTree>
+      <p:nvGrpSpPr>
+        <p:cNvPr id="1" name=""/>
+        <p:cNvGrpSpPr/>
+        <p:nvPr/>
+      </p:nvGrpSpPr>
+      <p:grpSpPr>
+        <a:xfrm>
+          <a:off x="0" y="0"/>
+          <a:ext cx="0" cy="0"/>
+          <a:chOff x="0" y="0"/>
+          <a:chExt cx="0" cy="0"/>
+        </a:xfrm>
+      </p:grpSpPr>
+      <p:sp>
+        <p:nvSpPr>
+          <p:cNvPr id="3" name="Subtitle 2"/>
+          <p:cNvSpPr>
+            <a:spLocks noGrp="1"/>
+          </p:cNvSpPr>
+          <p:nvPr>
+            <p:ph type="subTitle" idx="1"/>
+          </p:nvPr>
+        </p:nvSpPr>
+        <p:spPr>
+          <a:xfrm>
+            <a:off x="323528" y="764704"/>
+            <a:ext cx="6264696" cy="1224136"/>
+          </a:xfrm>
+        </p:spPr>
+        <p:txBody>
+          <a:bodyPr>
+            <a:normAutofit/>
+          </a:bodyPr>
+          <a:lstStyle/>
+          <a:p>
+            <a:pPr algn="l"/>
+            <a:r>
+              <a:rPr lang="ro-RO" dirty="0" smtClean="0"/>
+              <a:t>	Din 1890 se încearcă dezvoltarea siguranței, confortului si tehnologiei oferite de un automobil. Și cu peste 50 de milioane de unități vândute, piața auto reprezintă una dintre cele mai mari </a:t>
+            </a:r>
+            <a:r>
+              <a:rPr lang="ro-RO" dirty="0" smtClean="0"/>
+              <a:t>ramuri </a:t>
+            </a:r>
+            <a:r>
+              <a:rPr lang="ro-RO" dirty="0" smtClean="0"/>
+              <a:t>ale industriei. Având aceste două informații în gând putem vedea de ce și industria automotive, industrie care include și ramură interconectată cu informatica, prosperă și se dezvoltă atât de mult.</a:t>
+            </a:r>
+          </a:p>
+        </p:txBody>
+      </p:sp>
+      <p:sp>
+        <p:nvSpPr>
+          <p:cNvPr id="2" name="Title 1"/>
+          <p:cNvSpPr>
+            <a:spLocks noGrp="1"/>
+          </p:cNvSpPr>
+          <p:nvPr>
+            <p:ph type="title"/>
+          </p:nvPr>
+        </p:nvSpPr>
+        <p:spPr>
+          <a:xfrm>
+            <a:off x="2483768" y="116632"/>
+            <a:ext cx="3962400" cy="504056"/>
+          </a:xfrm>
+        </p:spPr>
+        <p:txBody>
+          <a:bodyPr>
+            <a:normAutofit fontScale="90000"/>
+          </a:bodyPr>
+          <a:lstStyle/>
+          <a:p>
+            <a:r>
+              <a:rPr lang="ro-RO" dirty="0" smtClean="0"/>
+              <a:t>Automotive</a:t>
+            </a:r>
+            <a:endParaRPr lang="ro-RO" dirty="0"/>
+          </a:p>
+        </p:txBody>
+      </p:sp>
+      <p:sp>
+        <p:nvSpPr>
+          <p:cNvPr id="4" name="Footer Placeholder 3"/>
+          <p:cNvSpPr>
+            <a:spLocks noGrp="1"/>
+          </p:cNvSpPr>
+          <p:nvPr>
+            <p:ph type="ftr" sz="quarter" idx="12"/>
+          </p:nvPr>
+        </p:nvSpPr>
+        <p:spPr/>
+        <p:txBody>
+          <a:bodyPr/>
+          <a:lstStyle/>
+          <a:p>
+            <a:fld id="{77112F16-560A-4D6D-A598-D5BD8295163B}" type="slidenum">
+              <a:rPr lang="ro-RO" smtClean="0"/>
+              <a:t>3</a:t>
+            </a:fld>
+            <a:endParaRPr lang="ro-RO" dirty="0"/>
+          </a:p>
+        </p:txBody>
+      </p:sp>
+      <p:pic>
+        <p:nvPicPr>
+          <p:cNvPr id="5" name="Picture 4" descr="https://corporate.ford.com/content/dam/corporate/en/company/history/1896_Ford_Quadricycle.jpg"/>
+          <p:cNvPicPr/>
+          <p:nvPr/>
+        </p:nvPicPr>
+        <p:blipFill>
+          <a:blip r:embed="rId2">
+            <a:extLst>
+              <a:ext uri="{28A0092B-C50C-407E-A947-70E740481C1C}">
+                <a14:useLocalDpi xmlns:a14="http://schemas.microsoft.com/office/drawing/2010/main" val="0"/>
+              </a:ext>
+            </a:extLst>
+          </a:blip>
+          <a:srcRect/>
+          <a:stretch>
+            <a:fillRect/>
+          </a:stretch>
+        </p:blipFill>
+        <p:spPr bwMode="auto">
+          <a:xfrm>
+            <a:off x="539552" y="2204864"/>
+            <a:ext cx="2232248" cy="1800200"/>
+          </a:xfrm>
+          <a:prstGeom prst="rect">
+            <a:avLst/>
+          </a:prstGeom>
+          <a:noFill/>
+          <a:ln>
+            <a:noFill/>
+          </a:ln>
+        </p:spPr>
+      </p:pic>
+      <p:pic>
+        <p:nvPicPr>
+          <p:cNvPr id="1026" name="Picture 2" descr="Imagini pentru tesla roadster"/>
+          <p:cNvPicPr>
+            <a:picLocks noChangeAspect="1" noChangeArrowheads="1"/>
+          </p:cNvPicPr>
+          <p:nvPr/>
+        </p:nvPicPr>
+        <p:blipFill>
+          <a:blip r:embed="rId3" cstate="print">
+            <a:extLst>
+              <a:ext uri="{28A0092B-C50C-407E-A947-70E740481C1C}">
+                <a14:useLocalDpi xmlns:a14="http://schemas.microsoft.com/office/drawing/2010/main" val="0"/>
+              </a:ext>
+            </a:extLst>
+          </a:blip>
+          <a:srcRect/>
+          <a:stretch>
+            <a:fillRect/>
+          </a:stretch>
+        </p:blipFill>
+        <p:spPr bwMode="auto">
+          <a:xfrm>
+            <a:off x="3635895" y="2195071"/>
+            <a:ext cx="3052567" cy="1809993"/>
+          </a:xfrm>
+          <a:prstGeom prst="rect">
+            <a:avLst/>
+          </a:prstGeom>
+          <a:noFill/>
+          <a:extLst>
+            <a:ext uri="{909E8E84-426E-40DD-AFC4-6F175D3DCCD1}">
+              <a14:hiddenFill xmlns:a14="http://schemas.microsoft.com/office/drawing/2010/main">
+                <a:solidFill>
+                  <a:srgbClr val="FFFFFF"/>
+                </a:solidFill>
+              </a14:hiddenFill>
+            </a:ext>
+          </a:extLst>
+        </p:spPr>
+      </p:pic>
+      <p:sp>
+        <p:nvSpPr>
+          <p:cNvPr id="7" name="Subtitle 2"/>
+          <p:cNvSpPr txBox="1">
+            <a:spLocks/>
+          </p:cNvSpPr>
+          <p:nvPr/>
+        </p:nvSpPr>
+        <p:spPr>
+          <a:xfrm>
+            <a:off x="415926" y="4068362"/>
+            <a:ext cx="6264696" cy="2024934"/>
+          </a:xfrm>
+          <a:prstGeom prst="rect">
+            <a:avLst/>
+          </a:prstGeom>
+        </p:spPr>
+        <p:txBody>
+          <a:bodyPr vert="horz" lIns="91440" tIns="45720" rIns="91440" bIns="45720" rtlCol="0" anchor="t">
+            <a:normAutofit/>
+          </a:bodyPr>
+          <a:lstStyle>
+            <a:lvl1pPr marL="0" indent="0" algn="r" defTabSz="914400" rtl="0" eaLnBrk="1" latinLnBrk="0" hangingPunct="1">
+              <a:spcBef>
+                <a:spcPct val="20000"/>
+              </a:spcBef>
+              <a:buClr>
+                <a:schemeClr val="tx1">
+                  <a:lumMod val="50000"/>
+                  <a:lumOff val="50000"/>
+                </a:schemeClr>
+              </a:buClr>
+              <a:buFont typeface="Wingdings" pitchFamily="2" charset="2"/>
+              <a:buNone/>
+              <a:defRPr sz="1400" kern="1200">
+                <a:solidFill>
+                  <a:schemeClr val="tx2"/>
+                </a:solidFill>
+                <a:latin typeface="+mn-lt"/>
+                <a:ea typeface="+mn-ea"/>
+                <a:cs typeface="+mn-cs"/>
+              </a:defRPr>
+            </a:lvl1pPr>
+            <a:lvl2pPr marL="457200" indent="0" algn="ctr" defTabSz="914400" rtl="0" eaLnBrk="1" latinLnBrk="0" hangingPunct="1">
+              <a:spcBef>
+                <a:spcPct val="20000"/>
+              </a:spcBef>
+              <a:buClr>
+                <a:schemeClr val="tx1">
+                  <a:lumMod val="50000"/>
+                  <a:lumOff val="50000"/>
+                </a:schemeClr>
+              </a:buClr>
+              <a:buFont typeface="Wingdings" pitchFamily="2" charset="2"/>
+              <a:buNone/>
+              <a:defRPr sz="1400" kern="1200">
+                <a:solidFill>
+                  <a:schemeClr val="tx1">
+                    <a:tint val="75000"/>
+                  </a:schemeClr>
+                </a:solidFill>
+                <a:latin typeface="+mn-lt"/>
+                <a:ea typeface="+mn-ea"/>
+                <a:cs typeface="+mn-cs"/>
+              </a:defRPr>
+            </a:lvl2pPr>
+            <a:lvl3pPr marL="914400" indent="0" algn="ctr" defTabSz="914400" rtl="0" eaLnBrk="1" latinLnBrk="0" hangingPunct="1">
+              <a:spcBef>
+                <a:spcPct val="20000"/>
+              </a:spcBef>
+              <a:buClr>
+                <a:schemeClr val="tx1">
+                  <a:lumMod val="50000"/>
+                  <a:lumOff val="50000"/>
+                </a:schemeClr>
+              </a:buClr>
+              <a:buFont typeface="Wingdings" pitchFamily="2" charset="2"/>
+              <a:buNone/>
+              <a:defRPr sz="1400" kern="1200">
+                <a:solidFill>
+                  <a:schemeClr val="tx1">
+                    <a:tint val="75000"/>
+                  </a:schemeClr>
+                </a:solidFill>
+                <a:latin typeface="+mn-lt"/>
+                <a:ea typeface="+mn-ea"/>
+                <a:cs typeface="+mn-cs"/>
+              </a:defRPr>
+            </a:lvl3pPr>
+            <a:lvl4pPr marL="1371600" indent="0" algn="ctr" defTabSz="914400" rtl="0" eaLnBrk="1" latinLnBrk="0" hangingPunct="1">
+              <a:spcBef>
+                <a:spcPct val="20000"/>
+              </a:spcBef>
+              <a:buClr>
+                <a:schemeClr val="tx1">
+                  <a:lumMod val="50000"/>
+                  <a:lumOff val="50000"/>
+                </a:schemeClr>
+              </a:buClr>
+              <a:buFont typeface="Wingdings" pitchFamily="2" charset="2"/>
+              <a:buNone/>
+              <a:defRPr sz="1400" kern="1200">
+                <a:solidFill>
+                  <a:schemeClr val="tx1">
+                    <a:tint val="75000"/>
+                  </a:schemeClr>
+                </a:solidFill>
+                <a:latin typeface="+mn-lt"/>
+                <a:ea typeface="+mn-ea"/>
+                <a:cs typeface="+mn-cs"/>
+              </a:defRPr>
+            </a:lvl4pPr>
+            <a:lvl5pPr marL="1828800" indent="0" algn="ctr" defTabSz="914400" rtl="0" eaLnBrk="1" latinLnBrk="0" hangingPunct="1">
+              <a:spcBef>
+                <a:spcPct val="20000"/>
+              </a:spcBef>
+              <a:buClr>
+                <a:schemeClr val="tx1">
+                  <a:lumMod val="50000"/>
+                  <a:lumOff val="50000"/>
+                </a:schemeClr>
+              </a:buClr>
+              <a:buFont typeface="Wingdings" pitchFamily="2" charset="2"/>
+              <a:buNone/>
+              <a:defRPr sz="1400" kern="1200">
+                <a:solidFill>
+                  <a:schemeClr val="tx1">
+                    <a:tint val="75000"/>
+                  </a:schemeClr>
+                </a:solidFill>
+                <a:latin typeface="+mn-lt"/>
+                <a:ea typeface="+mn-ea"/>
+                <a:cs typeface="+mn-cs"/>
+              </a:defRPr>
+            </a:lvl5pPr>
+            <a:lvl6pPr marL="2286000" indent="0" algn="ctr" defTabSz="914400" rtl="0" eaLnBrk="1" latinLnBrk="0" hangingPunct="1">
+              <a:spcBef>
+                <a:spcPts val="288"/>
+              </a:spcBef>
+              <a:buClr>
+                <a:schemeClr val="tx1">
+                  <a:lumMod val="50000"/>
+                  <a:lumOff val="50000"/>
+                </a:schemeClr>
+              </a:buClr>
+              <a:buFont typeface="Wingdings" pitchFamily="2" charset="2"/>
+              <a:buNone/>
+              <a:defRPr sz="1400" kern="1200" baseline="0">
+                <a:solidFill>
+                  <a:schemeClr val="tx1">
+                    <a:tint val="75000"/>
+                  </a:schemeClr>
+                </a:solidFill>
+                <a:latin typeface="+mn-lt"/>
+                <a:ea typeface="+mn-ea"/>
+                <a:cs typeface="+mn-cs"/>
+              </a:defRPr>
+            </a:lvl6pPr>
+            <a:lvl7pPr marL="2743200" indent="0" algn="ctr" defTabSz="914400" rtl="0" eaLnBrk="1" latinLnBrk="0" hangingPunct="1">
+              <a:spcBef>
+                <a:spcPts val="288"/>
+              </a:spcBef>
+              <a:buClr>
+                <a:schemeClr val="tx1">
+                  <a:lumMod val="50000"/>
+                  <a:lumOff val="50000"/>
+                </a:schemeClr>
+              </a:buClr>
+              <a:buFont typeface="Wingdings" pitchFamily="2" charset="2"/>
+              <a:buNone/>
+              <a:defRPr sz="1400" kern="1200" baseline="0">
+                <a:solidFill>
+                  <a:schemeClr val="tx1">
+                    <a:tint val="75000"/>
+                  </a:schemeClr>
+                </a:solidFill>
+                <a:latin typeface="+mn-lt"/>
+                <a:ea typeface="+mn-ea"/>
+                <a:cs typeface="+mn-cs"/>
+              </a:defRPr>
+            </a:lvl7pPr>
+            <a:lvl8pPr marL="3200400" indent="0" algn="ctr" defTabSz="914400" rtl="0" eaLnBrk="1" latinLnBrk="0" hangingPunct="1">
+              <a:spcBef>
+                <a:spcPts val="288"/>
+              </a:spcBef>
+              <a:buClr>
+                <a:schemeClr val="tx1">
+                  <a:lumMod val="50000"/>
+                  <a:lumOff val="50000"/>
+                </a:schemeClr>
+              </a:buClr>
+              <a:buFont typeface="Wingdings" pitchFamily="2" charset="2"/>
+              <a:buNone/>
+              <a:defRPr sz="1400" kern="1200" baseline="0">
+                <a:solidFill>
+                  <a:schemeClr val="tx1">
+                    <a:tint val="75000"/>
+                  </a:schemeClr>
+                </a:solidFill>
+                <a:latin typeface="+mn-lt"/>
+                <a:ea typeface="+mn-ea"/>
+                <a:cs typeface="+mn-cs"/>
+              </a:defRPr>
+            </a:lvl8pPr>
+            <a:lvl9pPr marL="3657600" indent="0" algn="ctr" defTabSz="914400" rtl="0" eaLnBrk="1" latinLnBrk="0" hangingPunct="1">
+              <a:spcBef>
+                <a:spcPts val="288"/>
+              </a:spcBef>
+              <a:buClr>
+                <a:schemeClr val="tx1">
+                  <a:lumMod val="50000"/>
+                  <a:lumOff val="50000"/>
+                </a:schemeClr>
+              </a:buClr>
+              <a:buFont typeface="Wingdings" pitchFamily="2" charset="2"/>
+              <a:buNone/>
+              <a:defRPr sz="1400" kern="1200" baseline="0">
+                <a:solidFill>
+                  <a:schemeClr val="tx1">
+                    <a:tint val="75000"/>
+                  </a:schemeClr>
+                </a:solidFill>
+                <a:latin typeface="+mn-lt"/>
+                <a:ea typeface="+mn-ea"/>
+                <a:cs typeface="+mn-cs"/>
+              </a:defRPr>
+            </a:lvl9pPr>
+          </a:lstStyle>
+          <a:p>
+            <a:pPr algn="l"/>
+            <a:r>
+              <a:rPr lang="en-US" dirty="0"/>
+              <a:t>“</a:t>
+            </a:r>
+            <a:r>
+              <a:rPr lang="en-US" dirty="0" err="1"/>
+              <a:t>quadricycle</a:t>
+            </a:r>
+            <a:r>
+              <a:rPr lang="en-US" dirty="0"/>
+              <a:t>” </a:t>
+            </a:r>
+            <a:r>
+              <a:rPr lang="ro-RO" dirty="0" smtClean="0"/>
+              <a:t> - </a:t>
+            </a:r>
+            <a:r>
+              <a:rPr lang="en-US" dirty="0"/>
+              <a:t>Henry </a:t>
+            </a:r>
+            <a:r>
+              <a:rPr lang="en-US" dirty="0" smtClean="0"/>
+              <a:t>Ford</a:t>
+            </a:r>
+            <a:r>
+              <a:rPr lang="ro-RO" dirty="0"/>
+              <a:t>		</a:t>
+            </a:r>
+            <a:r>
+              <a:rPr lang="ro-RO" dirty="0" smtClean="0"/>
+              <a:t>Tesla Roadster</a:t>
+            </a:r>
+          </a:p>
+          <a:p>
+            <a:pPr algn="l"/>
+            <a:r>
+              <a:rPr lang="en-US" dirty="0" smtClean="0"/>
+              <a:t> </a:t>
+            </a:r>
+            <a:r>
+              <a:rPr lang="ro-RO" dirty="0" smtClean="0"/>
+              <a:t>	</a:t>
+            </a:r>
+          </a:p>
+          <a:p>
+            <a:pPr algn="l"/>
+            <a:endParaRPr lang="ro-RO" dirty="0"/>
+          </a:p>
+          <a:p>
+            <a:pPr algn="l"/>
+            <a:r>
+              <a:rPr lang="ro-RO" dirty="0" smtClean="0"/>
+              <a:t>	</a:t>
+            </a:r>
+            <a:r>
+              <a:rPr lang="en-US" dirty="0" err="1" smtClean="0"/>
+              <a:t>Pe</a:t>
+            </a:r>
+            <a:r>
+              <a:rPr lang="en-US" dirty="0" smtClean="0"/>
+              <a:t> </a:t>
+            </a:r>
+            <a:r>
+              <a:rPr lang="en-US" dirty="0" err="1"/>
+              <a:t>parcursul</a:t>
+            </a:r>
+            <a:r>
+              <a:rPr lang="en-US" dirty="0"/>
+              <a:t> </a:t>
+            </a:r>
+            <a:r>
+              <a:rPr lang="en-US" dirty="0" err="1"/>
+              <a:t>evoluției</a:t>
+            </a:r>
+            <a:r>
+              <a:rPr lang="en-US" dirty="0"/>
+              <a:t> </a:t>
+            </a:r>
+            <a:r>
+              <a:rPr lang="en-US" dirty="0" err="1"/>
+              <a:t>mașinilor</a:t>
+            </a:r>
+            <a:r>
+              <a:rPr lang="en-US" dirty="0"/>
+              <a:t>, au </a:t>
+            </a:r>
+            <a:r>
+              <a:rPr lang="en-US" dirty="0" err="1"/>
+              <a:t>aparut</a:t>
+            </a:r>
+            <a:r>
+              <a:rPr lang="en-US" dirty="0"/>
+              <a:t> ECU-</a:t>
+            </a:r>
+            <a:r>
+              <a:rPr lang="en-US" dirty="0" err="1"/>
+              <a:t>uri</a:t>
+            </a:r>
+            <a:r>
+              <a:rPr lang="en-US" dirty="0"/>
+              <a:t> </a:t>
+            </a:r>
+            <a:r>
+              <a:rPr lang="en-US" dirty="0" err="1"/>
+              <a:t>specifice</a:t>
+            </a:r>
+            <a:r>
+              <a:rPr lang="en-US" dirty="0"/>
+              <a:t> automotive</a:t>
+            </a:r>
+            <a:r>
+              <a:rPr lang="en-US" dirty="0" smtClean="0"/>
+              <a:t>,</a:t>
+            </a:r>
+            <a:r>
+              <a:rPr lang="en-US" dirty="0"/>
+              <a:t> Electronic Control Unit, </a:t>
+            </a:r>
+            <a:r>
+              <a:rPr lang="en-US" dirty="0" err="1"/>
+              <a:t>este</a:t>
+            </a:r>
+            <a:r>
+              <a:rPr lang="en-US" dirty="0"/>
+              <a:t> un </a:t>
+            </a:r>
+            <a:r>
+              <a:rPr lang="en-US" dirty="0" err="1"/>
+              <a:t>termen</a:t>
+            </a:r>
+            <a:r>
+              <a:rPr lang="en-US" dirty="0"/>
+              <a:t> </a:t>
+            </a:r>
+            <a:r>
+              <a:rPr lang="en-US" dirty="0" err="1"/>
+              <a:t>aproape</a:t>
+            </a:r>
+            <a:r>
+              <a:rPr lang="en-US" dirty="0"/>
+              <a:t> generic care se </a:t>
+            </a:r>
+            <a:r>
+              <a:rPr lang="en-US" dirty="0" err="1"/>
+              <a:t>referă</a:t>
+            </a:r>
+            <a:r>
+              <a:rPr lang="en-US" dirty="0"/>
+              <a:t> la </a:t>
+            </a:r>
+            <a:r>
+              <a:rPr lang="en-US" dirty="0" err="1"/>
+              <a:t>partea</a:t>
+            </a:r>
+            <a:r>
+              <a:rPr lang="en-US" dirty="0"/>
+              <a:t> de embedded system care </a:t>
+            </a:r>
+            <a:r>
+              <a:rPr lang="en-US" dirty="0" err="1"/>
+              <a:t>controlează</a:t>
+            </a:r>
+            <a:r>
+              <a:rPr lang="en-US" dirty="0"/>
+              <a:t> </a:t>
+            </a:r>
+            <a:r>
+              <a:rPr lang="en-US" dirty="0" err="1"/>
+              <a:t>unul</a:t>
+            </a:r>
+            <a:r>
+              <a:rPr lang="en-US" dirty="0"/>
+              <a:t> </a:t>
+            </a:r>
+            <a:r>
+              <a:rPr lang="en-US" dirty="0" err="1"/>
+              <a:t>sau</a:t>
+            </a:r>
+            <a:r>
+              <a:rPr lang="en-US" dirty="0"/>
+              <a:t> </a:t>
+            </a:r>
+            <a:r>
+              <a:rPr lang="en-US" dirty="0" err="1"/>
+              <a:t>mai</a:t>
+            </a:r>
+            <a:r>
+              <a:rPr lang="en-US" dirty="0"/>
+              <a:t> </a:t>
+            </a:r>
+            <a:r>
+              <a:rPr lang="en-US" dirty="0" err="1"/>
+              <a:t>multe</a:t>
+            </a:r>
+            <a:r>
+              <a:rPr lang="en-US" dirty="0"/>
+              <a:t> </a:t>
+            </a:r>
+            <a:r>
+              <a:rPr lang="en-US" dirty="0" err="1"/>
+              <a:t>sisteme</a:t>
+            </a:r>
+            <a:r>
+              <a:rPr lang="en-US" dirty="0"/>
+              <a:t> </a:t>
+            </a:r>
+            <a:r>
+              <a:rPr lang="en-US" dirty="0" err="1"/>
+              <a:t>sau</a:t>
+            </a:r>
+            <a:r>
+              <a:rPr lang="en-US" dirty="0"/>
+              <a:t> </a:t>
+            </a:r>
+            <a:r>
+              <a:rPr lang="en-US" dirty="0" err="1"/>
+              <a:t>subsiteme</a:t>
+            </a:r>
+            <a:r>
+              <a:rPr lang="en-US" dirty="0"/>
+              <a:t> ale </a:t>
+            </a:r>
+            <a:r>
+              <a:rPr lang="en-US" dirty="0" err="1"/>
+              <a:t>vihiculului</a:t>
+            </a:r>
+            <a:r>
+              <a:rPr lang="en-US" dirty="0"/>
+              <a:t>.</a:t>
+            </a:r>
+            <a:endParaRPr lang="ro-RO" dirty="0" smtClean="0"/>
+          </a:p>
+        </p:txBody>
+      </p:sp>
+    </p:spTree>
+    <p:extLst>
+      <p:ext uri="{BB962C8B-B14F-4D97-AF65-F5344CB8AC3E}">
+        <p14:creationId xmlns:p14="http://schemas.microsoft.com/office/powerpoint/2010/main" val="3302850366"/>
+      </p:ext>
+    </p:extLst>
+  </p:cSld>
+  <p:clrMapOvr>
+    <a:masterClrMapping/>
+  </p:clrMapOvr>
+  <p:timing>
+    <p:tnLst>
+      <p:par>
+        <p:cTn id="1" dur="indefinite" restart="never" nodeType="tmRoot"/>
+      </p:par>
+    </p:tnLst>
+  </p:timing>
+</p:sld>
+</file>
+
+<file path=ppt/slides/slide4.xml><?xml version="1.0" encoding="utf-8"?>
+<p:sld xmlns:a="http://schemas.openxmlformats.org/drawingml/2006/main" xmlns:r="http://schemas.openxmlformats.org/officeDocument/2006/relationships" xmlns:p="http://schemas.openxmlformats.org/presentationml/2006/main">
+  <p:cSld>
+    <p:spTree>
+      <p:nvGrpSpPr>
+        <p:cNvPr id="1" name=""/>
+        <p:cNvGrpSpPr/>
+        <p:nvPr/>
+      </p:nvGrpSpPr>
+      <p:grpSpPr>
+        <a:xfrm>
+          <a:off x="0" y="0"/>
+          <a:ext cx="0" cy="0"/>
+          <a:chOff x="0" y="0"/>
+          <a:chExt cx="0" cy="0"/>
+        </a:xfrm>
+      </p:grpSpPr>
+      <p:sp>
+        <p:nvSpPr>
+          <p:cNvPr id="3" name="Subtitle 2"/>
+          <p:cNvSpPr>
+            <a:spLocks noGrp="1"/>
+          </p:cNvSpPr>
+          <p:nvPr>
+            <p:ph type="subTitle" idx="1"/>
+          </p:nvPr>
+        </p:nvSpPr>
+        <p:spPr>
+          <a:xfrm>
+            <a:off x="90972" y="1052736"/>
+            <a:ext cx="6408712" cy="2088232"/>
+          </a:xfrm>
+        </p:spPr>
+        <p:txBody>
+          <a:bodyPr>
+            <a:normAutofit/>
+          </a:bodyPr>
+          <a:lstStyle/>
+          <a:p>
+            <a:pPr algn="l"/>
+            <a:r>
+              <a:rPr lang="ro-RO" sz="1800" dirty="0" smtClean="0"/>
+              <a:t>	</a:t>
+            </a:r>
+            <a:r>
+              <a:rPr lang="en-US" sz="1800" dirty="0" smtClean="0"/>
+              <a:t>Un </a:t>
+            </a:r>
+            <a:r>
+              <a:rPr lang="en-US" sz="1800" dirty="0" err="1"/>
+              <a:t>automobil</a:t>
+            </a:r>
+            <a:r>
+              <a:rPr lang="en-US" sz="1800" dirty="0"/>
+              <a:t> modern are </a:t>
+            </a:r>
+            <a:r>
+              <a:rPr lang="en-US" sz="1800" dirty="0" err="1"/>
+              <a:t>în</a:t>
+            </a:r>
+            <a:r>
+              <a:rPr lang="en-US" sz="1800" dirty="0"/>
+              <a:t> </a:t>
+            </a:r>
+            <a:r>
+              <a:rPr lang="en-US" sz="1800" dirty="0" err="1"/>
+              <a:t>medie</a:t>
+            </a:r>
+            <a:r>
+              <a:rPr lang="en-US" sz="1800" dirty="0"/>
+              <a:t> 70 de </a:t>
+            </a:r>
+            <a:r>
+              <a:rPr lang="en-US" sz="1800" dirty="0" err="1"/>
+              <a:t>componente</a:t>
+            </a:r>
+            <a:r>
+              <a:rPr lang="en-US" sz="1800" dirty="0"/>
+              <a:t> </a:t>
+            </a:r>
+            <a:r>
+              <a:rPr lang="en-US" sz="1800" dirty="0" err="1"/>
+              <a:t>electronice</a:t>
+            </a:r>
+            <a:r>
+              <a:rPr lang="en-US" sz="1800" dirty="0"/>
+              <a:t> (ECU), </a:t>
+            </a:r>
+            <a:r>
+              <a:rPr lang="en-US" sz="1800" dirty="0" err="1"/>
+              <a:t>pentru</a:t>
+            </a:r>
+            <a:r>
+              <a:rPr lang="en-US" sz="1800" dirty="0"/>
+              <a:t> </a:t>
+            </a:r>
+            <a:r>
+              <a:rPr lang="en-US" sz="1800" dirty="0" err="1"/>
+              <a:t>sistemele</a:t>
+            </a:r>
+            <a:r>
+              <a:rPr lang="en-US" sz="1800" dirty="0"/>
+              <a:t> sale </a:t>
+            </a:r>
+            <a:r>
+              <a:rPr lang="en-US" sz="1800" dirty="0" err="1"/>
+              <a:t>și</a:t>
+            </a:r>
+            <a:r>
+              <a:rPr lang="en-US" sz="1800" dirty="0"/>
+              <a:t> </a:t>
+            </a:r>
+            <a:r>
+              <a:rPr lang="en-US" sz="1800" dirty="0" err="1"/>
+              <a:t>subsisteme</a:t>
+            </a:r>
+            <a:r>
+              <a:rPr lang="en-US" sz="1800" dirty="0" smtClean="0"/>
+              <a:t>.</a:t>
+            </a:r>
+            <a:r>
+              <a:rPr lang="ro-RO" sz="1800" dirty="0" smtClean="0"/>
+              <a:t> Componente care deobicei  sunt nevoite să comunice între ele. Aici intervine un protocol dezvoltat de Bosch, CAN, Control Area Network.</a:t>
+            </a:r>
+          </a:p>
+          <a:p>
+            <a:pPr algn="l"/>
+            <a:r>
+              <a:rPr lang="ro-RO" sz="1800" dirty="0"/>
+              <a:t>	</a:t>
+            </a:r>
+            <a:r>
+              <a:rPr lang="ro-RO" sz="1800" dirty="0" smtClean="0"/>
+              <a:t>Pe scurt, </a:t>
+            </a:r>
+            <a:r>
+              <a:rPr lang="ro-RO" sz="1800" dirty="0"/>
+              <a:t>a</a:t>
+            </a:r>
+            <a:r>
+              <a:rPr lang="en-US" sz="1800" dirty="0" err="1" smtClean="0"/>
+              <a:t>rhitectura</a:t>
+            </a:r>
+            <a:r>
+              <a:rPr lang="en-US" sz="1800" dirty="0" smtClean="0"/>
+              <a:t> </a:t>
+            </a:r>
+            <a:r>
+              <a:rPr lang="en-US" sz="1800" dirty="0"/>
+              <a:t>CAN </a:t>
+            </a:r>
+            <a:r>
+              <a:rPr lang="en-US" sz="1800" dirty="0" err="1"/>
+              <a:t>este</a:t>
+            </a:r>
+            <a:r>
+              <a:rPr lang="en-US" sz="1800" dirty="0"/>
+              <a:t> un multi-master serial bus standard </a:t>
+            </a:r>
+            <a:r>
+              <a:rPr lang="en-US" sz="1800" dirty="0" err="1"/>
+              <a:t>pentru</a:t>
+            </a:r>
+            <a:r>
+              <a:rPr lang="en-US" sz="1800" dirty="0"/>
+              <a:t> </a:t>
+            </a:r>
+            <a:r>
+              <a:rPr lang="en-US" sz="1800" dirty="0" err="1"/>
+              <a:t>conexiunea</a:t>
+            </a:r>
+            <a:r>
+              <a:rPr lang="en-US" sz="1800" dirty="0"/>
+              <a:t> </a:t>
+            </a:r>
+            <a:r>
+              <a:rPr lang="en-US" sz="1800" dirty="0" err="1"/>
+              <a:t>componetelor</a:t>
+            </a:r>
+            <a:r>
+              <a:rPr lang="en-US" sz="1800" dirty="0"/>
+              <a:t> </a:t>
+            </a:r>
+            <a:r>
+              <a:rPr lang="en-US" sz="1800" dirty="0" err="1" smtClean="0"/>
+              <a:t>electronice</a:t>
+            </a:r>
+            <a:r>
+              <a:rPr lang="ro-RO" sz="1800" dirty="0" smtClean="0"/>
+              <a:t>.</a:t>
+            </a:r>
+          </a:p>
+          <a:p>
+            <a:pPr algn="l"/>
+            <a:endParaRPr lang="ro-RO" sz="1800" dirty="0" smtClean="0"/>
+          </a:p>
+        </p:txBody>
+      </p:sp>
+      <p:sp>
+        <p:nvSpPr>
+          <p:cNvPr id="2" name="Title 1"/>
+          <p:cNvSpPr>
+            <a:spLocks noGrp="1"/>
+          </p:cNvSpPr>
+          <p:nvPr>
+            <p:ph type="title"/>
+          </p:nvPr>
+        </p:nvSpPr>
+        <p:spPr>
+          <a:xfrm>
+            <a:off x="2339752" y="-3648"/>
+            <a:ext cx="3962400" cy="1200400"/>
+          </a:xfrm>
+        </p:spPr>
+        <p:txBody>
+          <a:bodyPr/>
+          <a:lstStyle/>
+          <a:p>
+            <a:r>
+              <a:rPr lang="ro-RO" dirty="0"/>
+              <a:t>High Speed </a:t>
+            </a:r>
+            <a:r>
+              <a:rPr lang="ro-RO" dirty="0" smtClean="0"/>
+              <a:t>CAN</a:t>
+            </a:r>
+            <a:endParaRPr lang="ro-RO" dirty="0"/>
+          </a:p>
+        </p:txBody>
+      </p:sp>
+      <p:sp>
+        <p:nvSpPr>
+          <p:cNvPr id="4" name="Footer Placeholder 3"/>
+          <p:cNvSpPr>
+            <a:spLocks noGrp="1"/>
+          </p:cNvSpPr>
+          <p:nvPr>
+            <p:ph type="ftr" sz="quarter" idx="12"/>
+          </p:nvPr>
+        </p:nvSpPr>
+        <p:spPr/>
+        <p:txBody>
+          <a:bodyPr/>
+          <a:lstStyle/>
+          <a:p>
+            <a:fld id="{77112F16-560A-4D6D-A598-D5BD8295163B}" type="slidenum">
+              <a:rPr lang="ro-RO" smtClean="0"/>
+              <a:t>4</a:t>
+            </a:fld>
+            <a:endParaRPr lang="ro-RO" dirty="0"/>
+          </a:p>
+        </p:txBody>
+      </p:sp>
+      <p:pic>
+        <p:nvPicPr>
+          <p:cNvPr id="2049" name="Picture 3" descr="Description: https://upload.wikimedia.org/wikipedia/commons/thumb/1/1a/ISO11898-2.svg/744px-ISO11898-2.svg.png"/>
+          <p:cNvPicPr>
+            <a:picLocks noChangeAspect="1" noChangeArrowheads="1"/>
+          </p:cNvPicPr>
+          <p:nvPr/>
+        </p:nvPicPr>
+        <p:blipFill>
+          <a:blip r:embed="rId2">
+            <a:extLst>
+              <a:ext uri="{28A0092B-C50C-407E-A947-70E740481C1C}">
+                <a14:useLocalDpi xmlns:a14="http://schemas.microsoft.com/office/drawing/2010/main" val="0"/>
+              </a:ext>
+            </a:extLst>
+          </a:blip>
+          <a:srcRect/>
+          <a:stretch>
+            <a:fillRect/>
+          </a:stretch>
+        </p:blipFill>
+        <p:spPr bwMode="auto">
+          <a:xfrm>
+            <a:off x="259378" y="3825044"/>
+            <a:ext cx="5943600" cy="2257425"/>
+          </a:xfrm>
+          <a:prstGeom prst="rect">
+            <a:avLst/>
+          </a:prstGeom>
+          <a:noFill/>
+          <a:extLst>
+            <a:ext uri="{909E8E84-426E-40DD-AFC4-6F175D3DCCD1}">
+              <a14:hiddenFill xmlns:a14="http://schemas.microsoft.com/office/drawing/2010/main">
+                <a:solidFill>
+                  <a:srgbClr val="FFFFFF"/>
+                </a:solidFill>
+              </a14:hiddenFill>
+            </a:ext>
+          </a:extLst>
+        </p:spPr>
+      </p:pic>
+      <p:sp>
+        <p:nvSpPr>
+          <p:cNvPr id="7" name="Rectangle 3"/>
+          <p:cNvSpPr>
+            <a:spLocks noChangeArrowheads="1"/>
+          </p:cNvSpPr>
+          <p:nvPr/>
+        </p:nvSpPr>
+        <p:spPr bwMode="auto">
+          <a:xfrm>
+            <a:off x="0" y="2714625"/>
+            <a:ext cx="9144000" cy="0"/>
+          </a:xfrm>
+          <a:prstGeom prst="rect">
+            <a:avLst/>
+          </a:prstGeom>
+          <a:noFill/>
+          <a:ln>
+            <a:noFill/>
+          </a:ln>
+          <a:effectLst/>
+          <a:extLst>
+            <a:ext uri="{909E8E84-426E-40DD-AFC4-6F175D3DCCD1}">
+              <a14:hiddenFill xmlns:a14="http://schemas.microsoft.com/office/drawing/2010/main">
+                <a:solidFill>
+                  <a:schemeClr val="accent1"/>
+                </a:solidFill>
+              </a14:hiddenFill>
+            </a:ext>
+            <a:ext uri="{91240B29-F687-4F45-9708-019B960494DF}">
+              <a14:hiddenLine xmlns:a14="http://schemas.microsoft.com/office/drawing/2010/main" w="9525">
+                <a:solidFill>
+                  <a:schemeClr val="tx1"/>
+                </a:solidFill>
+                <a:miter lim="800000"/>
+                <a:headEnd/>
+                <a:tailEnd/>
+              </a14:hiddenLine>
+            </a:ext>
+            <a:ext uri="{AF507438-7753-43E0-B8FC-AC1667EBCBE1}">
+              <a14:hiddenEffects xmlns:a14="http://schemas.microsoft.com/office/drawing/2010/main">
+                <a:effectLst>
+                  <a:outerShdw dist="35921" dir="2700000" algn="ctr" rotWithShape="0">
+                    <a:schemeClr val="bg2"/>
+                  </a:outerShdw>
+                </a:effectLst>
+              </a14:hiddenEffects>
+            </a:ext>
+          </a:extLst>
+        </p:spPr>
+        <p:txBody>
+          <a:bodyPr vert="horz" wrap="none" lIns="91440" tIns="45720" rIns="91440" bIns="45720" numCol="1" anchor="ctr" anchorCtr="0" compatLnSpc="1">
+            <a:prstTxWarp prst="textNoShape">
+              <a:avLst/>
+            </a:prstTxWarp>
+            <a:spAutoFit/>
+          </a:bodyPr>
+          <a:lstStyle/>
+          <a:p>
+            <a:pPr marL="0" marR="0" lvl="0" indent="0" algn="l" defTabSz="914400" rtl="0" eaLnBrk="1" fontAlgn="base" latinLnBrk="0" hangingPunct="1">
+              <a:lnSpc>
+                <a:spcPct val="100000"/>
+              </a:lnSpc>
+              <a:spcBef>
+                <a:spcPct val="0"/>
+              </a:spcBef>
+              <a:spcAft>
+                <a:spcPct val="0"/>
+              </a:spcAft>
+              <a:buClrTx/>
+              <a:buSzTx/>
+              <a:buFontTx/>
+              <a:buNone/>
+              <a:tabLst/>
+            </a:pPr>
+            <a:endParaRPr kumimoji="0" lang="ro-RO" sz="1800" b="0" i="0" u="none" strike="noStrike" cap="none" normalizeH="0" baseline="0" smtClean="0">
+              <a:ln>
+                <a:noFill/>
+              </a:ln>
+              <a:solidFill>
+                <a:schemeClr val="tx1"/>
+              </a:solidFill>
+              <a:effectLst/>
+              <a:latin typeface="Arial" pitchFamily="34" charset="0"/>
+              <a:cs typeface="Arial" pitchFamily="34" charset="0"/>
+            </a:endParaRPr>
+          </a:p>
+        </p:txBody>
+      </p:sp>
+      <p:sp>
+        <p:nvSpPr>
+          <p:cNvPr id="9" name="Subtitle 2"/>
+          <p:cNvSpPr txBox="1">
+            <a:spLocks/>
+          </p:cNvSpPr>
+          <p:nvPr/>
+        </p:nvSpPr>
+        <p:spPr>
+          <a:xfrm>
+            <a:off x="120153" y="3356992"/>
+            <a:ext cx="6408712" cy="468052"/>
+          </a:xfrm>
+          <a:prstGeom prst="rect">
+            <a:avLst/>
+          </a:prstGeom>
+        </p:spPr>
+        <p:txBody>
+          <a:bodyPr vert="horz" lIns="91440" tIns="45720" rIns="91440" bIns="45720" rtlCol="0" anchor="t">
+            <a:normAutofit/>
+          </a:bodyPr>
+          <a:lstStyle>
+            <a:lvl1pPr marL="0" indent="0" algn="r" defTabSz="914400" rtl="0" eaLnBrk="1" latinLnBrk="0" hangingPunct="1">
+              <a:spcBef>
+                <a:spcPct val="20000"/>
+              </a:spcBef>
+              <a:buClr>
+                <a:schemeClr val="tx1">
+                  <a:lumMod val="50000"/>
+                  <a:lumOff val="50000"/>
+                </a:schemeClr>
+              </a:buClr>
+              <a:buFont typeface="Wingdings" pitchFamily="2" charset="2"/>
+              <a:buNone/>
+              <a:defRPr sz="1400" kern="1200">
+                <a:solidFill>
+                  <a:schemeClr val="tx2"/>
+                </a:solidFill>
+                <a:latin typeface="+mn-lt"/>
+                <a:ea typeface="+mn-ea"/>
+                <a:cs typeface="+mn-cs"/>
+              </a:defRPr>
+            </a:lvl1pPr>
+            <a:lvl2pPr marL="457200" indent="0" algn="ctr" defTabSz="914400" rtl="0" eaLnBrk="1" latinLnBrk="0" hangingPunct="1">
+              <a:spcBef>
+                <a:spcPct val="20000"/>
+              </a:spcBef>
+              <a:buClr>
+                <a:schemeClr val="tx1">
+                  <a:lumMod val="50000"/>
+                  <a:lumOff val="50000"/>
+                </a:schemeClr>
+              </a:buClr>
+              <a:buFont typeface="Wingdings" pitchFamily="2" charset="2"/>
+              <a:buNone/>
+              <a:defRPr sz="1400" kern="1200">
+                <a:solidFill>
+                  <a:schemeClr val="tx1">
+                    <a:tint val="75000"/>
+                  </a:schemeClr>
+                </a:solidFill>
+                <a:latin typeface="+mn-lt"/>
+                <a:ea typeface="+mn-ea"/>
+                <a:cs typeface="+mn-cs"/>
+              </a:defRPr>
+            </a:lvl2pPr>
+            <a:lvl3pPr marL="914400" indent="0" algn="ctr" defTabSz="914400" rtl="0" eaLnBrk="1" latinLnBrk="0" hangingPunct="1">
+              <a:spcBef>
+                <a:spcPct val="20000"/>
+              </a:spcBef>
+              <a:buClr>
+                <a:schemeClr val="tx1">
+                  <a:lumMod val="50000"/>
+                  <a:lumOff val="50000"/>
+                </a:schemeClr>
+              </a:buClr>
+              <a:buFont typeface="Wingdings" pitchFamily="2" charset="2"/>
+              <a:buNone/>
+              <a:defRPr sz="1400" kern="1200">
+                <a:solidFill>
+                  <a:schemeClr val="tx1">
+                    <a:tint val="75000"/>
+                  </a:schemeClr>
+                </a:solidFill>
+                <a:latin typeface="+mn-lt"/>
+                <a:ea typeface="+mn-ea"/>
+                <a:cs typeface="+mn-cs"/>
+              </a:defRPr>
+            </a:lvl3pPr>
+            <a:lvl4pPr marL="1371600" indent="0" algn="ctr" defTabSz="914400" rtl="0" eaLnBrk="1" latinLnBrk="0" hangingPunct="1">
+              <a:spcBef>
+                <a:spcPct val="20000"/>
+              </a:spcBef>
+              <a:buClr>
+                <a:schemeClr val="tx1">
+                  <a:lumMod val="50000"/>
+                  <a:lumOff val="50000"/>
+                </a:schemeClr>
+              </a:buClr>
+              <a:buFont typeface="Wingdings" pitchFamily="2" charset="2"/>
+              <a:buNone/>
+              <a:defRPr sz="1400" kern="1200">
+                <a:solidFill>
+                  <a:schemeClr val="tx1">
+                    <a:tint val="75000"/>
+                  </a:schemeClr>
+                </a:solidFill>
+                <a:latin typeface="+mn-lt"/>
+                <a:ea typeface="+mn-ea"/>
+                <a:cs typeface="+mn-cs"/>
+              </a:defRPr>
+            </a:lvl4pPr>
+            <a:lvl5pPr marL="1828800" indent="0" algn="ctr" defTabSz="914400" rtl="0" eaLnBrk="1" latinLnBrk="0" hangingPunct="1">
+              <a:spcBef>
+                <a:spcPct val="20000"/>
+              </a:spcBef>
+              <a:buClr>
+                <a:schemeClr val="tx1">
+                  <a:lumMod val="50000"/>
+                  <a:lumOff val="50000"/>
+                </a:schemeClr>
+              </a:buClr>
+              <a:buFont typeface="Wingdings" pitchFamily="2" charset="2"/>
+              <a:buNone/>
+              <a:defRPr sz="1400" kern="1200">
+                <a:solidFill>
+                  <a:schemeClr val="tx1">
+                    <a:tint val="75000"/>
+                  </a:schemeClr>
+                </a:solidFill>
+                <a:latin typeface="+mn-lt"/>
+                <a:ea typeface="+mn-ea"/>
+                <a:cs typeface="+mn-cs"/>
+              </a:defRPr>
+            </a:lvl5pPr>
+            <a:lvl6pPr marL="2286000" indent="0" algn="ctr" defTabSz="914400" rtl="0" eaLnBrk="1" latinLnBrk="0" hangingPunct="1">
+              <a:spcBef>
+                <a:spcPts val="288"/>
+              </a:spcBef>
+              <a:buClr>
+                <a:schemeClr val="tx1">
+                  <a:lumMod val="50000"/>
+                  <a:lumOff val="50000"/>
+                </a:schemeClr>
+              </a:buClr>
+              <a:buFont typeface="Wingdings" pitchFamily="2" charset="2"/>
+              <a:buNone/>
+              <a:defRPr sz="1400" kern="1200" baseline="0">
+                <a:solidFill>
+                  <a:schemeClr val="tx1">
+                    <a:tint val="75000"/>
+                  </a:schemeClr>
+                </a:solidFill>
+                <a:latin typeface="+mn-lt"/>
+                <a:ea typeface="+mn-ea"/>
+                <a:cs typeface="+mn-cs"/>
+              </a:defRPr>
+            </a:lvl6pPr>
+            <a:lvl7pPr marL="2743200" indent="0" algn="ctr" defTabSz="914400" rtl="0" eaLnBrk="1" latinLnBrk="0" hangingPunct="1">
+              <a:spcBef>
+                <a:spcPts val="288"/>
+              </a:spcBef>
+              <a:buClr>
+                <a:schemeClr val="tx1">
+                  <a:lumMod val="50000"/>
+                  <a:lumOff val="50000"/>
+                </a:schemeClr>
+              </a:buClr>
+              <a:buFont typeface="Wingdings" pitchFamily="2" charset="2"/>
+              <a:buNone/>
+              <a:defRPr sz="1400" kern="1200" baseline="0">
+                <a:solidFill>
+                  <a:schemeClr val="tx1">
+                    <a:tint val="75000"/>
+                  </a:schemeClr>
+                </a:solidFill>
+                <a:latin typeface="+mn-lt"/>
+                <a:ea typeface="+mn-ea"/>
+                <a:cs typeface="+mn-cs"/>
+              </a:defRPr>
+            </a:lvl7pPr>
+            <a:lvl8pPr marL="3200400" indent="0" algn="ctr" defTabSz="914400" rtl="0" eaLnBrk="1" latinLnBrk="0" hangingPunct="1">
+              <a:spcBef>
+                <a:spcPts val="288"/>
+              </a:spcBef>
+              <a:buClr>
+                <a:schemeClr val="tx1">
+                  <a:lumMod val="50000"/>
+                  <a:lumOff val="50000"/>
+                </a:schemeClr>
+              </a:buClr>
+              <a:buFont typeface="Wingdings" pitchFamily="2" charset="2"/>
+              <a:buNone/>
+              <a:defRPr sz="1400" kern="1200" baseline="0">
+                <a:solidFill>
+                  <a:schemeClr val="tx1">
+                    <a:tint val="75000"/>
+                  </a:schemeClr>
+                </a:solidFill>
+                <a:latin typeface="+mn-lt"/>
+                <a:ea typeface="+mn-ea"/>
+                <a:cs typeface="+mn-cs"/>
+              </a:defRPr>
+            </a:lvl8pPr>
+            <a:lvl9pPr marL="3657600" indent="0" algn="ctr" defTabSz="914400" rtl="0" eaLnBrk="1" latinLnBrk="0" hangingPunct="1">
+              <a:spcBef>
+                <a:spcPts val="288"/>
+              </a:spcBef>
+              <a:buClr>
+                <a:schemeClr val="tx1">
+                  <a:lumMod val="50000"/>
+                  <a:lumOff val="50000"/>
+                </a:schemeClr>
+              </a:buClr>
+              <a:buFont typeface="Wingdings" pitchFamily="2" charset="2"/>
+              <a:buNone/>
+              <a:defRPr sz="1400" kern="1200" baseline="0">
+                <a:solidFill>
+                  <a:schemeClr val="tx1">
+                    <a:tint val="75000"/>
+                  </a:schemeClr>
+                </a:solidFill>
+                <a:latin typeface="+mn-lt"/>
+                <a:ea typeface="+mn-ea"/>
+                <a:cs typeface="+mn-cs"/>
+              </a:defRPr>
+            </a:lvl9pPr>
+          </a:lstStyle>
+          <a:p>
+            <a:pPr algn="ctr"/>
+            <a:r>
+              <a:rPr lang="en-US" sz="1800" dirty="0"/>
+              <a:t>1 </a:t>
+            </a:r>
+            <a:r>
+              <a:rPr lang="en-US" sz="1800" dirty="0" err="1"/>
+              <a:t>și</a:t>
+            </a:r>
+            <a:r>
+              <a:rPr lang="en-US" sz="1800" dirty="0"/>
+              <a:t> 0 logic </a:t>
+            </a:r>
+            <a:r>
+              <a:rPr lang="en-US" sz="1800" dirty="0" err="1"/>
+              <a:t>în</a:t>
+            </a:r>
+            <a:r>
+              <a:rPr lang="en-US" sz="1800" dirty="0"/>
+              <a:t> </a:t>
+            </a:r>
+            <a:r>
+              <a:rPr lang="en-US" sz="1800" dirty="0" err="1"/>
+              <a:t>protocolul</a:t>
+            </a:r>
+            <a:r>
+              <a:rPr lang="en-US" sz="1800" dirty="0"/>
+              <a:t> CAN</a:t>
+            </a:r>
+            <a:endParaRPr lang="ro-RO" sz="1800" dirty="0" smtClean="0"/>
+          </a:p>
+        </p:txBody>
+      </p:sp>
+    </p:spTree>
+    <p:extLst>
+      <p:ext uri="{BB962C8B-B14F-4D97-AF65-F5344CB8AC3E}">
+        <p14:creationId xmlns:p14="http://schemas.microsoft.com/office/powerpoint/2010/main" val="3504547690"/>
+      </p:ext>
+    </p:extLst>
+  </p:cSld>
+  <p:clrMapOvr>
+    <a:masterClrMapping/>
+  </p:clrMapOvr>
+  <p:timing>
+    <p:tnLst>
+      <p:par>
+        <p:cTn id="1" dur="indefinite" restart="never" nodeType="tmRoot"/>
+      </p:par>
+    </p:tnLst>
+  </p:timing>
+</p:sld>
+</file>
+
+<file path=ppt/slides/slide5.xml><?xml version="1.0" encoding="utf-8"?>
+<p:sld xmlns:a="http://schemas.openxmlformats.org/drawingml/2006/main" xmlns:r="http://schemas.openxmlformats.org/officeDocument/2006/relationships" xmlns:p="http://schemas.openxmlformats.org/presentationml/2006/main">
+  <p:cSld>
+    <p:spTree>
+      <p:nvGrpSpPr>
+        <p:cNvPr id="1" name=""/>
+        <p:cNvGrpSpPr/>
+        <p:nvPr/>
+      </p:nvGrpSpPr>
+      <p:grpSpPr>
+        <a:xfrm>
+          <a:off x="0" y="0"/>
+          <a:ext cx="0" cy="0"/>
+          <a:chOff x="0" y="0"/>
+          <a:chExt cx="0" cy="0"/>
+        </a:xfrm>
+      </p:grpSpPr>
+      <p:sp>
+        <p:nvSpPr>
+          <p:cNvPr id="3" name="Subtitle 2"/>
+          <p:cNvSpPr>
+            <a:spLocks noGrp="1"/>
+          </p:cNvSpPr>
+          <p:nvPr>
+            <p:ph type="subTitle" idx="1"/>
+          </p:nvPr>
+        </p:nvSpPr>
+        <p:spPr>
+          <a:xfrm>
+            <a:off x="323528" y="1124744"/>
+            <a:ext cx="5904656" cy="1008112"/>
+          </a:xfrm>
+        </p:spPr>
+        <p:txBody>
+          <a:bodyPr>
+            <a:normAutofit/>
+          </a:bodyPr>
+          <a:lstStyle/>
+          <a:p>
+            <a:r>
+              <a:rPr lang="ro-RO" dirty="0" smtClean="0"/>
+              <a:t>Diagnoză wi-fi</a:t>
+            </a:r>
+          </a:p>
+          <a:p>
+            <a:r>
+              <a:rPr lang="ro-RO" dirty="0" smtClean="0"/>
+              <a:t>Control de la distanță</a:t>
+            </a:r>
+          </a:p>
+          <a:p>
+            <a:endParaRPr lang="ro-RO" dirty="0" smtClean="0"/>
+          </a:p>
+        </p:txBody>
+      </p:sp>
+      <p:sp>
+        <p:nvSpPr>
+          <p:cNvPr id="2" name="Title 1"/>
+          <p:cNvSpPr>
+            <a:spLocks noGrp="1"/>
+          </p:cNvSpPr>
+          <p:nvPr>
+            <p:ph type="title"/>
+          </p:nvPr>
+        </p:nvSpPr>
+        <p:spPr>
+          <a:xfrm>
+            <a:off x="2339752" y="260648"/>
+            <a:ext cx="3962400" cy="792088"/>
+          </a:xfrm>
+        </p:spPr>
+        <p:txBody>
+          <a:bodyPr/>
+          <a:lstStyle/>
+          <a:p>
+            <a:r>
+              <a:rPr lang="ro-RO" dirty="0"/>
+              <a:t>Mobile Control Concept</a:t>
+            </a:r>
+          </a:p>
+        </p:txBody>
+      </p:sp>
+      <p:sp>
+        <p:nvSpPr>
+          <p:cNvPr id="4" name="Footer Placeholder 3"/>
+          <p:cNvSpPr>
+            <a:spLocks noGrp="1"/>
+          </p:cNvSpPr>
+          <p:nvPr>
+            <p:ph type="ftr" sz="quarter" idx="12"/>
+          </p:nvPr>
+        </p:nvSpPr>
+        <p:spPr/>
+        <p:txBody>
+          <a:bodyPr/>
+          <a:lstStyle/>
+          <a:p>
+            <a:fld id="{77112F16-560A-4D6D-A598-D5BD8295163B}" type="slidenum">
+              <a:rPr lang="ro-RO" smtClean="0"/>
+              <a:t>5</a:t>
+            </a:fld>
+            <a:endParaRPr lang="ro-RO" dirty="0"/>
+          </a:p>
+        </p:txBody>
+      </p:sp>
+      <p:pic>
+        <p:nvPicPr>
+          <p:cNvPr id="3074" name="Picture 2" descr="Imagini pentru android"/>
+          <p:cNvPicPr>
+            <a:picLocks noChangeAspect="1" noChangeArrowheads="1"/>
+          </p:cNvPicPr>
+          <p:nvPr/>
+        </p:nvPicPr>
+        <p:blipFill>
+          <a:blip r:embed="rId2" cstate="print">
+            <a:extLst>
+              <a:ext uri="{28A0092B-C50C-407E-A947-70E740481C1C}">
+                <a14:useLocalDpi xmlns:a14="http://schemas.microsoft.com/office/drawing/2010/main" val="0"/>
+              </a:ext>
+            </a:extLst>
+          </a:blip>
+          <a:srcRect/>
+          <a:stretch>
+            <a:fillRect/>
+          </a:stretch>
+        </p:blipFill>
+        <p:spPr bwMode="auto">
+          <a:xfrm>
+            <a:off x="0" y="2020926"/>
+            <a:ext cx="2806307" cy="1872208"/>
+          </a:xfrm>
+          <a:prstGeom prst="rect">
+            <a:avLst/>
+          </a:prstGeom>
+          <a:noFill/>
+          <a:extLst>
+            <a:ext uri="{909E8E84-426E-40DD-AFC4-6F175D3DCCD1}">
+              <a14:hiddenFill xmlns:a14="http://schemas.microsoft.com/office/drawing/2010/main">
+                <a:solidFill>
+                  <a:srgbClr val="FFFFFF"/>
+                </a:solidFill>
+              </a14:hiddenFill>
+            </a:ext>
+          </a:extLst>
+        </p:spPr>
+      </p:pic>
+      <p:sp>
+        <p:nvSpPr>
+          <p:cNvPr id="6" name="AutoShape 4" descr="Imagini pentru car animated"/>
+          <p:cNvSpPr>
+            <a:spLocks noChangeAspect="1" noChangeArrowheads="1"/>
+          </p:cNvSpPr>
+          <p:nvPr/>
+        </p:nvSpPr>
+        <p:spPr bwMode="auto">
+          <a:xfrm>
+            <a:off x="155575" y="-144463"/>
+            <a:ext cx="304800" cy="304801"/>
+          </a:xfrm>
+          <a:prstGeom prst="rect">
+            <a:avLst/>
+          </a:prstGeom>
+          <a:noFill/>
+          <a:extLst>
+            <a:ext uri="{909E8E84-426E-40DD-AFC4-6F175D3DCCD1}">
+              <a14:hiddenFill xmlns:a14="http://schemas.microsoft.com/office/drawing/2010/main">
+                <a:solidFill>
+                  <a:srgbClr val="FFFFFF"/>
+                </a:solidFill>
+              </a14:hiddenFill>
+            </a:ext>
+          </a:extLst>
+        </p:spPr>
+        <p:txBody>
+          <a:bodyPr vert="horz" wrap="square" lIns="91440" tIns="45720" rIns="91440" bIns="45720" numCol="1" anchor="t" anchorCtr="0" compatLnSpc="1">
+            <a:prstTxWarp prst="textNoShape">
+              <a:avLst/>
+            </a:prstTxWarp>
+          </a:bodyPr>
+          <a:lstStyle/>
+          <a:p>
+            <a:endParaRPr lang="ro-RO"/>
+          </a:p>
+        </p:txBody>
+      </p:sp>
+      <p:sp>
+        <p:nvSpPr>
+          <p:cNvPr id="7" name="AutoShape 6" descr="Imagini pentru car animated"/>
+          <p:cNvSpPr>
+            <a:spLocks noChangeAspect="1" noChangeArrowheads="1"/>
+          </p:cNvSpPr>
+          <p:nvPr/>
+        </p:nvSpPr>
+        <p:spPr bwMode="auto">
+          <a:xfrm>
+            <a:off x="307975" y="7937"/>
+            <a:ext cx="304800" cy="304801"/>
+          </a:xfrm>
+          <a:prstGeom prst="rect">
+            <a:avLst/>
+          </a:prstGeom>
+          <a:noFill/>
+          <a:extLst>
+            <a:ext uri="{909E8E84-426E-40DD-AFC4-6F175D3DCCD1}">
+              <a14:hiddenFill xmlns:a14="http://schemas.microsoft.com/office/drawing/2010/main">
+                <a:solidFill>
+                  <a:srgbClr val="FFFFFF"/>
+                </a:solidFill>
+              </a14:hiddenFill>
+            </a:ext>
+          </a:extLst>
+        </p:spPr>
+        <p:txBody>
+          <a:bodyPr vert="horz" wrap="square" lIns="91440" tIns="45720" rIns="91440" bIns="45720" numCol="1" anchor="t" anchorCtr="0" compatLnSpc="1">
+            <a:prstTxWarp prst="textNoShape">
+              <a:avLst/>
+            </a:prstTxWarp>
+          </a:bodyPr>
+          <a:lstStyle/>
+          <a:p>
+            <a:endParaRPr lang="ro-RO"/>
+          </a:p>
+        </p:txBody>
+      </p:sp>
+      <p:sp>
+        <p:nvSpPr>
+          <p:cNvPr id="8" name="AutoShape 8" descr="Imagini pentru car animated"/>
+          <p:cNvSpPr>
+            <a:spLocks noChangeAspect="1" noChangeArrowheads="1"/>
+          </p:cNvSpPr>
+          <p:nvPr/>
+        </p:nvSpPr>
+        <p:spPr bwMode="auto">
+          <a:xfrm>
+            <a:off x="460375" y="160337"/>
+            <a:ext cx="304800" cy="304801"/>
+          </a:xfrm>
+          <a:prstGeom prst="rect">
+            <a:avLst/>
+          </a:prstGeom>
+          <a:noFill/>
+          <a:extLst>
+            <a:ext uri="{909E8E84-426E-40DD-AFC4-6F175D3DCCD1}">
+              <a14:hiddenFill xmlns:a14="http://schemas.microsoft.com/office/drawing/2010/main">
+                <a:solidFill>
+                  <a:srgbClr val="FFFFFF"/>
+                </a:solidFill>
+              </a14:hiddenFill>
+            </a:ext>
+          </a:extLst>
+        </p:spPr>
+        <p:txBody>
+          <a:bodyPr vert="horz" wrap="square" lIns="91440" tIns="45720" rIns="91440" bIns="45720" numCol="1" anchor="t" anchorCtr="0" compatLnSpc="1">
+            <a:prstTxWarp prst="textNoShape">
+              <a:avLst/>
+            </a:prstTxWarp>
+          </a:bodyPr>
+          <a:lstStyle/>
+          <a:p>
+            <a:endParaRPr lang="ro-RO"/>
+          </a:p>
+        </p:txBody>
+      </p:sp>
+      <p:sp>
+        <p:nvSpPr>
+          <p:cNvPr id="9" name="AutoShape 10" descr="Imagini pentru car animated"/>
+          <p:cNvSpPr>
+            <a:spLocks noChangeAspect="1" noChangeArrowheads="1"/>
+          </p:cNvSpPr>
+          <p:nvPr/>
+        </p:nvSpPr>
+        <p:spPr bwMode="auto">
+          <a:xfrm>
+            <a:off x="612775" y="312737"/>
+            <a:ext cx="304800" cy="304801"/>
+          </a:xfrm>
+          <a:prstGeom prst="rect">
+            <a:avLst/>
+          </a:prstGeom>
+          <a:noFill/>
+          <a:extLst>
+            <a:ext uri="{909E8E84-426E-40DD-AFC4-6F175D3DCCD1}">
+              <a14:hiddenFill xmlns:a14="http://schemas.microsoft.com/office/drawing/2010/main">
+                <a:solidFill>
+                  <a:srgbClr val="FFFFFF"/>
+                </a:solidFill>
+              </a14:hiddenFill>
+            </a:ext>
+          </a:extLst>
+        </p:spPr>
+        <p:txBody>
+          <a:bodyPr vert="horz" wrap="square" lIns="91440" tIns="45720" rIns="91440" bIns="45720" numCol="1" anchor="t" anchorCtr="0" compatLnSpc="1">
+            <a:prstTxWarp prst="textNoShape">
+              <a:avLst/>
+            </a:prstTxWarp>
+          </a:bodyPr>
+          <a:lstStyle/>
+          <a:p>
+            <a:endParaRPr lang="ro-RO"/>
+          </a:p>
+        </p:txBody>
+      </p:sp>
+      <p:pic>
+        <p:nvPicPr>
+          <p:cNvPr id="3084" name="Picture 12" descr="Imagini pentru car cartoon"/>
+          <p:cNvPicPr>
+            <a:picLocks noChangeAspect="1" noChangeArrowheads="1"/>
+          </p:cNvPicPr>
+          <p:nvPr/>
+        </p:nvPicPr>
+        <p:blipFill>
+          <a:blip r:embed="rId3" cstate="print">
+            <a:extLst>
+              <a:ext uri="{28A0092B-C50C-407E-A947-70E740481C1C}">
+                <a14:useLocalDpi xmlns:a14="http://schemas.microsoft.com/office/drawing/2010/main" val="0"/>
+              </a:ext>
+            </a:extLst>
+          </a:blip>
+          <a:srcRect/>
+          <a:stretch>
+            <a:fillRect/>
+          </a:stretch>
+        </p:blipFill>
+        <p:spPr bwMode="auto">
+          <a:xfrm>
+            <a:off x="3222803" y="1970621"/>
+            <a:ext cx="3407024" cy="1916451"/>
+          </a:xfrm>
+          <a:prstGeom prst="rect">
+            <a:avLst/>
+          </a:prstGeom>
+          <a:noFill/>
+          <a:extLst>
+            <a:ext uri="{909E8E84-426E-40DD-AFC4-6F175D3DCCD1}">
+              <a14:hiddenFill xmlns:a14="http://schemas.microsoft.com/office/drawing/2010/main">
+                <a:solidFill>
+                  <a:srgbClr val="FFFFFF"/>
+                </a:solidFill>
+              </a14:hiddenFill>
+            </a:ext>
+          </a:extLst>
+        </p:spPr>
+      </p:pic>
+      <p:pic>
+        <p:nvPicPr>
+          <p:cNvPr id="3086" name="Picture 14" descr="Imagini pentru doble arrow"/>
+          <p:cNvPicPr>
+            <a:picLocks noChangeAspect="1" noChangeArrowheads="1"/>
+          </p:cNvPicPr>
+          <p:nvPr/>
+        </p:nvPicPr>
+        <p:blipFill>
+          <a:blip r:embed="rId4" cstate="print">
+            <a:extLst>
+              <a:ext uri="{28A0092B-C50C-407E-A947-70E740481C1C}">
+                <a14:useLocalDpi xmlns:a14="http://schemas.microsoft.com/office/drawing/2010/main" val="0"/>
+              </a:ext>
+            </a:extLst>
+          </a:blip>
+          <a:srcRect/>
+          <a:stretch>
+            <a:fillRect/>
+          </a:stretch>
+        </p:blipFill>
+        <p:spPr bwMode="auto">
+          <a:xfrm rot="5400000">
+            <a:off x="2537012" y="2543468"/>
+            <a:ext cx="600825" cy="770756"/>
+          </a:xfrm>
+          <a:prstGeom prst="rect">
+            <a:avLst/>
+          </a:prstGeom>
+          <a:noFill/>
+          <a:extLst>
+            <a:ext uri="{909E8E84-426E-40DD-AFC4-6F175D3DCCD1}">
+              <a14:hiddenFill xmlns:a14="http://schemas.microsoft.com/office/drawing/2010/main">
+                <a:solidFill>
+                  <a:srgbClr val="FFFFFF"/>
+                </a:solidFill>
+              </a14:hiddenFill>
+            </a:ext>
+          </a:extLst>
+        </p:spPr>
+      </p:pic>
+      <p:pic>
+        <p:nvPicPr>
+          <p:cNvPr id="3088" name="Picture 16" descr="Imagini pentru obd"/>
+          <p:cNvPicPr>
+            <a:picLocks noChangeAspect="1" noChangeArrowheads="1"/>
+          </p:cNvPicPr>
+          <p:nvPr/>
+        </p:nvPicPr>
+        <p:blipFill>
+          <a:blip r:embed="rId5">
+            <a:extLst>
+              <a:ext uri="{28A0092B-C50C-407E-A947-70E740481C1C}">
+                <a14:useLocalDpi xmlns:a14="http://schemas.microsoft.com/office/drawing/2010/main" val="0"/>
+              </a:ext>
+            </a:extLst>
+          </a:blip>
+          <a:srcRect/>
+          <a:stretch>
+            <a:fillRect/>
+          </a:stretch>
+        </p:blipFill>
+        <p:spPr bwMode="auto">
+          <a:xfrm>
+            <a:off x="1187624" y="4509120"/>
+            <a:ext cx="4562475" cy="2152650"/>
+          </a:xfrm>
+          <a:prstGeom prst="rect">
+            <a:avLst/>
+          </a:prstGeom>
+          <a:noFill/>
+          <a:extLst>
+            <a:ext uri="{909E8E84-426E-40DD-AFC4-6F175D3DCCD1}">
+              <a14:hiddenFill xmlns:a14="http://schemas.microsoft.com/office/drawing/2010/main">
+                <a:solidFill>
+                  <a:srgbClr val="FFFFFF"/>
+                </a:solidFill>
+              </a14:hiddenFill>
+            </a:ext>
+          </a:extLst>
+        </p:spPr>
+      </p:pic>
+      <p:sp>
+        <p:nvSpPr>
+          <p:cNvPr id="14" name="Subtitle 2"/>
+          <p:cNvSpPr txBox="1">
+            <a:spLocks/>
+          </p:cNvSpPr>
+          <p:nvPr/>
+        </p:nvSpPr>
+        <p:spPr>
+          <a:xfrm>
+            <a:off x="516533" y="4329100"/>
+            <a:ext cx="5904656" cy="360040"/>
+          </a:xfrm>
+          <a:prstGeom prst="rect">
+            <a:avLst/>
+          </a:prstGeom>
+        </p:spPr>
+        <p:txBody>
+          <a:bodyPr vert="horz" lIns="91440" tIns="45720" rIns="91440" bIns="45720" rtlCol="0" anchor="t">
+            <a:normAutofit/>
+          </a:bodyPr>
+          <a:lstStyle>
+            <a:lvl1pPr marL="0" indent="0" algn="r" defTabSz="914400" rtl="0" eaLnBrk="1" latinLnBrk="0" hangingPunct="1">
+              <a:spcBef>
+                <a:spcPct val="20000"/>
+              </a:spcBef>
+              <a:buClr>
+                <a:schemeClr val="tx1">
+                  <a:lumMod val="50000"/>
+                  <a:lumOff val="50000"/>
+                </a:schemeClr>
+              </a:buClr>
+              <a:buFont typeface="Wingdings" pitchFamily="2" charset="2"/>
+              <a:buNone/>
+              <a:defRPr sz="1400" kern="1200">
+                <a:solidFill>
+                  <a:schemeClr val="tx2"/>
+                </a:solidFill>
+                <a:latin typeface="+mn-lt"/>
+                <a:ea typeface="+mn-ea"/>
+                <a:cs typeface="+mn-cs"/>
+              </a:defRPr>
+            </a:lvl1pPr>
+            <a:lvl2pPr marL="457200" indent="0" algn="ctr" defTabSz="914400" rtl="0" eaLnBrk="1" latinLnBrk="0" hangingPunct="1">
+              <a:spcBef>
+                <a:spcPct val="20000"/>
+              </a:spcBef>
+              <a:buClr>
+                <a:schemeClr val="tx1">
+                  <a:lumMod val="50000"/>
+                  <a:lumOff val="50000"/>
+                </a:schemeClr>
+              </a:buClr>
+              <a:buFont typeface="Wingdings" pitchFamily="2" charset="2"/>
+              <a:buNone/>
+              <a:defRPr sz="1400" kern="1200">
+                <a:solidFill>
+                  <a:schemeClr val="tx1">
+                    <a:tint val="75000"/>
+                  </a:schemeClr>
+                </a:solidFill>
+                <a:latin typeface="+mn-lt"/>
+                <a:ea typeface="+mn-ea"/>
+                <a:cs typeface="+mn-cs"/>
+              </a:defRPr>
+            </a:lvl2pPr>
+            <a:lvl3pPr marL="914400" indent="0" algn="ctr" defTabSz="914400" rtl="0" eaLnBrk="1" latinLnBrk="0" hangingPunct="1">
+              <a:spcBef>
+                <a:spcPct val="20000"/>
+              </a:spcBef>
+              <a:buClr>
+                <a:schemeClr val="tx1">
+                  <a:lumMod val="50000"/>
+                  <a:lumOff val="50000"/>
+                </a:schemeClr>
+              </a:buClr>
+              <a:buFont typeface="Wingdings" pitchFamily="2" charset="2"/>
+              <a:buNone/>
+              <a:defRPr sz="1400" kern="1200">
+                <a:solidFill>
+                  <a:schemeClr val="tx1">
+                    <a:tint val="75000"/>
+                  </a:schemeClr>
+                </a:solidFill>
+                <a:latin typeface="+mn-lt"/>
+                <a:ea typeface="+mn-ea"/>
+                <a:cs typeface="+mn-cs"/>
+              </a:defRPr>
+            </a:lvl3pPr>
+            <a:lvl4pPr marL="1371600" indent="0" algn="ctr" defTabSz="914400" rtl="0" eaLnBrk="1" latinLnBrk="0" hangingPunct="1">
+              <a:spcBef>
+                <a:spcPct val="20000"/>
+              </a:spcBef>
+              <a:buClr>
+                <a:schemeClr val="tx1">
+                  <a:lumMod val="50000"/>
+                  <a:lumOff val="50000"/>
+                </a:schemeClr>
+              </a:buClr>
+              <a:buFont typeface="Wingdings" pitchFamily="2" charset="2"/>
+              <a:buNone/>
+              <a:defRPr sz="1400" kern="1200">
+                <a:solidFill>
+                  <a:schemeClr val="tx1">
+                    <a:tint val="75000"/>
+                  </a:schemeClr>
+                </a:solidFill>
+                <a:latin typeface="+mn-lt"/>
+                <a:ea typeface="+mn-ea"/>
+                <a:cs typeface="+mn-cs"/>
+              </a:defRPr>
+            </a:lvl4pPr>
+            <a:lvl5pPr marL="1828800" indent="0" algn="ctr" defTabSz="914400" rtl="0" eaLnBrk="1" latinLnBrk="0" hangingPunct="1">
+              <a:spcBef>
+                <a:spcPct val="20000"/>
+              </a:spcBef>
+              <a:buClr>
+                <a:schemeClr val="tx1">
+                  <a:lumMod val="50000"/>
+                  <a:lumOff val="50000"/>
+                </a:schemeClr>
+              </a:buClr>
+              <a:buFont typeface="Wingdings" pitchFamily="2" charset="2"/>
+              <a:buNone/>
+              <a:defRPr sz="1400" kern="1200">
+                <a:solidFill>
+                  <a:schemeClr val="tx1">
+                    <a:tint val="75000"/>
+                  </a:schemeClr>
+                </a:solidFill>
+                <a:latin typeface="+mn-lt"/>
+                <a:ea typeface="+mn-ea"/>
+                <a:cs typeface="+mn-cs"/>
+              </a:defRPr>
+            </a:lvl5pPr>
+            <a:lvl6pPr marL="2286000" indent="0" algn="ctr" defTabSz="914400" rtl="0" eaLnBrk="1" latinLnBrk="0" hangingPunct="1">
+              <a:spcBef>
+                <a:spcPts val="288"/>
+              </a:spcBef>
+              <a:buClr>
+                <a:schemeClr val="tx1">
+                  <a:lumMod val="50000"/>
+                  <a:lumOff val="50000"/>
+                </a:schemeClr>
+              </a:buClr>
+              <a:buFont typeface="Wingdings" pitchFamily="2" charset="2"/>
+              <a:buNone/>
+              <a:defRPr sz="1400" kern="1200" baseline="0">
+                <a:solidFill>
+                  <a:schemeClr val="tx1">
+                    <a:tint val="75000"/>
+                  </a:schemeClr>
+                </a:solidFill>
+                <a:latin typeface="+mn-lt"/>
+                <a:ea typeface="+mn-ea"/>
+                <a:cs typeface="+mn-cs"/>
+              </a:defRPr>
+            </a:lvl6pPr>
+            <a:lvl7pPr marL="2743200" indent="0" algn="ctr" defTabSz="914400" rtl="0" eaLnBrk="1" latinLnBrk="0" hangingPunct="1">
+              <a:spcBef>
+                <a:spcPts val="288"/>
+              </a:spcBef>
+              <a:buClr>
+                <a:schemeClr val="tx1">
+                  <a:lumMod val="50000"/>
+                  <a:lumOff val="50000"/>
+                </a:schemeClr>
+              </a:buClr>
+              <a:buFont typeface="Wingdings" pitchFamily="2" charset="2"/>
+              <a:buNone/>
+              <a:defRPr sz="1400" kern="1200" baseline="0">
+                <a:solidFill>
+                  <a:schemeClr val="tx1">
+                    <a:tint val="75000"/>
+                  </a:schemeClr>
+                </a:solidFill>
+                <a:latin typeface="+mn-lt"/>
+                <a:ea typeface="+mn-ea"/>
+                <a:cs typeface="+mn-cs"/>
+              </a:defRPr>
+            </a:lvl7pPr>
+            <a:lvl8pPr marL="3200400" indent="0" algn="ctr" defTabSz="914400" rtl="0" eaLnBrk="1" latinLnBrk="0" hangingPunct="1">
+              <a:spcBef>
+                <a:spcPts val="288"/>
+              </a:spcBef>
+              <a:buClr>
+                <a:schemeClr val="tx1">
+                  <a:lumMod val="50000"/>
+                  <a:lumOff val="50000"/>
+                </a:schemeClr>
+              </a:buClr>
+              <a:buFont typeface="Wingdings" pitchFamily="2" charset="2"/>
+              <a:buNone/>
+              <a:defRPr sz="1400" kern="1200" baseline="0">
+                <a:solidFill>
+                  <a:schemeClr val="tx1">
+                    <a:tint val="75000"/>
+                  </a:schemeClr>
+                </a:solidFill>
+                <a:latin typeface="+mn-lt"/>
+                <a:ea typeface="+mn-ea"/>
+                <a:cs typeface="+mn-cs"/>
+              </a:defRPr>
+            </a:lvl8pPr>
+            <a:lvl9pPr marL="3657600" indent="0" algn="ctr" defTabSz="914400" rtl="0" eaLnBrk="1" latinLnBrk="0" hangingPunct="1">
+              <a:spcBef>
+                <a:spcPts val="288"/>
+              </a:spcBef>
+              <a:buClr>
+                <a:schemeClr val="tx1">
+                  <a:lumMod val="50000"/>
+                  <a:lumOff val="50000"/>
+                </a:schemeClr>
+              </a:buClr>
+              <a:buFont typeface="Wingdings" pitchFamily="2" charset="2"/>
+              <a:buNone/>
+              <a:defRPr sz="1400" kern="1200" baseline="0">
+                <a:solidFill>
+                  <a:schemeClr val="tx1">
+                    <a:tint val="75000"/>
+                  </a:schemeClr>
+                </a:solidFill>
+                <a:latin typeface="+mn-lt"/>
+                <a:ea typeface="+mn-ea"/>
+                <a:cs typeface="+mn-cs"/>
+              </a:defRPr>
+            </a:lvl9pPr>
+          </a:lstStyle>
+          <a:p>
+            <a:pPr algn="ctr"/>
+            <a:r>
+              <a:rPr lang="ro-RO" dirty="0" smtClean="0"/>
+              <a:t>Mufă Obd</a:t>
+            </a:r>
+          </a:p>
+          <a:p>
+            <a:pPr algn="ctr"/>
+            <a:endParaRPr lang="ro-RO" dirty="0" smtClean="0"/>
+          </a:p>
+        </p:txBody>
+      </p:sp>
+    </p:spTree>
+    <p:extLst>
+      <p:ext uri="{BB962C8B-B14F-4D97-AF65-F5344CB8AC3E}">
+        <p14:creationId xmlns:p14="http://schemas.microsoft.com/office/powerpoint/2010/main" val="2962339588"/>
+      </p:ext>
+    </p:extLst>
+  </p:cSld>
+  <p:clrMapOvr>
+    <a:masterClrMapping/>
+  </p:clrMapOvr>
+  <p:timing>
+    <p:tnLst>
+      <p:par>
+        <p:cTn id="1" dur="indefinite" restart="never" nodeType="tmRoot"/>
+      </p:par>
+    </p:tnLst>
+  </p:timing>
+</p:sld>
+</file>
+
+<file path=ppt/slides/slide6.xml><?xml version="1.0" encoding="utf-8"?>
+<p:sld xmlns:a="http://schemas.openxmlformats.org/drawingml/2006/main" xmlns:r="http://schemas.openxmlformats.org/officeDocument/2006/relationships" xmlns:p="http://schemas.openxmlformats.org/presentationml/2006/main">
+  <p:cSld>
+    <p:spTree>
+      <p:nvGrpSpPr>
+        <p:cNvPr id="1" name=""/>
+        <p:cNvGrpSpPr/>
+        <p:nvPr/>
+      </p:nvGrpSpPr>
+      <p:grpSpPr>
+        <a:xfrm>
+          <a:off x="0" y="0"/>
+          <a:ext cx="0" cy="0"/>
+          <a:chOff x="0" y="0"/>
+          <a:chExt cx="0" cy="0"/>
+        </a:xfrm>
+      </p:grpSpPr>
+      <p:sp>
+        <p:nvSpPr>
+          <p:cNvPr id="3" name="Subtitle 2"/>
+          <p:cNvSpPr>
+            <a:spLocks noGrp="1"/>
+          </p:cNvSpPr>
+          <p:nvPr>
+            <p:ph type="subTitle" idx="1"/>
+          </p:nvPr>
+        </p:nvSpPr>
+        <p:spPr>
+          <a:xfrm>
+            <a:off x="179512" y="3501008"/>
+            <a:ext cx="4005808" cy="2871936"/>
+          </a:xfrm>
+        </p:spPr>
+        <p:txBody>
+          <a:bodyPr>
+            <a:normAutofit/>
+          </a:bodyPr>
+          <a:lstStyle/>
+          <a:p>
+            <a:pPr algn="l"/>
+            <a:r>
+              <a:rPr lang="ro-RO" dirty="0" smtClean="0"/>
+              <a:t>Andoid – Raspberry Py via wi-fi</a:t>
+            </a:r>
+          </a:p>
+          <a:p>
+            <a:pPr algn="l"/>
+            <a:r>
+              <a:rPr lang="ro-RO" dirty="0" smtClean="0"/>
+              <a:t>Raspberry Py – ECU via CAN</a:t>
+            </a:r>
+          </a:p>
+          <a:p>
+            <a:pPr algn="l"/>
+            <a:endParaRPr lang="ro-RO" dirty="0"/>
+          </a:p>
+          <a:p>
+            <a:pPr algn="l"/>
+            <a:r>
+              <a:rPr lang="ro-RO" dirty="0" smtClean="0"/>
+              <a:t>Interfață dinamică client = gamă largă de </a:t>
+            </a:r>
+          </a:p>
+          <a:p>
+            <a:pPr algn="l"/>
+            <a:r>
+              <a:rPr lang="ro-RO" dirty="0" smtClean="0"/>
+              <a:t>Utilitate.</a:t>
+            </a:r>
+          </a:p>
+          <a:p>
+            <a:pPr algn="l"/>
+            <a:endParaRPr lang="ro-RO" dirty="0"/>
+          </a:p>
+          <a:p>
+            <a:pPr algn="l"/>
+            <a:endParaRPr lang="ro-RO" dirty="0" smtClean="0"/>
+          </a:p>
+        </p:txBody>
+      </p:sp>
+      <p:sp>
+        <p:nvSpPr>
+          <p:cNvPr id="2" name="Title 1"/>
+          <p:cNvSpPr>
+            <a:spLocks noGrp="1"/>
+          </p:cNvSpPr>
+          <p:nvPr>
+            <p:ph type="title"/>
+          </p:nvPr>
+        </p:nvSpPr>
+        <p:spPr>
+          <a:xfrm>
+            <a:off x="2555776" y="404664"/>
+            <a:ext cx="3962400" cy="512440"/>
+          </a:xfrm>
+        </p:spPr>
+        <p:txBody>
+          <a:bodyPr>
+            <a:normAutofit fontScale="90000"/>
+          </a:bodyPr>
+          <a:lstStyle/>
+          <a:p>
+            <a:r>
+              <a:rPr lang="ro-RO" dirty="0"/>
+              <a:t>Implementare</a:t>
+            </a:r>
+          </a:p>
+        </p:txBody>
+      </p:sp>
+      <p:sp>
+        <p:nvSpPr>
+          <p:cNvPr id="4" name="Footer Placeholder 3"/>
+          <p:cNvSpPr>
+            <a:spLocks noGrp="1"/>
+          </p:cNvSpPr>
+          <p:nvPr>
+            <p:ph type="ftr" sz="quarter" idx="12"/>
+          </p:nvPr>
+        </p:nvSpPr>
+        <p:spPr/>
+        <p:txBody>
+          <a:bodyPr/>
+          <a:lstStyle/>
+          <a:p>
+            <a:fld id="{77112F16-560A-4D6D-A598-D5BD8295163B}" type="slidenum">
+              <a:rPr lang="ro-RO" smtClean="0"/>
+              <a:t>6</a:t>
+            </a:fld>
+            <a:endParaRPr lang="ro-RO" dirty="0"/>
+          </a:p>
+        </p:txBody>
+      </p:sp>
+      <p:pic>
+        <p:nvPicPr>
+          <p:cNvPr id="6" name="Picture 5" descr="Image result for raspberry pi"/>
+          <p:cNvPicPr/>
+          <p:nvPr/>
+        </p:nvPicPr>
+        <p:blipFill>
+          <a:blip r:embed="rId2" cstate="print">
+            <a:extLst>
+              <a:ext uri="{28A0092B-C50C-407E-A947-70E740481C1C}">
+                <a14:useLocalDpi xmlns:a14="http://schemas.microsoft.com/office/drawing/2010/main" val="0"/>
+              </a:ext>
+            </a:extLst>
+          </a:blip>
+          <a:srcRect/>
+          <a:stretch>
+            <a:fillRect/>
+          </a:stretch>
+        </p:blipFill>
+        <p:spPr bwMode="auto">
+          <a:xfrm>
+            <a:off x="3514533" y="1467859"/>
+            <a:ext cx="2815069" cy="1769740"/>
+          </a:xfrm>
+          <a:prstGeom prst="rect">
+            <a:avLst/>
+          </a:prstGeom>
+          <a:noFill/>
+          <a:ln>
+            <a:noFill/>
+          </a:ln>
+        </p:spPr>
+      </p:pic>
+      <p:pic>
+        <p:nvPicPr>
+          <p:cNvPr id="7" name="Picture 12" descr="Imagini pentru car cartoon"/>
+          <p:cNvPicPr>
+            <a:picLocks noChangeAspect="1" noChangeArrowheads="1"/>
+          </p:cNvPicPr>
+          <p:nvPr/>
+        </p:nvPicPr>
+        <p:blipFill>
+          <a:blip r:embed="rId3" cstate="print">
+            <a:extLst>
+              <a:ext uri="{28A0092B-C50C-407E-A947-70E740481C1C}">
+                <a14:useLocalDpi xmlns:a14="http://schemas.microsoft.com/office/drawing/2010/main" val="0"/>
+              </a:ext>
+            </a:extLst>
+          </a:blip>
+          <a:srcRect/>
+          <a:stretch>
+            <a:fillRect/>
+          </a:stretch>
+        </p:blipFill>
+        <p:spPr bwMode="auto">
+          <a:xfrm>
+            <a:off x="3222803" y="4146503"/>
+            <a:ext cx="3407024" cy="1916451"/>
+          </a:xfrm>
+          <a:prstGeom prst="rect">
+            <a:avLst/>
+          </a:prstGeom>
+          <a:noFill/>
+          <a:extLst>
+            <a:ext uri="{909E8E84-426E-40DD-AFC4-6F175D3DCCD1}">
+              <a14:hiddenFill xmlns:a14="http://schemas.microsoft.com/office/drawing/2010/main">
+                <a:solidFill>
+                  <a:srgbClr val="FFFFFF"/>
+                </a:solidFill>
+              </a14:hiddenFill>
+            </a:ext>
+          </a:extLst>
+        </p:spPr>
+      </p:pic>
+      <p:pic>
+        <p:nvPicPr>
+          <p:cNvPr id="8" name="Picture 2" descr="Imagini pentru android"/>
+          <p:cNvPicPr>
+            <a:picLocks noChangeAspect="1" noChangeArrowheads="1"/>
+          </p:cNvPicPr>
+          <p:nvPr/>
+        </p:nvPicPr>
+        <p:blipFill>
+          <a:blip r:embed="rId4" cstate="print">
+            <a:extLst>
+              <a:ext uri="{28A0092B-C50C-407E-A947-70E740481C1C}">
+                <a14:useLocalDpi xmlns:a14="http://schemas.microsoft.com/office/drawing/2010/main" val="0"/>
+              </a:ext>
+            </a:extLst>
+          </a:blip>
+          <a:srcRect/>
+          <a:stretch>
+            <a:fillRect/>
+          </a:stretch>
+        </p:blipFill>
+        <p:spPr bwMode="auto">
+          <a:xfrm>
+            <a:off x="5735" y="1467859"/>
+            <a:ext cx="2806307" cy="1872208"/>
+          </a:xfrm>
+          <a:prstGeom prst="rect">
+            <a:avLst/>
+          </a:prstGeom>
+          <a:noFill/>
+          <a:extLst>
+            <a:ext uri="{909E8E84-426E-40DD-AFC4-6F175D3DCCD1}">
+              <a14:hiddenFill xmlns:a14="http://schemas.microsoft.com/office/drawing/2010/main">
+                <a:solidFill>
+                  <a:srgbClr val="FFFFFF"/>
+                </a:solidFill>
+              </a14:hiddenFill>
+            </a:ext>
+          </a:extLst>
+        </p:spPr>
+      </p:pic>
+      <p:pic>
+        <p:nvPicPr>
+          <p:cNvPr id="9" name="Picture 14" descr="Imagini pentru doble arrow"/>
+          <p:cNvPicPr>
+            <a:picLocks noChangeAspect="1" noChangeArrowheads="1"/>
+          </p:cNvPicPr>
+          <p:nvPr/>
+        </p:nvPicPr>
+        <p:blipFill>
+          <a:blip r:embed="rId5" cstate="print">
+            <a:extLst>
+              <a:ext uri="{28A0092B-C50C-407E-A947-70E740481C1C}">
+                <a14:useLocalDpi xmlns:a14="http://schemas.microsoft.com/office/drawing/2010/main" val="0"/>
+              </a:ext>
+            </a:extLst>
+          </a:blip>
+          <a:srcRect/>
+          <a:stretch>
+            <a:fillRect/>
+          </a:stretch>
+        </p:blipFill>
+        <p:spPr bwMode="auto">
+          <a:xfrm rot="5400000">
+            <a:off x="2537012" y="1942644"/>
+            <a:ext cx="600825" cy="770756"/>
+          </a:xfrm>
+          <a:prstGeom prst="rect">
+            <a:avLst/>
+          </a:prstGeom>
+          <a:noFill/>
+          <a:extLst>
+            <a:ext uri="{909E8E84-426E-40DD-AFC4-6F175D3DCCD1}">
+              <a14:hiddenFill xmlns:a14="http://schemas.microsoft.com/office/drawing/2010/main">
+                <a:solidFill>
+                  <a:srgbClr val="FFFFFF"/>
+                </a:solidFill>
+              </a14:hiddenFill>
+            </a:ext>
+          </a:extLst>
+        </p:spPr>
+      </p:pic>
+      <p:pic>
+        <p:nvPicPr>
+          <p:cNvPr id="10" name="Picture 14" descr="Imagini pentru doble arrow"/>
+          <p:cNvPicPr>
+            <a:picLocks noChangeAspect="1" noChangeArrowheads="1"/>
+          </p:cNvPicPr>
+          <p:nvPr/>
+        </p:nvPicPr>
+        <p:blipFill>
+          <a:blip r:embed="rId5" cstate="print">
+            <a:extLst>
+              <a:ext uri="{28A0092B-C50C-407E-A947-70E740481C1C}">
+                <a14:useLocalDpi xmlns:a14="http://schemas.microsoft.com/office/drawing/2010/main" val="0"/>
+              </a:ext>
+            </a:extLst>
+          </a:blip>
+          <a:srcRect/>
+          <a:stretch>
+            <a:fillRect/>
+          </a:stretch>
+        </p:blipFill>
+        <p:spPr bwMode="auto">
+          <a:xfrm rot="10800000">
+            <a:off x="4512949" y="3460713"/>
+            <a:ext cx="600825" cy="770756"/>
+          </a:xfrm>
+          <a:prstGeom prst="rect">
+            <a:avLst/>
+          </a:prstGeom>
+          <a:noFill/>
+          <a:extLst>
+            <a:ext uri="{909E8E84-426E-40DD-AFC4-6F175D3DCCD1}">
+              <a14:hiddenFill xmlns:a14="http://schemas.microsoft.com/office/drawing/2010/main">
+                <a:solidFill>
+                  <a:srgbClr val="FFFFFF"/>
+                </a:solidFill>
+              </a14:hiddenFill>
+            </a:ext>
+          </a:extLst>
+        </p:spPr>
+      </p:pic>
+    </p:spTree>
+    <p:extLst>
+      <p:ext uri="{BB962C8B-B14F-4D97-AF65-F5344CB8AC3E}">
+        <p14:creationId xmlns:p14="http://schemas.microsoft.com/office/powerpoint/2010/main" val="3824322487"/>
+      </p:ext>
+    </p:extLst>
+  </p:cSld>
+  <p:clrMapOvr>
+    <a:masterClrMapping/>
+  </p:clrMapOvr>
+  <p:timing>
+    <p:tnLst>
+      <p:par>
+        <p:cTn id="1" dur="indefinite" restart="never" nodeType="tmRoot"/>
+      </p:par>
+    </p:tnLst>
+  </p:timing>
+</p:sld>
+</file>
+
+<file path=ppt/slides/slide7.xml><?xml version="1.0" encoding="utf-8"?>
+<p:sld xmlns:a="http://schemas.openxmlformats.org/drawingml/2006/main" xmlns:r="http://schemas.openxmlformats.org/officeDocument/2006/relationships" xmlns:p="http://schemas.openxmlformats.org/presentationml/2006/main">
+  <p:cSld>
+    <p:spTree>
+      <p:nvGrpSpPr>
+        <p:cNvPr id="1" name=""/>
+        <p:cNvGrpSpPr/>
+        <p:nvPr/>
+      </p:nvGrpSpPr>
+      <p:grpSpPr>
+        <a:xfrm>
+          <a:off x="0" y="0"/>
+          <a:ext cx="0" cy="0"/>
+          <a:chOff x="0" y="0"/>
+          <a:chExt cx="0" cy="0"/>
+        </a:xfrm>
+      </p:grpSpPr>
+      <p:sp>
+        <p:nvSpPr>
+          <p:cNvPr id="3" name="Subtitle 2"/>
+          <p:cNvSpPr>
+            <a:spLocks noGrp="1"/>
+          </p:cNvSpPr>
+          <p:nvPr>
+            <p:ph type="subTitle" idx="1"/>
+          </p:nvPr>
+        </p:nvSpPr>
+        <p:spPr>
+          <a:xfrm>
+            <a:off x="251520" y="1052736"/>
+            <a:ext cx="6408712" cy="1152128"/>
+          </a:xfrm>
+        </p:spPr>
+        <p:txBody>
+          <a:bodyPr>
+            <a:normAutofit lnSpcReduction="10000"/>
+          </a:bodyPr>
+          <a:lstStyle/>
+          <a:p>
+            <a:pPr algn="l"/>
+            <a:r>
+              <a:rPr lang="ro-RO" dirty="0" smtClean="0"/>
+              <a:t>	Interfață generată dintr-un JSON stocal local (în concept primit de la server). Oferă  posibilitatea unei aplicați ce nu necesită informații despre automobilul pe care se vrea diagnoză.</a:t>
+            </a:r>
+          </a:p>
+          <a:p>
+            <a:pPr algn="l"/>
+            <a:r>
+              <a:rPr lang="ro-RO" dirty="0" smtClean="0"/>
+              <a:t>	Au mai fost implementate functionalități de baza ale platformei Android (meniu Android, activități, tranziții).</a:t>
+            </a:r>
+          </a:p>
+          <a:p>
+            <a:pPr algn="l"/>
+            <a:endParaRPr lang="ro-RO" dirty="0" smtClean="0"/>
+          </a:p>
+        </p:txBody>
+      </p:sp>
+      <p:sp>
+        <p:nvSpPr>
+          <p:cNvPr id="2" name="Title 1"/>
+          <p:cNvSpPr>
+            <a:spLocks noGrp="1"/>
+          </p:cNvSpPr>
+          <p:nvPr>
+            <p:ph type="title"/>
+          </p:nvPr>
+        </p:nvSpPr>
+        <p:spPr>
+          <a:xfrm>
+            <a:off x="2555776" y="188640"/>
+            <a:ext cx="3962400" cy="584448"/>
+          </a:xfrm>
+        </p:spPr>
+        <p:txBody>
+          <a:bodyPr/>
+          <a:lstStyle/>
+          <a:p>
+            <a:r>
+              <a:rPr lang="ro-RO" dirty="0" smtClean="0"/>
+              <a:t>Interfață dinamică</a:t>
+            </a:r>
+            <a:endParaRPr lang="ro-RO" dirty="0"/>
+          </a:p>
+        </p:txBody>
+      </p:sp>
+      <p:sp>
+        <p:nvSpPr>
+          <p:cNvPr id="4" name="Footer Placeholder 3"/>
+          <p:cNvSpPr>
+            <a:spLocks noGrp="1"/>
+          </p:cNvSpPr>
+          <p:nvPr>
+            <p:ph type="ftr" sz="quarter" idx="12"/>
+          </p:nvPr>
+        </p:nvSpPr>
+        <p:spPr/>
+        <p:txBody>
+          <a:bodyPr/>
+          <a:lstStyle/>
+          <a:p>
+            <a:fld id="{77112F16-560A-4D6D-A598-D5BD8295163B}" type="slidenum">
+              <a:rPr lang="ro-RO" smtClean="0"/>
+              <a:t>7</a:t>
+            </a:fld>
+            <a:endParaRPr lang="ro-RO" dirty="0"/>
+          </a:p>
+        </p:txBody>
+      </p:sp>
+      <p:pic>
+        <p:nvPicPr>
+          <p:cNvPr id="5" name="Picture 4" descr="C:\Users\uidk9044\Desktop\Licenta\Screenshot_2012-01-01-03-30-21.png"/>
+          <p:cNvPicPr/>
+          <p:nvPr/>
+        </p:nvPicPr>
+        <p:blipFill>
+          <a:blip r:embed="rId2">
+            <a:extLst>
+              <a:ext uri="{28A0092B-C50C-407E-A947-70E740481C1C}">
+                <a14:useLocalDpi xmlns:a14="http://schemas.microsoft.com/office/drawing/2010/main" val="0"/>
+              </a:ext>
+            </a:extLst>
+          </a:blip>
+          <a:srcRect/>
+          <a:stretch>
+            <a:fillRect/>
+          </a:stretch>
+        </p:blipFill>
+        <p:spPr bwMode="auto">
+          <a:xfrm>
+            <a:off x="1259632" y="2420888"/>
+            <a:ext cx="4492625" cy="3450590"/>
+          </a:xfrm>
+          <a:prstGeom prst="rect">
+            <a:avLst/>
+          </a:prstGeom>
+          <a:noFill/>
+          <a:ln>
+            <a:noFill/>
+          </a:ln>
+        </p:spPr>
+      </p:pic>
+    </p:spTree>
+    <p:extLst>
+      <p:ext uri="{BB962C8B-B14F-4D97-AF65-F5344CB8AC3E}">
+        <p14:creationId xmlns:p14="http://schemas.microsoft.com/office/powerpoint/2010/main" val="742771683"/>
+      </p:ext>
+    </p:extLst>
+  </p:cSld>
+  <p:clrMapOvr>
+    <a:masterClrMapping/>
+  </p:clrMapOvr>
+  <p:timing>
+    <p:tnLst>
+      <p:par>
+        <p:cTn id="1" dur="indefinite" restart="never" nodeType="tmRoot"/>
+      </p:par>
+    </p:tnLst>
+  </p:timing>
+</p:sld>
+</file>
+
+<file path=ppt/slides/slide8.xml><?xml version="1.0" encoding="utf-8"?>
+<p:sld xmlns:a="http://schemas.openxmlformats.org/drawingml/2006/main" xmlns:r="http://schemas.openxmlformats.org/officeDocument/2006/relationships" xmlns:p="http://schemas.openxmlformats.org/presentationml/2006/main">
+  <p:cSld>
+    <p:spTree>
+      <p:nvGrpSpPr>
+        <p:cNvPr id="1" name=""/>
+        <p:cNvGrpSpPr/>
+        <p:nvPr/>
+      </p:nvGrpSpPr>
+      <p:grpSpPr>
+        <a:xfrm>
+          <a:off x="0" y="0"/>
+          <a:ext cx="0" cy="0"/>
+          <a:chOff x="0" y="0"/>
+          <a:chExt cx="0" cy="0"/>
+        </a:xfrm>
+      </p:grpSpPr>
+      <p:sp>
+        <p:nvSpPr>
+          <p:cNvPr id="3" name="Subtitle 2"/>
+          <p:cNvSpPr>
+            <a:spLocks noGrp="1"/>
+          </p:cNvSpPr>
+          <p:nvPr>
+            <p:ph type="subTitle" idx="1"/>
+          </p:nvPr>
+        </p:nvSpPr>
+        <p:spPr>
+          <a:xfrm>
+            <a:off x="323528" y="908720"/>
+            <a:ext cx="6336704" cy="2088232"/>
+          </a:xfrm>
+        </p:spPr>
+        <p:txBody>
+          <a:bodyPr>
+            <a:normAutofit/>
+          </a:bodyPr>
+          <a:lstStyle/>
+          <a:p>
+            <a:pPr algn="l"/>
+            <a:r>
+              <a:rPr lang="ro-RO" dirty="0" smtClean="0"/>
+              <a:t>	Mesajele de CAN se trimit ciclic pe BUS-ul de CAN. Deci pentru ca aplicația să se comporte ca un ECU adevarat, dupa ce a compus mesajul de CAN, stocat într-o structură, a creat un JSON cu toată informația necesară serverului.</a:t>
+            </a:r>
+          </a:p>
+          <a:p>
+            <a:pPr algn="l"/>
+            <a:r>
+              <a:rPr lang="ro-RO" dirty="0" smtClean="0"/>
+              <a:t>	La nivel de server s-a implementat funționalitatea descrisa in codul de mai jos care desface JSON-ul primit și trimite informatia direct pe BUS-ul de CAN, folosind CanInterface, o interfață dedicata modulului de CAN montat pe Raspberry Py.</a:t>
+            </a:r>
+          </a:p>
+        </p:txBody>
+      </p:sp>
+      <p:sp>
+        <p:nvSpPr>
+          <p:cNvPr id="2" name="Title 1"/>
+          <p:cNvSpPr>
+            <a:spLocks noGrp="1"/>
+          </p:cNvSpPr>
+          <p:nvPr>
+            <p:ph type="title"/>
+          </p:nvPr>
+        </p:nvSpPr>
+        <p:spPr>
+          <a:xfrm>
+            <a:off x="2411760" y="332656"/>
+            <a:ext cx="3962400" cy="512440"/>
+          </a:xfrm>
+        </p:spPr>
+        <p:txBody>
+          <a:bodyPr>
+            <a:normAutofit fontScale="90000"/>
+          </a:bodyPr>
+          <a:lstStyle/>
+          <a:p>
+            <a:r>
+              <a:rPr lang="ro-RO" dirty="0"/>
+              <a:t>Trimitere mesaj CAN</a:t>
+            </a:r>
+          </a:p>
+        </p:txBody>
+      </p:sp>
+      <p:sp>
+        <p:nvSpPr>
+          <p:cNvPr id="4" name="Footer Placeholder 3"/>
+          <p:cNvSpPr>
+            <a:spLocks noGrp="1"/>
+          </p:cNvSpPr>
+          <p:nvPr>
+            <p:ph type="ftr" sz="quarter" idx="12"/>
+          </p:nvPr>
+        </p:nvSpPr>
+        <p:spPr/>
+        <p:txBody>
+          <a:bodyPr/>
+          <a:lstStyle/>
+          <a:p>
+            <a:fld id="{77112F16-560A-4D6D-A598-D5BD8295163B}" type="slidenum">
+              <a:rPr lang="ro-RO" smtClean="0"/>
+              <a:t>8</a:t>
+            </a:fld>
+            <a:endParaRPr lang="ro-RO" dirty="0"/>
+          </a:p>
+        </p:txBody>
+      </p:sp>
+      <p:pic>
+        <p:nvPicPr>
+          <p:cNvPr id="5" name="Picture 4"/>
+          <p:cNvPicPr/>
+          <p:nvPr/>
+        </p:nvPicPr>
+        <p:blipFill>
+          <a:blip r:embed="rId2"/>
+          <a:stretch>
+            <a:fillRect/>
+          </a:stretch>
+        </p:blipFill>
+        <p:spPr>
+          <a:xfrm>
+            <a:off x="899592" y="2780928"/>
+            <a:ext cx="4467225" cy="2628900"/>
+          </a:xfrm>
+          <a:prstGeom prst="rect">
+            <a:avLst/>
+          </a:prstGeom>
+        </p:spPr>
+      </p:pic>
+    </p:spTree>
+    <p:extLst>
+      <p:ext uri="{BB962C8B-B14F-4D97-AF65-F5344CB8AC3E}">
+        <p14:creationId xmlns:p14="http://schemas.microsoft.com/office/powerpoint/2010/main" val="358885928"/>
+      </p:ext>
+    </p:extLst>
+  </p:cSld>
+  <p:clrMapOvr>
+    <a:masterClrMapping/>
+  </p:clrMapOvr>
+  <p:timing>
+    <p:tnLst>
+      <p:par>
+        <p:cTn id="1" dur="indefinite" restart="never" nodeType="tmRoot"/>
+      </p:par>
+    </p:tnLst>
+  </p:timing>
+</p:sld>
+</file>
+
+<file path=ppt/slides/slide9.xml><?xml version="1.0" encoding="utf-8"?>
+<p:sld xmlns:a="http://schemas.openxmlformats.org/drawingml/2006/main" xmlns:r="http://schemas.openxmlformats.org/officeDocument/2006/relationships" xmlns:p="http://schemas.openxmlformats.org/presentationml/2006/main">
+  <p:cSld>
+    <p:spTree>
+      <p:nvGrpSpPr>
+        <p:cNvPr id="1" name=""/>
+        <p:cNvGrpSpPr/>
+        <p:nvPr/>
+      </p:nvGrpSpPr>
+      <p:grpSpPr>
+        <a:xfrm>
+          <a:off x="0" y="0"/>
+          <a:ext cx="0" cy="0"/>
+          <a:chOff x="0" y="0"/>
+          <a:chExt cx="0" cy="0"/>
+        </a:xfrm>
+      </p:grpSpPr>
+      <p:sp>
+        <p:nvSpPr>
+          <p:cNvPr id="3" name="Subtitle 2"/>
+          <p:cNvSpPr>
+            <a:spLocks noGrp="1"/>
+          </p:cNvSpPr>
+          <p:nvPr>
+            <p:ph type="subTitle" idx="1"/>
+          </p:nvPr>
+        </p:nvSpPr>
+        <p:spPr>
+          <a:xfrm>
+            <a:off x="395536" y="1052736"/>
+            <a:ext cx="5832648" cy="4824536"/>
+          </a:xfrm>
+        </p:spPr>
+        <p:txBody>
+          <a:bodyPr>
+            <a:normAutofit/>
+          </a:bodyPr>
+          <a:lstStyle/>
+          <a:p>
+            <a:pPr algn="l"/>
+            <a:r>
+              <a:rPr lang="ro-RO" dirty="0" smtClean="0"/>
+              <a:t>	De menționat este faptul ca pentru conexiunea client-server s-au folosit conexiuni de tip websoket. </a:t>
+            </a:r>
+            <a:endParaRPr lang="ro-RO" dirty="0"/>
+          </a:p>
+          <a:p>
+            <a:pPr algn="l"/>
+            <a:r>
+              <a:rPr lang="ro-RO" dirty="0" smtClean="0"/>
+              <a:t>	Pentru comunicare mai simplă, siguranța datelor și ordonarea mai logică a informației,  am folosit ca și structură pentru transmiterea datelor structură de tip JSON. </a:t>
+            </a:r>
+            <a:r>
+              <a:rPr lang="ro-RO" dirty="0" smtClean="0"/>
+              <a:t>Informația necesară generării interfeței și informația transmisă serverului au fost stocate în s</a:t>
+            </a:r>
+          </a:p>
+          <a:p>
+            <a:pPr algn="l"/>
+            <a:r>
+              <a:rPr lang="ro-RO" dirty="0" smtClean="0"/>
+              <a:t>tructuri de tip JSON.</a:t>
+            </a:r>
+          </a:p>
+          <a:p>
+            <a:pPr algn="l"/>
+            <a:r>
+              <a:rPr lang="ro-RO" dirty="0"/>
+              <a:t>	</a:t>
+            </a:r>
+            <a:r>
+              <a:rPr lang="ro-RO" dirty="0" smtClean="0"/>
+              <a:t>Un rînd din tabelul care gestionează interfața dinamică:</a:t>
+            </a:r>
+          </a:p>
+          <a:p>
+            <a:pPr algn="l"/>
+            <a:endParaRPr lang="ro-RO" dirty="0"/>
+          </a:p>
+          <a:p>
+            <a:pPr algn="l"/>
+            <a:endParaRPr lang="ro-RO" dirty="0" smtClean="0"/>
+          </a:p>
+          <a:p>
+            <a:pPr algn="l"/>
+            <a:endParaRPr lang="ro-RO" dirty="0"/>
+          </a:p>
+          <a:p>
+            <a:pPr algn="l"/>
+            <a:endParaRPr lang="ro-RO" dirty="0" smtClean="0"/>
+          </a:p>
+          <a:p>
+            <a:pPr algn="l"/>
+            <a:endParaRPr lang="ro-RO" dirty="0"/>
+          </a:p>
+          <a:p>
+            <a:pPr algn="l"/>
+            <a:endParaRPr lang="ro-RO" dirty="0" smtClean="0"/>
+          </a:p>
+          <a:p>
+            <a:pPr algn="l"/>
+            <a:endParaRPr lang="ro-RO" dirty="0"/>
+          </a:p>
+          <a:p>
+            <a:pPr algn="l"/>
+            <a:endParaRPr lang="ro-RO" dirty="0" smtClean="0"/>
+          </a:p>
+          <a:p>
+            <a:pPr algn="l"/>
+            <a:r>
+              <a:rPr lang="ro-RO" dirty="0"/>
+              <a:t>	</a:t>
+            </a:r>
+            <a:r>
+              <a:rPr lang="ro-RO" dirty="0" smtClean="0"/>
+              <a:t>O tehnologie foarte interesantă, care a fost folosită la dezvoltarea componentei server este cross-compile. (complexitate debug pe Raspian, simplitate Eclipse).</a:t>
+            </a:r>
+            <a:endParaRPr lang="ro-RO" dirty="0" smtClean="0"/>
+          </a:p>
+        </p:txBody>
+      </p:sp>
+      <p:sp>
+        <p:nvSpPr>
+          <p:cNvPr id="2" name="Title 1"/>
+          <p:cNvSpPr>
+            <a:spLocks noGrp="1"/>
+          </p:cNvSpPr>
+          <p:nvPr>
+            <p:ph type="title"/>
+          </p:nvPr>
+        </p:nvSpPr>
+        <p:spPr>
+          <a:xfrm>
+            <a:off x="2483768" y="332656"/>
+            <a:ext cx="3962400" cy="469032"/>
+          </a:xfrm>
+        </p:spPr>
+        <p:txBody>
+          <a:bodyPr>
+            <a:normAutofit fontScale="90000"/>
+          </a:bodyPr>
+          <a:lstStyle/>
+          <a:p>
+            <a:r>
+              <a:rPr lang="ro-RO" dirty="0"/>
+              <a:t>Tehnologii</a:t>
+            </a:r>
+          </a:p>
+        </p:txBody>
+      </p:sp>
+      <p:sp>
+        <p:nvSpPr>
+          <p:cNvPr id="4" name="Footer Placeholder 3"/>
+          <p:cNvSpPr>
+            <a:spLocks noGrp="1"/>
+          </p:cNvSpPr>
+          <p:nvPr>
+            <p:ph type="ftr" sz="quarter" idx="12"/>
+          </p:nvPr>
+        </p:nvSpPr>
+        <p:spPr/>
+        <p:txBody>
+          <a:bodyPr/>
+          <a:lstStyle/>
+          <a:p>
+            <a:fld id="{77112F16-560A-4D6D-A598-D5BD8295163B}" type="slidenum">
+              <a:rPr lang="ro-RO" smtClean="0"/>
+              <a:t>9</a:t>
+            </a:fld>
+            <a:endParaRPr lang="ro-RO" dirty="0"/>
+          </a:p>
+        </p:txBody>
+      </p:sp>
+      <p:pic>
+        <p:nvPicPr>
+          <p:cNvPr id="5" name="Picture 4"/>
+          <p:cNvPicPr/>
+          <p:nvPr/>
+        </p:nvPicPr>
+        <p:blipFill>
+          <a:blip r:embed="rId2"/>
+          <a:stretch>
+            <a:fillRect/>
+          </a:stretch>
+        </p:blipFill>
+        <p:spPr>
+          <a:xfrm>
+            <a:off x="1475656" y="2924944"/>
+            <a:ext cx="3952875" cy="1933575"/>
+          </a:xfrm>
+          <a:prstGeom prst="rect">
+            <a:avLst/>
+          </a:prstGeom>
+        </p:spPr>
+      </p:pic>
+    </p:spTree>
+    <p:extLst>
+      <p:ext uri="{BB962C8B-B14F-4D97-AF65-F5344CB8AC3E}">
+        <p14:creationId xmlns:p14="http://schemas.microsoft.com/office/powerpoint/2010/main" val="2617064479"/>
+      </p:ext>
+    </p:extLst>
+  </p:cSld>
+  <p:clrMapOvr>
+    <a:masterClrMapping/>
+  </p:clrMapOvr>
+  <p:timing>
+    <p:tnLst>
+      <p:par>
+        <p:cTn id="1" dur="indefinite" restart="never" nodeType="tmRoot"/>
+      </p:par>
+    </p:tnLst>
+  </p:timing>
 </p:sld>
 </file>
 
 <file path=ppt/theme/theme1.xml><?xml version="1.0" encoding="utf-8"?>
+<a:theme xmlns:a="http://schemas.openxmlformats.org/drawingml/2006/main" name="Composite">
+  <a:themeElements>
+    <a:clrScheme name="Composite">
+      <a:dk1>
+        <a:sysClr val="windowText" lastClr="000000"/>
+      </a:dk1>
+      <a:lt1>
+        <a:sysClr val="window" lastClr="FFFFFF"/>
+      </a:lt1>
+      <a:dk2>
+        <a:srgbClr val="5B6973"/>
+      </a:dk2>
+      <a:lt2>
+        <a:srgbClr val="E7ECED"/>
+      </a:lt2>
+      <a:accent1>
+        <a:srgbClr val="98C723"/>
+      </a:accent1>
+      <a:accent2>
+        <a:srgbClr val="59B0B9"/>
+      </a:accent2>
+      <a:accent3>
+        <a:srgbClr val="DEAE00"/>
+      </a:accent3>
+      <a:accent4>
+        <a:srgbClr val="B77BB4"/>
+      </a:accent4>
+      <a:accent5>
+        <a:srgbClr val="E0773C"/>
+      </a:accent5>
+      <a:accent6>
+        <a:srgbClr val="A98D63"/>
+      </a:accent6>
+      <a:hlink>
+        <a:srgbClr val="26CBEC"/>
+      </a:hlink>
+      <a:folHlink>
+        <a:srgbClr val="598C8C"/>
+      </a:folHlink>
+    </a:clrScheme>
+    <a:fontScheme name="Composite">
+      <a:majorFont>
+        <a:latin typeface="Calibri"/>
+        <a:ea typeface=""/>
+        <a:cs typeface=""/>
+        <a:font script="Jpan" typeface="ＭＳ Ｐゴシック"/>
+        <a:font script="Hang" typeface="맑은 고딕"/>
+        <a:font script="Hans" typeface="宋体"/>
+        <a:font script="Hant" typeface="微軟正黑體"/>
+        <a:font script="Arab" typeface="Arial"/>
+        <a:font script="Hebr" typeface="Arial"/>
+        <a:font script="Thai" typeface="Cordia New"/>
+        <a:font script="Ethi" typeface="Nyala"/>
+        <a:font script="Beng" typeface="Vrinda"/>
+        <a:font script="Gujr" typeface="Shruti"/>
+        <a:font script="Khmr" typeface="DaunPenh"/>
+        <a:font script="Knda" typeface="Tunga"/>
+        <a:font script="Guru" typeface="Raavi"/>
+        <a:font script="Cans" typeface="Euphemia"/>
+        <a:font script="Cher" typeface="Plantagenet Cherokee"/>
+        <a:font script="Yiii" typeface="Microsoft Yi Baiti"/>
+        <a:font script="Tibt" typeface="Microsoft Himalaya"/>
+        <a:font script="Thaa" typeface="MV Boli"/>
+        <a:font script="Deva" typeface="Mangal"/>
+        <a:font script="Telu" typeface="Gautami"/>
+        <a:font script="Taml" typeface="Latha"/>
+        <a:font script="Syrc" typeface="Estrangelo Edessa"/>
+        <a:font script="Orya" typeface="Kalinga"/>
+        <a:font script="Mlym" typeface="Kartika"/>
+        <a:font script="Laoo" typeface="DokChampa"/>
+        <a:font script="Sinh" typeface="Iskoola Pota"/>
+        <a:font script="Mong" typeface="Mongolian Baiti"/>
+        <a:font script="Viet" typeface="Arial"/>
+        <a:font script="Uigh" typeface="Microsoft Uighur"/>
+        <a:font script="Geor" typeface="Sylfaen"/>
+      </a:majorFont>
+      <a:minorFont>
+        <a:latin typeface="Calibri"/>
+        <a:ea typeface=""/>
+        <a:cs typeface=""/>
+        <a:font script="Jpan" typeface="ＭＳ Ｐゴシック"/>
+        <a:font script="Hang" typeface="맑은 고딕"/>
+        <a:font script="Hans" typeface="宋体"/>
+        <a:font script="Hant" typeface="微軟正黑體"/>
+        <a:font script="Arab" typeface="Arial"/>
+        <a:font script="Hebr" typeface="Arial"/>
+        <a:font script="Thai" typeface="Cordia New"/>
+        <a:font script="Ethi" typeface="Nyala"/>
+        <a:font script="Beng" typeface="Vrinda"/>
+        <a:font script="Gujr" typeface="Shruti"/>
+        <a:font script="Khmr" typeface="DaunPenh"/>
+        <a:font script="Knda" typeface="Tunga"/>
+        <a:font script="Guru" typeface="Raavi"/>
+        <a:font script="Cans" typeface="Euphemia"/>
+        <a:font script="Cher" typeface="Plantagenet Cherokee"/>
+        <a:font script="Yiii" typeface="Microsoft Yi Baiti"/>
+        <a:font script="Tibt" typeface="Microsoft Himalaya"/>
+        <a:font script="Thaa" typeface="MV Boli"/>
+        <a:font script="Deva" typeface="Mangal"/>
+        <a:font script="Telu" typeface="Gautami"/>
+        <a:font script="Taml" typeface="Latha"/>
+        <a:font script="Syrc" typeface="Estrangelo Edessa"/>
+        <a:font script="Orya" typeface="Kalinga"/>
+        <a:font script="Mlym" typeface="Kartika"/>
+        <a:font script="Laoo" typeface="DokChampa"/>
+        <a:font script="Sinh" typeface="Iskoola Pota"/>
+        <a:font script="Mong" typeface="Mongolian Baiti"/>
+        <a:font script="Viet" typeface="Arial"/>
+        <a:font script="Uigh" typeface="Microsoft Uighur"/>
+        <a:font script="Geor" typeface="Sylfaen"/>
+      </a:minorFont>
+    </a:fontScheme>
+    <a:fmtScheme name="Composite">
+      <a:fillStyleLst>
+        <a:solidFill>
+          <a:schemeClr val="phClr"/>
+        </a:solidFill>
+        <a:gradFill rotWithShape="1">
+          <a:gsLst>
+            <a:gs pos="0">
+              <a:schemeClr val="phClr">
+                <a:tint val="50000"/>
+                <a:shade val="95000"/>
+                <a:satMod val="300000"/>
+              </a:schemeClr>
+            </a:gs>
+            <a:gs pos="12000">
+              <a:schemeClr val="phClr">
+                <a:tint val="50000"/>
+                <a:shade val="90000"/>
+                <a:satMod val="250000"/>
+              </a:schemeClr>
+            </a:gs>
+            <a:gs pos="100000">
+              <a:schemeClr val="phClr">
+                <a:tint val="85000"/>
+                <a:shade val="75000"/>
+                <a:satMod val="150000"/>
+              </a:schemeClr>
+            </a:gs>
+          </a:gsLst>
+          <a:lin ang="16200000" scaled="1"/>
+        </a:gradFill>
+        <a:gradFill rotWithShape="1">
+          <a:gsLst>
+            <a:gs pos="0">
+              <a:schemeClr val="phClr">
+                <a:tint val="75000"/>
+                <a:shade val="95000"/>
+                <a:satMod val="175000"/>
+              </a:schemeClr>
+            </a:gs>
+            <a:gs pos="12000">
+              <a:schemeClr val="phClr">
+                <a:tint val="90000"/>
+                <a:shade val="90000"/>
+                <a:satMod val="150000"/>
+              </a:schemeClr>
+            </a:gs>
+            <a:gs pos="100000">
+              <a:schemeClr val="phClr">
+                <a:tint val="100000"/>
+                <a:shade val="75000"/>
+                <a:satMod val="150000"/>
+              </a:schemeClr>
+            </a:gs>
+          </a:gsLst>
+          <a:lin ang="16200000" scaled="1"/>
+        </a:gradFill>
+      </a:fillStyleLst>
+      <a:lnStyleLst>
+        <a:ln w="9525" cap="flat" cmpd="sng" algn="ctr">
+          <a:solidFill>
+            <a:schemeClr val="phClr">
+              <a:shade val="95000"/>
+              <a:satMod val="105000"/>
+            </a:schemeClr>
+          </a:solidFill>
+          <a:prstDash val="solid"/>
+        </a:ln>
+        <a:ln w="15875" cap="flat" cmpd="sng" algn="ctr">
+          <a:solidFill>
+            <a:schemeClr val="phClr"/>
+          </a:solidFill>
+          <a:prstDash val="solid"/>
+        </a:ln>
+        <a:ln w="25400" cap="flat" cmpd="sng" algn="ctr">
+          <a:solidFill>
+            <a:schemeClr val="phClr"/>
+          </a:solidFill>
+          <a:prstDash val="solid"/>
+        </a:ln>
+      </a:lnStyleLst>
+      <a:effectStyleLst>
+        <a:effectStyle>
+          <a:effectLst>
+            <a:outerShdw blurRad="40000" dist="20000" dir="5400000" rotWithShape="0">
+              <a:srgbClr val="000000">
+                <a:alpha val="38000"/>
+              </a:srgbClr>
+            </a:outerShdw>
+          </a:effectLst>
+        </a:effectStyle>
+        <a:effectStyle>
+          <a:effectLst>
+            <a:outerShdw blurRad="40000" dist="23000" dir="5400000" rotWithShape="0">
+              <a:srgbClr val="000000">
+                <a:alpha val="35000"/>
+              </a:srgbClr>
+            </a:outerShdw>
+          </a:effectLst>
+        </a:effectStyle>
+        <a:effectStyle>
+          <a:effectLst/>
+          <a:scene3d>
+            <a:camera prst="orthographicFront">
+              <a:rot lat="0" lon="0" rev="0"/>
+            </a:camera>
+            <a:lightRig rig="freezing" dir="t">
+              <a:rot lat="0" lon="0" rev="6000000"/>
+            </a:lightRig>
+          </a:scene3d>
+          <a:sp3d contourW="12700" prstMaterial="dkEdge">
+            <a:bevelT w="44450" h="25400"/>
+            <a:contourClr>
+              <a:schemeClr val="phClr">
+                <a:shade val="30000"/>
+              </a:schemeClr>
+            </a:contourClr>
+          </a:sp3d>
+        </a:effectStyle>
+      </a:effectStyleLst>
+      <a:bgFillStyleLst>
+        <a:solidFill>
+          <a:schemeClr val="phClr"/>
+        </a:solidFill>
+        <a:gradFill rotWithShape="1">
+          <a:gsLst>
+            <a:gs pos="0">
+              <a:schemeClr val="phClr">
+                <a:tint val="100000"/>
+                <a:shade val="80000"/>
+                <a:satMod val="110000"/>
+                <a:lumMod val="80000"/>
+              </a:schemeClr>
+            </a:gs>
+            <a:gs pos="79000">
+              <a:schemeClr val="phClr">
+                <a:tint val="100000"/>
+                <a:shade val="90000"/>
+                <a:satMod val="105000"/>
+                <a:lumMod val="100000"/>
+              </a:schemeClr>
+            </a:gs>
+            <a:gs pos="100000">
+              <a:schemeClr val="phClr">
+                <a:tint val="95000"/>
+                <a:shade val="100000"/>
+                <a:satMod val="110000"/>
+                <a:lumMod val="115000"/>
+              </a:schemeClr>
+            </a:gs>
+          </a:gsLst>
+          <a:lin ang="5400000" scaled="0"/>
+        </a:gradFill>
+        <a:gradFill rotWithShape="1">
+          <a:gsLst>
+            <a:gs pos="0">
+              <a:schemeClr val="phClr">
+                <a:tint val="90000"/>
+                <a:shade val="100000"/>
+                <a:satMod val="100000"/>
+                <a:lumMod val="110000"/>
+              </a:schemeClr>
+            </a:gs>
+            <a:gs pos="83000">
+              <a:schemeClr val="phClr">
+                <a:shade val="75000"/>
+                <a:satMod val="200000"/>
+              </a:schemeClr>
+            </a:gs>
+            <a:gs pos="100000">
+              <a:schemeClr val="phClr">
+                <a:shade val="90000"/>
+                <a:satMod val="200000"/>
+              </a:schemeClr>
+            </a:gs>
+          </a:gsLst>
+          <a:path path="circle">
+            <a:fillToRect l="75000" t="100000" b="300000"/>
+          </a:path>
+        </a:gradFill>
+      </a:bgFillStyleLst>
+    </a:fmtScheme>
+  </a:themeElements>
+  <a:objectDefaults/>
+  <a:extraClrSchemeLst/>
+</a:theme>
+</file>
+
+<file path=ppt/theme/theme2.xml><?xml version="1.0" encoding="utf-8"?>
 <a:theme xmlns:a="http://schemas.openxmlformats.org/drawingml/2006/main" name="Office Theme">
   <a:themeElements>
     <a:clrScheme name="Office">
